--- a/docs/resources/Fig13.pptx
+++ b/docs/resources/Fig13.pptx
@@ -134,7 +134,7 @@
           <p:cNvPr id="2" name="Título 1">
             <a:extLst>
               <a:ext uri="{FF2B5EF4-FFF2-40B4-BE49-F238E27FC236}">
-                <a16:creationId xmlns:a16="http://schemas.microsoft.com/office/drawing/2014/main" id="{02EC2D9A-9BC4-468B-BA50-3F1D174AAC29}"/>
+                <a16:creationId xmlns:a16="http://schemas.microsoft.com/office/drawing/2014/main" id="{EDAD13D0-F738-4F8C-85EF-2E58FE3AA5CF}"/>
               </a:ext>
             </a:extLst>
           </p:cNvPr>
@@ -171,7 +171,7 @@
           <p:cNvPr id="3" name="Subtítulo 2">
             <a:extLst>
               <a:ext uri="{FF2B5EF4-FFF2-40B4-BE49-F238E27FC236}">
-                <a16:creationId xmlns:a16="http://schemas.microsoft.com/office/drawing/2014/main" id="{1D5B5F19-570E-4C4D-B496-40CBCAF6D923}"/>
+                <a16:creationId xmlns:a16="http://schemas.microsoft.com/office/drawing/2014/main" id="{EAFC65B7-33AA-4DE2-9DB4-2B5AE6439728}"/>
               </a:ext>
             </a:extLst>
           </p:cNvPr>
@@ -241,7 +241,7 @@
           <p:cNvPr id="4" name="Marcador de fecha 3">
             <a:extLst>
               <a:ext uri="{FF2B5EF4-FFF2-40B4-BE49-F238E27FC236}">
-                <a16:creationId xmlns:a16="http://schemas.microsoft.com/office/drawing/2014/main" id="{29FC747B-EF5D-423E-897E-4647A2E26E7D}"/>
+                <a16:creationId xmlns:a16="http://schemas.microsoft.com/office/drawing/2014/main" id="{1705FCDD-6411-4CC4-9151-CC9D724E61C7}"/>
               </a:ext>
             </a:extLst>
           </p:cNvPr>
@@ -257,7 +257,7 @@
           <a:bodyPr/>
           <a:lstStyle/>
           <a:p>
-            <a:fld id="{F72F9FEF-360E-499C-A64A-166A6E855A69}" type="datetimeFigureOut">
+            <a:fld id="{BF69B806-6058-4FCC-8FFC-372DE4647EA7}" type="datetimeFigureOut">
               <a:rPr lang="es-ES" smtClean="0"/>
               <a:t>15/05/2019</a:t>
             </a:fld>
@@ -270,7 +270,7 @@
           <p:cNvPr id="5" name="Marcador de pie de página 4">
             <a:extLst>
               <a:ext uri="{FF2B5EF4-FFF2-40B4-BE49-F238E27FC236}">
-                <a16:creationId xmlns:a16="http://schemas.microsoft.com/office/drawing/2014/main" id="{FC756EFA-E814-4933-A849-D0E626D9897C}"/>
+                <a16:creationId xmlns:a16="http://schemas.microsoft.com/office/drawing/2014/main" id="{49AC2216-4702-4FA9-852D-3CC394E23ABE}"/>
               </a:ext>
             </a:extLst>
           </p:cNvPr>
@@ -295,7 +295,7 @@
           <p:cNvPr id="6" name="Marcador de número de diapositiva 5">
             <a:extLst>
               <a:ext uri="{FF2B5EF4-FFF2-40B4-BE49-F238E27FC236}">
-                <a16:creationId xmlns:a16="http://schemas.microsoft.com/office/drawing/2014/main" id="{4CD10D21-B164-404C-8B76-6E1BC89963F6}"/>
+                <a16:creationId xmlns:a16="http://schemas.microsoft.com/office/drawing/2014/main" id="{2A9A729F-4D28-48F5-B938-0CEE0E928623}"/>
               </a:ext>
             </a:extLst>
           </p:cNvPr>
@@ -311,7 +311,7 @@
           <a:bodyPr/>
           <a:lstStyle/>
           <a:p>
-            <a:fld id="{2814B0EC-609F-4BB3-B31C-E3F9113DCA37}" type="slidenum">
+            <a:fld id="{F080C0F9-8B9D-4BAA-A90F-F746778F16DC}" type="slidenum">
               <a:rPr lang="es-ES" smtClean="0"/>
               <a:t>‹Nº›</a:t>
             </a:fld>
@@ -322,7 +322,7 @@
     </p:spTree>
     <p:extLst>
       <p:ext uri="{BB962C8B-B14F-4D97-AF65-F5344CB8AC3E}">
-        <p14:creationId xmlns:p14="http://schemas.microsoft.com/office/powerpoint/2010/main" val="2789513919"/>
+        <p14:creationId xmlns:p14="http://schemas.microsoft.com/office/powerpoint/2010/main" val="2692399840"/>
       </p:ext>
     </p:extLst>
   </p:cSld>
@@ -354,7 +354,7 @@
           <p:cNvPr id="2" name="Título 1">
             <a:extLst>
               <a:ext uri="{FF2B5EF4-FFF2-40B4-BE49-F238E27FC236}">
-                <a16:creationId xmlns:a16="http://schemas.microsoft.com/office/drawing/2014/main" id="{73BB7E60-B0B8-43D9-9ADF-C99E69358982}"/>
+                <a16:creationId xmlns:a16="http://schemas.microsoft.com/office/drawing/2014/main" id="{0DBCB61D-2555-48CB-8C32-5F3A53C0360C}"/>
               </a:ext>
             </a:extLst>
           </p:cNvPr>
@@ -382,7 +382,7 @@
           <p:cNvPr id="3" name="Marcador de texto vertical 2">
             <a:extLst>
               <a:ext uri="{FF2B5EF4-FFF2-40B4-BE49-F238E27FC236}">
-                <a16:creationId xmlns:a16="http://schemas.microsoft.com/office/drawing/2014/main" id="{122F84B6-D8F9-4CAE-8D0C-F0488BCF68D9}"/>
+                <a16:creationId xmlns:a16="http://schemas.microsoft.com/office/drawing/2014/main" id="{56887DED-D177-48CF-B1B9-50633A2193BC}"/>
               </a:ext>
             </a:extLst>
           </p:cNvPr>
@@ -439,7 +439,7 @@
           <p:cNvPr id="4" name="Marcador de fecha 3">
             <a:extLst>
               <a:ext uri="{FF2B5EF4-FFF2-40B4-BE49-F238E27FC236}">
-                <a16:creationId xmlns:a16="http://schemas.microsoft.com/office/drawing/2014/main" id="{FA99E47A-8E72-46F2-9685-02A9498DC2D9}"/>
+                <a16:creationId xmlns:a16="http://schemas.microsoft.com/office/drawing/2014/main" id="{755C724E-D26C-4586-AD3E-B0032710BCA3}"/>
               </a:ext>
             </a:extLst>
           </p:cNvPr>
@@ -455,7 +455,7 @@
           <a:bodyPr/>
           <a:lstStyle/>
           <a:p>
-            <a:fld id="{F72F9FEF-360E-499C-A64A-166A6E855A69}" type="datetimeFigureOut">
+            <a:fld id="{BF69B806-6058-4FCC-8FFC-372DE4647EA7}" type="datetimeFigureOut">
               <a:rPr lang="es-ES" smtClean="0"/>
               <a:t>15/05/2019</a:t>
             </a:fld>
@@ -468,7 +468,7 @@
           <p:cNvPr id="5" name="Marcador de pie de página 4">
             <a:extLst>
               <a:ext uri="{FF2B5EF4-FFF2-40B4-BE49-F238E27FC236}">
-                <a16:creationId xmlns:a16="http://schemas.microsoft.com/office/drawing/2014/main" id="{51505CC3-3F00-446E-976C-5506073B0A47}"/>
+                <a16:creationId xmlns:a16="http://schemas.microsoft.com/office/drawing/2014/main" id="{5BDD61B0-1DA7-48BC-9707-6F8F7A4474E1}"/>
               </a:ext>
             </a:extLst>
           </p:cNvPr>
@@ -493,7 +493,7 @@
           <p:cNvPr id="6" name="Marcador de número de diapositiva 5">
             <a:extLst>
               <a:ext uri="{FF2B5EF4-FFF2-40B4-BE49-F238E27FC236}">
-                <a16:creationId xmlns:a16="http://schemas.microsoft.com/office/drawing/2014/main" id="{1B89F7C8-2045-400C-A22B-3B6E8F4C5373}"/>
+                <a16:creationId xmlns:a16="http://schemas.microsoft.com/office/drawing/2014/main" id="{62779196-78E0-43B5-A0BE-CA832CD14880}"/>
               </a:ext>
             </a:extLst>
           </p:cNvPr>
@@ -509,7 +509,7 @@
           <a:bodyPr/>
           <a:lstStyle/>
           <a:p>
-            <a:fld id="{2814B0EC-609F-4BB3-B31C-E3F9113DCA37}" type="slidenum">
+            <a:fld id="{F080C0F9-8B9D-4BAA-A90F-F746778F16DC}" type="slidenum">
               <a:rPr lang="es-ES" smtClean="0"/>
               <a:t>‹Nº›</a:t>
             </a:fld>
@@ -520,7 +520,7 @@
     </p:spTree>
     <p:extLst>
       <p:ext uri="{BB962C8B-B14F-4D97-AF65-F5344CB8AC3E}">
-        <p14:creationId xmlns:p14="http://schemas.microsoft.com/office/powerpoint/2010/main" val="1799047593"/>
+        <p14:creationId xmlns:p14="http://schemas.microsoft.com/office/powerpoint/2010/main" val="4048519655"/>
       </p:ext>
     </p:extLst>
   </p:cSld>
@@ -552,7 +552,7 @@
           <p:cNvPr id="2" name="Título vertical 1">
             <a:extLst>
               <a:ext uri="{FF2B5EF4-FFF2-40B4-BE49-F238E27FC236}">
-                <a16:creationId xmlns:a16="http://schemas.microsoft.com/office/drawing/2014/main" id="{96650F16-123C-4399-9D59-8EDBE1C49D8A}"/>
+                <a16:creationId xmlns:a16="http://schemas.microsoft.com/office/drawing/2014/main" id="{206D9D15-B1B4-475F-8987-DDDA9E09AC0E}"/>
               </a:ext>
             </a:extLst>
           </p:cNvPr>
@@ -585,7 +585,7 @@
           <p:cNvPr id="3" name="Marcador de texto vertical 2">
             <a:extLst>
               <a:ext uri="{FF2B5EF4-FFF2-40B4-BE49-F238E27FC236}">
-                <a16:creationId xmlns:a16="http://schemas.microsoft.com/office/drawing/2014/main" id="{90598BB4-23D3-4C12-A4EA-0894A449895A}"/>
+                <a16:creationId xmlns:a16="http://schemas.microsoft.com/office/drawing/2014/main" id="{DC70FC0A-527E-427A-B755-16EE1D9B2E94}"/>
               </a:ext>
             </a:extLst>
           </p:cNvPr>
@@ -647,7 +647,7 @@
           <p:cNvPr id="4" name="Marcador de fecha 3">
             <a:extLst>
               <a:ext uri="{FF2B5EF4-FFF2-40B4-BE49-F238E27FC236}">
-                <a16:creationId xmlns:a16="http://schemas.microsoft.com/office/drawing/2014/main" id="{6BFCE842-788A-412B-B927-3819A960958F}"/>
+                <a16:creationId xmlns:a16="http://schemas.microsoft.com/office/drawing/2014/main" id="{9E51970E-190C-4137-AA8E-29ED4EF9B816}"/>
               </a:ext>
             </a:extLst>
           </p:cNvPr>
@@ -663,7 +663,7 @@
           <a:bodyPr/>
           <a:lstStyle/>
           <a:p>
-            <a:fld id="{F72F9FEF-360E-499C-A64A-166A6E855A69}" type="datetimeFigureOut">
+            <a:fld id="{BF69B806-6058-4FCC-8FFC-372DE4647EA7}" type="datetimeFigureOut">
               <a:rPr lang="es-ES" smtClean="0"/>
               <a:t>15/05/2019</a:t>
             </a:fld>
@@ -676,7 +676,7 @@
           <p:cNvPr id="5" name="Marcador de pie de página 4">
             <a:extLst>
               <a:ext uri="{FF2B5EF4-FFF2-40B4-BE49-F238E27FC236}">
-                <a16:creationId xmlns:a16="http://schemas.microsoft.com/office/drawing/2014/main" id="{73B064DD-AEA5-4E49-AE83-C988144A2EC5}"/>
+                <a16:creationId xmlns:a16="http://schemas.microsoft.com/office/drawing/2014/main" id="{EACEA08F-6F81-4477-8C06-9DA55EF7A267}"/>
               </a:ext>
             </a:extLst>
           </p:cNvPr>
@@ -701,7 +701,7 @@
           <p:cNvPr id="6" name="Marcador de número de diapositiva 5">
             <a:extLst>
               <a:ext uri="{FF2B5EF4-FFF2-40B4-BE49-F238E27FC236}">
-                <a16:creationId xmlns:a16="http://schemas.microsoft.com/office/drawing/2014/main" id="{F39FF4CC-0A6A-4653-9E82-F981543EBDA0}"/>
+                <a16:creationId xmlns:a16="http://schemas.microsoft.com/office/drawing/2014/main" id="{9DD7E563-509C-47D9-8808-1A5360140C0D}"/>
               </a:ext>
             </a:extLst>
           </p:cNvPr>
@@ -717,7 +717,7 @@
           <a:bodyPr/>
           <a:lstStyle/>
           <a:p>
-            <a:fld id="{2814B0EC-609F-4BB3-B31C-E3F9113DCA37}" type="slidenum">
+            <a:fld id="{F080C0F9-8B9D-4BAA-A90F-F746778F16DC}" type="slidenum">
               <a:rPr lang="es-ES" smtClean="0"/>
               <a:t>‹Nº›</a:t>
             </a:fld>
@@ -728,7 +728,7 @@
     </p:spTree>
     <p:extLst>
       <p:ext uri="{BB962C8B-B14F-4D97-AF65-F5344CB8AC3E}">
-        <p14:creationId xmlns:p14="http://schemas.microsoft.com/office/powerpoint/2010/main" val="217432336"/>
+        <p14:creationId xmlns:p14="http://schemas.microsoft.com/office/powerpoint/2010/main" val="1165039347"/>
       </p:ext>
     </p:extLst>
   </p:cSld>
@@ -760,7 +760,7 @@
           <p:cNvPr id="2" name="Título 1">
             <a:extLst>
               <a:ext uri="{FF2B5EF4-FFF2-40B4-BE49-F238E27FC236}">
-                <a16:creationId xmlns:a16="http://schemas.microsoft.com/office/drawing/2014/main" id="{1AB1C777-3BDB-4E9B-B890-A4AB68CB6C79}"/>
+                <a16:creationId xmlns:a16="http://schemas.microsoft.com/office/drawing/2014/main" id="{1651420A-1523-4376-91C8-2C28C5490CB2}"/>
               </a:ext>
             </a:extLst>
           </p:cNvPr>
@@ -788,7 +788,7 @@
           <p:cNvPr id="3" name="Marcador de contenido 2">
             <a:extLst>
               <a:ext uri="{FF2B5EF4-FFF2-40B4-BE49-F238E27FC236}">
-                <a16:creationId xmlns:a16="http://schemas.microsoft.com/office/drawing/2014/main" id="{7B4F6774-F743-4646-8B27-291B6873DCD1}"/>
+                <a16:creationId xmlns:a16="http://schemas.microsoft.com/office/drawing/2014/main" id="{DDB8BC3A-3EF9-4F4F-AC26-39C070F4958D}"/>
               </a:ext>
             </a:extLst>
           </p:cNvPr>
@@ -845,7 +845,7 @@
           <p:cNvPr id="4" name="Marcador de fecha 3">
             <a:extLst>
               <a:ext uri="{FF2B5EF4-FFF2-40B4-BE49-F238E27FC236}">
-                <a16:creationId xmlns:a16="http://schemas.microsoft.com/office/drawing/2014/main" id="{832562B6-16CA-4F58-AA5F-2BE0E8AD328B}"/>
+                <a16:creationId xmlns:a16="http://schemas.microsoft.com/office/drawing/2014/main" id="{C652420A-6429-44DA-A939-B12DD9F8547E}"/>
               </a:ext>
             </a:extLst>
           </p:cNvPr>
@@ -861,7 +861,7 @@
           <a:bodyPr/>
           <a:lstStyle/>
           <a:p>
-            <a:fld id="{F72F9FEF-360E-499C-A64A-166A6E855A69}" type="datetimeFigureOut">
+            <a:fld id="{BF69B806-6058-4FCC-8FFC-372DE4647EA7}" type="datetimeFigureOut">
               <a:rPr lang="es-ES" smtClean="0"/>
               <a:t>15/05/2019</a:t>
             </a:fld>
@@ -874,7 +874,7 @@
           <p:cNvPr id="5" name="Marcador de pie de página 4">
             <a:extLst>
               <a:ext uri="{FF2B5EF4-FFF2-40B4-BE49-F238E27FC236}">
-                <a16:creationId xmlns:a16="http://schemas.microsoft.com/office/drawing/2014/main" id="{1594BF11-B23D-4F23-A2FA-107EB1CC5A64}"/>
+                <a16:creationId xmlns:a16="http://schemas.microsoft.com/office/drawing/2014/main" id="{D0A647D7-6BA7-4B0A-A0D3-2BEDC7679491}"/>
               </a:ext>
             </a:extLst>
           </p:cNvPr>
@@ -899,7 +899,7 @@
           <p:cNvPr id="6" name="Marcador de número de diapositiva 5">
             <a:extLst>
               <a:ext uri="{FF2B5EF4-FFF2-40B4-BE49-F238E27FC236}">
-                <a16:creationId xmlns:a16="http://schemas.microsoft.com/office/drawing/2014/main" id="{61582594-B77F-42E5-949F-4E49453899AC}"/>
+                <a16:creationId xmlns:a16="http://schemas.microsoft.com/office/drawing/2014/main" id="{C954D77B-9007-447D-8D9C-A7C86F174C3E}"/>
               </a:ext>
             </a:extLst>
           </p:cNvPr>
@@ -915,7 +915,7 @@
           <a:bodyPr/>
           <a:lstStyle/>
           <a:p>
-            <a:fld id="{2814B0EC-609F-4BB3-B31C-E3F9113DCA37}" type="slidenum">
+            <a:fld id="{F080C0F9-8B9D-4BAA-A90F-F746778F16DC}" type="slidenum">
               <a:rPr lang="es-ES" smtClean="0"/>
               <a:t>‹Nº›</a:t>
             </a:fld>
@@ -926,7 +926,7 @@
     </p:spTree>
     <p:extLst>
       <p:ext uri="{BB962C8B-B14F-4D97-AF65-F5344CB8AC3E}">
-        <p14:creationId xmlns:p14="http://schemas.microsoft.com/office/powerpoint/2010/main" val="3717554277"/>
+        <p14:creationId xmlns:p14="http://schemas.microsoft.com/office/powerpoint/2010/main" val="1462483243"/>
       </p:ext>
     </p:extLst>
   </p:cSld>
@@ -958,7 +958,7 @@
           <p:cNvPr id="2" name="Título 1">
             <a:extLst>
               <a:ext uri="{FF2B5EF4-FFF2-40B4-BE49-F238E27FC236}">
-                <a16:creationId xmlns:a16="http://schemas.microsoft.com/office/drawing/2014/main" id="{9096175E-C1D5-40DD-9F90-8F79B5919642}"/>
+                <a16:creationId xmlns:a16="http://schemas.microsoft.com/office/drawing/2014/main" id="{07690299-E3CA-4B47-91C4-58454CDE5244}"/>
               </a:ext>
             </a:extLst>
           </p:cNvPr>
@@ -995,7 +995,7 @@
           <p:cNvPr id="3" name="Marcador de texto 2">
             <a:extLst>
               <a:ext uri="{FF2B5EF4-FFF2-40B4-BE49-F238E27FC236}">
-                <a16:creationId xmlns:a16="http://schemas.microsoft.com/office/drawing/2014/main" id="{694D9705-2A9A-42DA-A788-57B4515B1A9A}"/>
+                <a16:creationId xmlns:a16="http://schemas.microsoft.com/office/drawing/2014/main" id="{2DF31B72-FEB4-4291-BD84-359B2D8F615A}"/>
               </a:ext>
             </a:extLst>
           </p:cNvPr>
@@ -1120,7 +1120,7 @@
           <p:cNvPr id="4" name="Marcador de fecha 3">
             <a:extLst>
               <a:ext uri="{FF2B5EF4-FFF2-40B4-BE49-F238E27FC236}">
-                <a16:creationId xmlns:a16="http://schemas.microsoft.com/office/drawing/2014/main" id="{8ABF947A-2245-459E-8A77-D5FBBB2DEBF7}"/>
+                <a16:creationId xmlns:a16="http://schemas.microsoft.com/office/drawing/2014/main" id="{247D0D0A-37A1-4C47-9A4D-C06DAC2C56DF}"/>
               </a:ext>
             </a:extLst>
           </p:cNvPr>
@@ -1136,7 +1136,7 @@
           <a:bodyPr/>
           <a:lstStyle/>
           <a:p>
-            <a:fld id="{F72F9FEF-360E-499C-A64A-166A6E855A69}" type="datetimeFigureOut">
+            <a:fld id="{BF69B806-6058-4FCC-8FFC-372DE4647EA7}" type="datetimeFigureOut">
               <a:rPr lang="es-ES" smtClean="0"/>
               <a:t>15/05/2019</a:t>
             </a:fld>
@@ -1149,7 +1149,7 @@
           <p:cNvPr id="5" name="Marcador de pie de página 4">
             <a:extLst>
               <a:ext uri="{FF2B5EF4-FFF2-40B4-BE49-F238E27FC236}">
-                <a16:creationId xmlns:a16="http://schemas.microsoft.com/office/drawing/2014/main" id="{11F1D10F-9970-43C4-9598-73ACA76804C7}"/>
+                <a16:creationId xmlns:a16="http://schemas.microsoft.com/office/drawing/2014/main" id="{DA3B2022-89AE-47B7-8A38-C15791FCE3C5}"/>
               </a:ext>
             </a:extLst>
           </p:cNvPr>
@@ -1174,7 +1174,7 @@
           <p:cNvPr id="6" name="Marcador de número de diapositiva 5">
             <a:extLst>
               <a:ext uri="{FF2B5EF4-FFF2-40B4-BE49-F238E27FC236}">
-                <a16:creationId xmlns:a16="http://schemas.microsoft.com/office/drawing/2014/main" id="{C07EAC98-81AF-4800-846C-CC7F1DE92934}"/>
+                <a16:creationId xmlns:a16="http://schemas.microsoft.com/office/drawing/2014/main" id="{E6CDCBFD-2038-410F-867A-952CD285CC04}"/>
               </a:ext>
             </a:extLst>
           </p:cNvPr>
@@ -1190,7 +1190,7 @@
           <a:bodyPr/>
           <a:lstStyle/>
           <a:p>
-            <a:fld id="{2814B0EC-609F-4BB3-B31C-E3F9113DCA37}" type="slidenum">
+            <a:fld id="{F080C0F9-8B9D-4BAA-A90F-F746778F16DC}" type="slidenum">
               <a:rPr lang="es-ES" smtClean="0"/>
               <a:t>‹Nº›</a:t>
             </a:fld>
@@ -1201,7 +1201,7 @@
     </p:spTree>
     <p:extLst>
       <p:ext uri="{BB962C8B-B14F-4D97-AF65-F5344CB8AC3E}">
-        <p14:creationId xmlns:p14="http://schemas.microsoft.com/office/powerpoint/2010/main" val="771076652"/>
+        <p14:creationId xmlns:p14="http://schemas.microsoft.com/office/powerpoint/2010/main" val="4107457013"/>
       </p:ext>
     </p:extLst>
   </p:cSld>
@@ -1233,7 +1233,7 @@
           <p:cNvPr id="2" name="Título 1">
             <a:extLst>
               <a:ext uri="{FF2B5EF4-FFF2-40B4-BE49-F238E27FC236}">
-                <a16:creationId xmlns:a16="http://schemas.microsoft.com/office/drawing/2014/main" id="{15E8C949-502E-4205-A5EB-DD32BCF91709}"/>
+                <a16:creationId xmlns:a16="http://schemas.microsoft.com/office/drawing/2014/main" id="{60F5DD78-66E4-4D0F-BC6D-A24F665F7496}"/>
               </a:ext>
             </a:extLst>
           </p:cNvPr>
@@ -1261,7 +1261,7 @@
           <p:cNvPr id="3" name="Marcador de contenido 2">
             <a:extLst>
               <a:ext uri="{FF2B5EF4-FFF2-40B4-BE49-F238E27FC236}">
-                <a16:creationId xmlns:a16="http://schemas.microsoft.com/office/drawing/2014/main" id="{CB09F165-A53D-4A38-952E-5AB11733CAB1}"/>
+                <a16:creationId xmlns:a16="http://schemas.microsoft.com/office/drawing/2014/main" id="{DFAA61B0-441B-4E6E-8AD3-8FA35FBBD70D}"/>
               </a:ext>
             </a:extLst>
           </p:cNvPr>
@@ -1323,7 +1323,7 @@
           <p:cNvPr id="4" name="Marcador de contenido 3">
             <a:extLst>
               <a:ext uri="{FF2B5EF4-FFF2-40B4-BE49-F238E27FC236}">
-                <a16:creationId xmlns:a16="http://schemas.microsoft.com/office/drawing/2014/main" id="{489E80DF-2695-48CB-A63A-B4A32845BE7A}"/>
+                <a16:creationId xmlns:a16="http://schemas.microsoft.com/office/drawing/2014/main" id="{88A730A3-3D44-4AD3-9FD7-D20B4F4EA483}"/>
               </a:ext>
             </a:extLst>
           </p:cNvPr>
@@ -1385,7 +1385,7 @@
           <p:cNvPr id="5" name="Marcador de fecha 4">
             <a:extLst>
               <a:ext uri="{FF2B5EF4-FFF2-40B4-BE49-F238E27FC236}">
-                <a16:creationId xmlns:a16="http://schemas.microsoft.com/office/drawing/2014/main" id="{23BF0611-5DA9-496A-91AC-35B63D9D452E}"/>
+                <a16:creationId xmlns:a16="http://schemas.microsoft.com/office/drawing/2014/main" id="{C0A070AC-9FB0-4608-9D1E-9D3E877CF3D6}"/>
               </a:ext>
             </a:extLst>
           </p:cNvPr>
@@ -1401,7 +1401,7 @@
           <a:bodyPr/>
           <a:lstStyle/>
           <a:p>
-            <a:fld id="{F72F9FEF-360E-499C-A64A-166A6E855A69}" type="datetimeFigureOut">
+            <a:fld id="{BF69B806-6058-4FCC-8FFC-372DE4647EA7}" type="datetimeFigureOut">
               <a:rPr lang="es-ES" smtClean="0"/>
               <a:t>15/05/2019</a:t>
             </a:fld>
@@ -1414,7 +1414,7 @@
           <p:cNvPr id="6" name="Marcador de pie de página 5">
             <a:extLst>
               <a:ext uri="{FF2B5EF4-FFF2-40B4-BE49-F238E27FC236}">
-                <a16:creationId xmlns:a16="http://schemas.microsoft.com/office/drawing/2014/main" id="{2E31A6FD-102E-4EB4-9B38-C68D6432FB0D}"/>
+                <a16:creationId xmlns:a16="http://schemas.microsoft.com/office/drawing/2014/main" id="{4CFC3AD9-0209-427E-AD4D-E71A4D641A65}"/>
               </a:ext>
             </a:extLst>
           </p:cNvPr>
@@ -1439,7 +1439,7 @@
           <p:cNvPr id="7" name="Marcador de número de diapositiva 6">
             <a:extLst>
               <a:ext uri="{FF2B5EF4-FFF2-40B4-BE49-F238E27FC236}">
-                <a16:creationId xmlns:a16="http://schemas.microsoft.com/office/drawing/2014/main" id="{0350EB2B-3CA3-4EC1-B5B4-C5B9ABA20267}"/>
+                <a16:creationId xmlns:a16="http://schemas.microsoft.com/office/drawing/2014/main" id="{D29A7A0F-C78E-48A3-8DF0-CC1BBC304459}"/>
               </a:ext>
             </a:extLst>
           </p:cNvPr>
@@ -1455,7 +1455,7 @@
           <a:bodyPr/>
           <a:lstStyle/>
           <a:p>
-            <a:fld id="{2814B0EC-609F-4BB3-B31C-E3F9113DCA37}" type="slidenum">
+            <a:fld id="{F080C0F9-8B9D-4BAA-A90F-F746778F16DC}" type="slidenum">
               <a:rPr lang="es-ES" smtClean="0"/>
               <a:t>‹Nº›</a:t>
             </a:fld>
@@ -1466,7 +1466,7 @@
     </p:spTree>
     <p:extLst>
       <p:ext uri="{BB962C8B-B14F-4D97-AF65-F5344CB8AC3E}">
-        <p14:creationId xmlns:p14="http://schemas.microsoft.com/office/powerpoint/2010/main" val="2264935246"/>
+        <p14:creationId xmlns:p14="http://schemas.microsoft.com/office/powerpoint/2010/main" val="3063904962"/>
       </p:ext>
     </p:extLst>
   </p:cSld>
@@ -1498,7 +1498,7 @@
           <p:cNvPr id="2" name="Título 1">
             <a:extLst>
               <a:ext uri="{FF2B5EF4-FFF2-40B4-BE49-F238E27FC236}">
-                <a16:creationId xmlns:a16="http://schemas.microsoft.com/office/drawing/2014/main" id="{2568CBCA-3E33-44B1-B0CF-C32BB2FFC77F}"/>
+                <a16:creationId xmlns:a16="http://schemas.microsoft.com/office/drawing/2014/main" id="{D84DEEA0-FEB7-4B34-A445-7DAE60909B53}"/>
               </a:ext>
             </a:extLst>
           </p:cNvPr>
@@ -1531,7 +1531,7 @@
           <p:cNvPr id="3" name="Marcador de texto 2">
             <a:extLst>
               <a:ext uri="{FF2B5EF4-FFF2-40B4-BE49-F238E27FC236}">
-                <a16:creationId xmlns:a16="http://schemas.microsoft.com/office/drawing/2014/main" id="{5830AB3D-6810-4B64-A934-2445D9ABEC37}"/>
+                <a16:creationId xmlns:a16="http://schemas.microsoft.com/office/drawing/2014/main" id="{6EF64D09-B25B-4E13-959A-F61D2C5A6D56}"/>
               </a:ext>
             </a:extLst>
           </p:cNvPr>
@@ -1602,7 +1602,7 @@
           <p:cNvPr id="4" name="Marcador de contenido 3">
             <a:extLst>
               <a:ext uri="{FF2B5EF4-FFF2-40B4-BE49-F238E27FC236}">
-                <a16:creationId xmlns:a16="http://schemas.microsoft.com/office/drawing/2014/main" id="{8F56B3B5-4ED9-45A9-BFE1-CB73C9F5CC28}"/>
+                <a16:creationId xmlns:a16="http://schemas.microsoft.com/office/drawing/2014/main" id="{9E3937DC-3C3F-48BB-B82C-35FBDB78699F}"/>
               </a:ext>
             </a:extLst>
           </p:cNvPr>
@@ -1664,7 +1664,7 @@
           <p:cNvPr id="5" name="Marcador de texto 4">
             <a:extLst>
               <a:ext uri="{FF2B5EF4-FFF2-40B4-BE49-F238E27FC236}">
-                <a16:creationId xmlns:a16="http://schemas.microsoft.com/office/drawing/2014/main" id="{DEE80ED0-5237-4223-9D5E-B8B04F803C64}"/>
+                <a16:creationId xmlns:a16="http://schemas.microsoft.com/office/drawing/2014/main" id="{441D55DD-5AEC-4A6C-A161-D95BEBC8D063}"/>
               </a:ext>
             </a:extLst>
           </p:cNvPr>
@@ -1735,7 +1735,7 @@
           <p:cNvPr id="6" name="Marcador de contenido 5">
             <a:extLst>
               <a:ext uri="{FF2B5EF4-FFF2-40B4-BE49-F238E27FC236}">
-                <a16:creationId xmlns:a16="http://schemas.microsoft.com/office/drawing/2014/main" id="{E49B341C-D2C9-4BDC-83FD-489CCAB8E365}"/>
+                <a16:creationId xmlns:a16="http://schemas.microsoft.com/office/drawing/2014/main" id="{6EC9A434-F0E3-486E-B416-A27A5E25285F}"/>
               </a:ext>
             </a:extLst>
           </p:cNvPr>
@@ -1797,7 +1797,7 @@
           <p:cNvPr id="7" name="Marcador de fecha 6">
             <a:extLst>
               <a:ext uri="{FF2B5EF4-FFF2-40B4-BE49-F238E27FC236}">
-                <a16:creationId xmlns:a16="http://schemas.microsoft.com/office/drawing/2014/main" id="{606261D3-65F5-4359-97A1-D353A4C6E180}"/>
+                <a16:creationId xmlns:a16="http://schemas.microsoft.com/office/drawing/2014/main" id="{99248496-1BA6-4CC9-BCBB-C0630C00BDE6}"/>
               </a:ext>
             </a:extLst>
           </p:cNvPr>
@@ -1813,7 +1813,7 @@
           <a:bodyPr/>
           <a:lstStyle/>
           <a:p>
-            <a:fld id="{F72F9FEF-360E-499C-A64A-166A6E855A69}" type="datetimeFigureOut">
+            <a:fld id="{BF69B806-6058-4FCC-8FFC-372DE4647EA7}" type="datetimeFigureOut">
               <a:rPr lang="es-ES" smtClean="0"/>
               <a:t>15/05/2019</a:t>
             </a:fld>
@@ -1826,7 +1826,7 @@
           <p:cNvPr id="8" name="Marcador de pie de página 7">
             <a:extLst>
               <a:ext uri="{FF2B5EF4-FFF2-40B4-BE49-F238E27FC236}">
-                <a16:creationId xmlns:a16="http://schemas.microsoft.com/office/drawing/2014/main" id="{1381982D-F9A9-4660-B9CC-1E835D2251E3}"/>
+                <a16:creationId xmlns:a16="http://schemas.microsoft.com/office/drawing/2014/main" id="{55F91D44-C148-4F05-AD48-E8F90A2949CD}"/>
               </a:ext>
             </a:extLst>
           </p:cNvPr>
@@ -1851,7 +1851,7 @@
           <p:cNvPr id="9" name="Marcador de número de diapositiva 8">
             <a:extLst>
               <a:ext uri="{FF2B5EF4-FFF2-40B4-BE49-F238E27FC236}">
-                <a16:creationId xmlns:a16="http://schemas.microsoft.com/office/drawing/2014/main" id="{983824B9-AC29-4138-8289-792174959526}"/>
+                <a16:creationId xmlns:a16="http://schemas.microsoft.com/office/drawing/2014/main" id="{22F39F44-CF27-41CD-9178-2D29471F1D7D}"/>
               </a:ext>
             </a:extLst>
           </p:cNvPr>
@@ -1867,7 +1867,7 @@
           <a:bodyPr/>
           <a:lstStyle/>
           <a:p>
-            <a:fld id="{2814B0EC-609F-4BB3-B31C-E3F9113DCA37}" type="slidenum">
+            <a:fld id="{F080C0F9-8B9D-4BAA-A90F-F746778F16DC}" type="slidenum">
               <a:rPr lang="es-ES" smtClean="0"/>
               <a:t>‹Nº›</a:t>
             </a:fld>
@@ -1878,7 +1878,7 @@
     </p:spTree>
     <p:extLst>
       <p:ext uri="{BB962C8B-B14F-4D97-AF65-F5344CB8AC3E}">
-        <p14:creationId xmlns:p14="http://schemas.microsoft.com/office/powerpoint/2010/main" val="1961003464"/>
+        <p14:creationId xmlns:p14="http://schemas.microsoft.com/office/powerpoint/2010/main" val="2262719320"/>
       </p:ext>
     </p:extLst>
   </p:cSld>
@@ -1910,7 +1910,7 @@
           <p:cNvPr id="2" name="Título 1">
             <a:extLst>
               <a:ext uri="{FF2B5EF4-FFF2-40B4-BE49-F238E27FC236}">
-                <a16:creationId xmlns:a16="http://schemas.microsoft.com/office/drawing/2014/main" id="{DFC99901-CB47-45DD-B995-EBA5E6146330}"/>
+                <a16:creationId xmlns:a16="http://schemas.microsoft.com/office/drawing/2014/main" id="{2DBF76CC-6319-44CA-AE49-0436BB96ABC1}"/>
               </a:ext>
             </a:extLst>
           </p:cNvPr>
@@ -1938,7 +1938,7 @@
           <p:cNvPr id="3" name="Marcador de fecha 2">
             <a:extLst>
               <a:ext uri="{FF2B5EF4-FFF2-40B4-BE49-F238E27FC236}">
-                <a16:creationId xmlns:a16="http://schemas.microsoft.com/office/drawing/2014/main" id="{87599C21-89D5-4563-828F-2151E22E7DCC}"/>
+                <a16:creationId xmlns:a16="http://schemas.microsoft.com/office/drawing/2014/main" id="{5E86C62F-66E2-45DC-AF6F-15C10E9EA9A8}"/>
               </a:ext>
             </a:extLst>
           </p:cNvPr>
@@ -1954,7 +1954,7 @@
           <a:bodyPr/>
           <a:lstStyle/>
           <a:p>
-            <a:fld id="{F72F9FEF-360E-499C-A64A-166A6E855A69}" type="datetimeFigureOut">
+            <a:fld id="{BF69B806-6058-4FCC-8FFC-372DE4647EA7}" type="datetimeFigureOut">
               <a:rPr lang="es-ES" smtClean="0"/>
               <a:t>15/05/2019</a:t>
             </a:fld>
@@ -1967,7 +1967,7 @@
           <p:cNvPr id="4" name="Marcador de pie de página 3">
             <a:extLst>
               <a:ext uri="{FF2B5EF4-FFF2-40B4-BE49-F238E27FC236}">
-                <a16:creationId xmlns:a16="http://schemas.microsoft.com/office/drawing/2014/main" id="{258DBB64-477A-435D-AA97-8142C213F32C}"/>
+                <a16:creationId xmlns:a16="http://schemas.microsoft.com/office/drawing/2014/main" id="{E53B9A7A-1166-4BF6-A096-EC8E66A5F081}"/>
               </a:ext>
             </a:extLst>
           </p:cNvPr>
@@ -1992,7 +1992,7 @@
           <p:cNvPr id="5" name="Marcador de número de diapositiva 4">
             <a:extLst>
               <a:ext uri="{FF2B5EF4-FFF2-40B4-BE49-F238E27FC236}">
-                <a16:creationId xmlns:a16="http://schemas.microsoft.com/office/drawing/2014/main" id="{77370EF9-9E0A-4094-9654-0E7EC9E5F4FA}"/>
+                <a16:creationId xmlns:a16="http://schemas.microsoft.com/office/drawing/2014/main" id="{34DEFA46-DFA7-4CE0-8351-73BEA457F457}"/>
               </a:ext>
             </a:extLst>
           </p:cNvPr>
@@ -2008,7 +2008,7 @@
           <a:bodyPr/>
           <a:lstStyle/>
           <a:p>
-            <a:fld id="{2814B0EC-609F-4BB3-B31C-E3F9113DCA37}" type="slidenum">
+            <a:fld id="{F080C0F9-8B9D-4BAA-A90F-F746778F16DC}" type="slidenum">
               <a:rPr lang="es-ES" smtClean="0"/>
               <a:t>‹Nº›</a:t>
             </a:fld>
@@ -2019,7 +2019,7 @@
     </p:spTree>
     <p:extLst>
       <p:ext uri="{BB962C8B-B14F-4D97-AF65-F5344CB8AC3E}">
-        <p14:creationId xmlns:p14="http://schemas.microsoft.com/office/powerpoint/2010/main" val="1415475976"/>
+        <p14:creationId xmlns:p14="http://schemas.microsoft.com/office/powerpoint/2010/main" val="2763398237"/>
       </p:ext>
     </p:extLst>
   </p:cSld>
@@ -2051,7 +2051,7 @@
           <p:cNvPr id="2" name="Marcador de fecha 1">
             <a:extLst>
               <a:ext uri="{FF2B5EF4-FFF2-40B4-BE49-F238E27FC236}">
-                <a16:creationId xmlns:a16="http://schemas.microsoft.com/office/drawing/2014/main" id="{AFBE24A1-50D3-40F6-8DA5-B4F09604E0AF}"/>
+                <a16:creationId xmlns:a16="http://schemas.microsoft.com/office/drawing/2014/main" id="{1D396B7E-3906-4F0B-A6DC-E0EB100F920E}"/>
               </a:ext>
             </a:extLst>
           </p:cNvPr>
@@ -2067,7 +2067,7 @@
           <a:bodyPr/>
           <a:lstStyle/>
           <a:p>
-            <a:fld id="{F72F9FEF-360E-499C-A64A-166A6E855A69}" type="datetimeFigureOut">
+            <a:fld id="{BF69B806-6058-4FCC-8FFC-372DE4647EA7}" type="datetimeFigureOut">
               <a:rPr lang="es-ES" smtClean="0"/>
               <a:t>15/05/2019</a:t>
             </a:fld>
@@ -2080,7 +2080,7 @@
           <p:cNvPr id="3" name="Marcador de pie de página 2">
             <a:extLst>
               <a:ext uri="{FF2B5EF4-FFF2-40B4-BE49-F238E27FC236}">
-                <a16:creationId xmlns:a16="http://schemas.microsoft.com/office/drawing/2014/main" id="{94EBC09F-2CD8-43CC-99C6-754CB47E69EC}"/>
+                <a16:creationId xmlns:a16="http://schemas.microsoft.com/office/drawing/2014/main" id="{5A676D9F-BB40-400E-82F5-DCD70684480E}"/>
               </a:ext>
             </a:extLst>
           </p:cNvPr>
@@ -2105,7 +2105,7 @@
           <p:cNvPr id="4" name="Marcador de número de diapositiva 3">
             <a:extLst>
               <a:ext uri="{FF2B5EF4-FFF2-40B4-BE49-F238E27FC236}">
-                <a16:creationId xmlns:a16="http://schemas.microsoft.com/office/drawing/2014/main" id="{BAC48C44-5B65-4F53-BA67-6EB78149CA2A}"/>
+                <a16:creationId xmlns:a16="http://schemas.microsoft.com/office/drawing/2014/main" id="{60743C50-18EF-448E-8FFA-D4DEE4056B02}"/>
               </a:ext>
             </a:extLst>
           </p:cNvPr>
@@ -2121,7 +2121,7 @@
           <a:bodyPr/>
           <a:lstStyle/>
           <a:p>
-            <a:fld id="{2814B0EC-609F-4BB3-B31C-E3F9113DCA37}" type="slidenum">
+            <a:fld id="{F080C0F9-8B9D-4BAA-A90F-F746778F16DC}" type="slidenum">
               <a:rPr lang="es-ES" smtClean="0"/>
               <a:t>‹Nº›</a:t>
             </a:fld>
@@ -2132,7 +2132,7 @@
     </p:spTree>
     <p:extLst>
       <p:ext uri="{BB962C8B-B14F-4D97-AF65-F5344CB8AC3E}">
-        <p14:creationId xmlns:p14="http://schemas.microsoft.com/office/powerpoint/2010/main" val="3060015908"/>
+        <p14:creationId xmlns:p14="http://schemas.microsoft.com/office/powerpoint/2010/main" val="3481809256"/>
       </p:ext>
     </p:extLst>
   </p:cSld>
@@ -2164,7 +2164,7 @@
           <p:cNvPr id="2" name="Título 1">
             <a:extLst>
               <a:ext uri="{FF2B5EF4-FFF2-40B4-BE49-F238E27FC236}">
-                <a16:creationId xmlns:a16="http://schemas.microsoft.com/office/drawing/2014/main" id="{17C163A6-0AA6-4624-A6A5-F79FA26961F5}"/>
+                <a16:creationId xmlns:a16="http://schemas.microsoft.com/office/drawing/2014/main" id="{81379E6B-958E-4076-97E1-F522FBB02DFA}"/>
               </a:ext>
             </a:extLst>
           </p:cNvPr>
@@ -2201,7 +2201,7 @@
           <p:cNvPr id="3" name="Marcador de contenido 2">
             <a:extLst>
               <a:ext uri="{FF2B5EF4-FFF2-40B4-BE49-F238E27FC236}">
-                <a16:creationId xmlns:a16="http://schemas.microsoft.com/office/drawing/2014/main" id="{BC655B2A-C54A-4C10-8647-DCDEC3C2B9A7}"/>
+                <a16:creationId xmlns:a16="http://schemas.microsoft.com/office/drawing/2014/main" id="{DED97FD5-0BB0-4A62-8F3B-A45D4988FE02}"/>
               </a:ext>
             </a:extLst>
           </p:cNvPr>
@@ -2291,7 +2291,7 @@
           <p:cNvPr id="4" name="Marcador de texto 3">
             <a:extLst>
               <a:ext uri="{FF2B5EF4-FFF2-40B4-BE49-F238E27FC236}">
-                <a16:creationId xmlns:a16="http://schemas.microsoft.com/office/drawing/2014/main" id="{47615A14-42D8-4E0D-A3EE-90831DA2E345}"/>
+                <a16:creationId xmlns:a16="http://schemas.microsoft.com/office/drawing/2014/main" id="{801FC7B0-6449-4D01-BB4C-AB70C08F880B}"/>
               </a:ext>
             </a:extLst>
           </p:cNvPr>
@@ -2362,7 +2362,7 @@
           <p:cNvPr id="5" name="Marcador de fecha 4">
             <a:extLst>
               <a:ext uri="{FF2B5EF4-FFF2-40B4-BE49-F238E27FC236}">
-                <a16:creationId xmlns:a16="http://schemas.microsoft.com/office/drawing/2014/main" id="{FD7213CC-5A90-40DF-B563-F7C6D13DEFDA}"/>
+                <a16:creationId xmlns:a16="http://schemas.microsoft.com/office/drawing/2014/main" id="{00BF6AA6-A21C-4F6A-9E6A-E303352CD506}"/>
               </a:ext>
             </a:extLst>
           </p:cNvPr>
@@ -2378,7 +2378,7 @@
           <a:bodyPr/>
           <a:lstStyle/>
           <a:p>
-            <a:fld id="{F72F9FEF-360E-499C-A64A-166A6E855A69}" type="datetimeFigureOut">
+            <a:fld id="{BF69B806-6058-4FCC-8FFC-372DE4647EA7}" type="datetimeFigureOut">
               <a:rPr lang="es-ES" smtClean="0"/>
               <a:t>15/05/2019</a:t>
             </a:fld>
@@ -2391,7 +2391,7 @@
           <p:cNvPr id="6" name="Marcador de pie de página 5">
             <a:extLst>
               <a:ext uri="{FF2B5EF4-FFF2-40B4-BE49-F238E27FC236}">
-                <a16:creationId xmlns:a16="http://schemas.microsoft.com/office/drawing/2014/main" id="{DC56FD60-F84E-4032-A4A2-E5895137F941}"/>
+                <a16:creationId xmlns:a16="http://schemas.microsoft.com/office/drawing/2014/main" id="{9013D225-D806-4AF2-9987-24106DBA6FA5}"/>
               </a:ext>
             </a:extLst>
           </p:cNvPr>
@@ -2416,7 +2416,7 @@
           <p:cNvPr id="7" name="Marcador de número de diapositiva 6">
             <a:extLst>
               <a:ext uri="{FF2B5EF4-FFF2-40B4-BE49-F238E27FC236}">
-                <a16:creationId xmlns:a16="http://schemas.microsoft.com/office/drawing/2014/main" id="{F7A83FD4-75C8-4C6B-9B45-57EC465E45B5}"/>
+                <a16:creationId xmlns:a16="http://schemas.microsoft.com/office/drawing/2014/main" id="{36C921A1-3846-47F2-881F-20A958DE5F45}"/>
               </a:ext>
             </a:extLst>
           </p:cNvPr>
@@ -2432,7 +2432,7 @@
           <a:bodyPr/>
           <a:lstStyle/>
           <a:p>
-            <a:fld id="{2814B0EC-609F-4BB3-B31C-E3F9113DCA37}" type="slidenum">
+            <a:fld id="{F080C0F9-8B9D-4BAA-A90F-F746778F16DC}" type="slidenum">
               <a:rPr lang="es-ES" smtClean="0"/>
               <a:t>‹Nº›</a:t>
             </a:fld>
@@ -2443,7 +2443,7 @@
     </p:spTree>
     <p:extLst>
       <p:ext uri="{BB962C8B-B14F-4D97-AF65-F5344CB8AC3E}">
-        <p14:creationId xmlns:p14="http://schemas.microsoft.com/office/powerpoint/2010/main" val="559161906"/>
+        <p14:creationId xmlns:p14="http://schemas.microsoft.com/office/powerpoint/2010/main" val="1514533023"/>
       </p:ext>
     </p:extLst>
   </p:cSld>
@@ -2475,7 +2475,7 @@
           <p:cNvPr id="2" name="Título 1">
             <a:extLst>
               <a:ext uri="{FF2B5EF4-FFF2-40B4-BE49-F238E27FC236}">
-                <a16:creationId xmlns:a16="http://schemas.microsoft.com/office/drawing/2014/main" id="{D3B99504-560F-4F25-B065-E244C3B6DCC6}"/>
+                <a16:creationId xmlns:a16="http://schemas.microsoft.com/office/drawing/2014/main" id="{23288F3F-2971-40E3-9C89-91D9D488A337}"/>
               </a:ext>
             </a:extLst>
           </p:cNvPr>
@@ -2512,7 +2512,7 @@
           <p:cNvPr id="3" name="Marcador de posición de imagen 2">
             <a:extLst>
               <a:ext uri="{FF2B5EF4-FFF2-40B4-BE49-F238E27FC236}">
-                <a16:creationId xmlns:a16="http://schemas.microsoft.com/office/drawing/2014/main" id="{95920868-4C5B-4FB0-8AC0-5B1416830892}"/>
+                <a16:creationId xmlns:a16="http://schemas.microsoft.com/office/drawing/2014/main" id="{53D36CE2-0C0F-4C8A-BB4A-6B7257CDCEEF}"/>
               </a:ext>
             </a:extLst>
           </p:cNvPr>
@@ -2579,7 +2579,7 @@
           <p:cNvPr id="4" name="Marcador de texto 3">
             <a:extLst>
               <a:ext uri="{FF2B5EF4-FFF2-40B4-BE49-F238E27FC236}">
-                <a16:creationId xmlns:a16="http://schemas.microsoft.com/office/drawing/2014/main" id="{D4A571BB-894A-4CC1-9AE3-A84F73730AD3}"/>
+                <a16:creationId xmlns:a16="http://schemas.microsoft.com/office/drawing/2014/main" id="{E78AFE82-82C5-49A7-8C10-BFC22E9EFA52}"/>
               </a:ext>
             </a:extLst>
           </p:cNvPr>
@@ -2650,7 +2650,7 @@
           <p:cNvPr id="5" name="Marcador de fecha 4">
             <a:extLst>
               <a:ext uri="{FF2B5EF4-FFF2-40B4-BE49-F238E27FC236}">
-                <a16:creationId xmlns:a16="http://schemas.microsoft.com/office/drawing/2014/main" id="{18B5940E-D333-4B9E-9B98-EBDE1C2F8FB3}"/>
+                <a16:creationId xmlns:a16="http://schemas.microsoft.com/office/drawing/2014/main" id="{CCCC97F6-338A-414B-8F2B-6586905BD129}"/>
               </a:ext>
             </a:extLst>
           </p:cNvPr>
@@ -2666,7 +2666,7 @@
           <a:bodyPr/>
           <a:lstStyle/>
           <a:p>
-            <a:fld id="{F72F9FEF-360E-499C-A64A-166A6E855A69}" type="datetimeFigureOut">
+            <a:fld id="{BF69B806-6058-4FCC-8FFC-372DE4647EA7}" type="datetimeFigureOut">
               <a:rPr lang="es-ES" smtClean="0"/>
               <a:t>15/05/2019</a:t>
             </a:fld>
@@ -2679,7 +2679,7 @@
           <p:cNvPr id="6" name="Marcador de pie de página 5">
             <a:extLst>
               <a:ext uri="{FF2B5EF4-FFF2-40B4-BE49-F238E27FC236}">
-                <a16:creationId xmlns:a16="http://schemas.microsoft.com/office/drawing/2014/main" id="{A33178EB-AEF1-4100-BC1A-E0D924C99208}"/>
+                <a16:creationId xmlns:a16="http://schemas.microsoft.com/office/drawing/2014/main" id="{9EF33030-60E4-4596-939F-3C04A58644F0}"/>
               </a:ext>
             </a:extLst>
           </p:cNvPr>
@@ -2704,7 +2704,7 @@
           <p:cNvPr id="7" name="Marcador de número de diapositiva 6">
             <a:extLst>
               <a:ext uri="{FF2B5EF4-FFF2-40B4-BE49-F238E27FC236}">
-                <a16:creationId xmlns:a16="http://schemas.microsoft.com/office/drawing/2014/main" id="{C681BA6B-ECD7-4863-8501-A99A96A1B1E4}"/>
+                <a16:creationId xmlns:a16="http://schemas.microsoft.com/office/drawing/2014/main" id="{32ED7B4A-F2AE-468C-95D2-DF0B57890AFD}"/>
               </a:ext>
             </a:extLst>
           </p:cNvPr>
@@ -2720,7 +2720,7 @@
           <a:bodyPr/>
           <a:lstStyle/>
           <a:p>
-            <a:fld id="{2814B0EC-609F-4BB3-B31C-E3F9113DCA37}" type="slidenum">
+            <a:fld id="{F080C0F9-8B9D-4BAA-A90F-F746778F16DC}" type="slidenum">
               <a:rPr lang="es-ES" smtClean="0"/>
               <a:t>‹Nº›</a:t>
             </a:fld>
@@ -2731,7 +2731,7 @@
     </p:spTree>
     <p:extLst>
       <p:ext uri="{BB962C8B-B14F-4D97-AF65-F5344CB8AC3E}">
-        <p14:creationId xmlns:p14="http://schemas.microsoft.com/office/powerpoint/2010/main" val="4038251632"/>
+        <p14:creationId xmlns:p14="http://schemas.microsoft.com/office/powerpoint/2010/main" val="2893686742"/>
       </p:ext>
     </p:extLst>
   </p:cSld>
@@ -2768,7 +2768,7 @@
           <p:cNvPr id="2" name="Marcador de título 1">
             <a:extLst>
               <a:ext uri="{FF2B5EF4-FFF2-40B4-BE49-F238E27FC236}">
-                <a16:creationId xmlns:a16="http://schemas.microsoft.com/office/drawing/2014/main" id="{C2A08380-CDC1-4DC8-81DA-70899FD8D8B7}"/>
+                <a16:creationId xmlns:a16="http://schemas.microsoft.com/office/drawing/2014/main" id="{AB7E596D-048C-4960-ABD9-284C53B5C489}"/>
               </a:ext>
             </a:extLst>
           </p:cNvPr>
@@ -2806,7 +2806,7 @@
           <p:cNvPr id="3" name="Marcador de texto 2">
             <a:extLst>
               <a:ext uri="{FF2B5EF4-FFF2-40B4-BE49-F238E27FC236}">
-                <a16:creationId xmlns:a16="http://schemas.microsoft.com/office/drawing/2014/main" id="{29D0124D-9AA7-42C5-944C-FB69985E3A59}"/>
+                <a16:creationId xmlns:a16="http://schemas.microsoft.com/office/drawing/2014/main" id="{23483646-E2A7-49F1-A87A-30A822A91302}"/>
               </a:ext>
             </a:extLst>
           </p:cNvPr>
@@ -2873,7 +2873,7 @@
           <p:cNvPr id="4" name="Marcador de fecha 3">
             <a:extLst>
               <a:ext uri="{FF2B5EF4-FFF2-40B4-BE49-F238E27FC236}">
-                <a16:creationId xmlns:a16="http://schemas.microsoft.com/office/drawing/2014/main" id="{F519251B-A2A9-42F5-A3D2-B5CB28B03617}"/>
+                <a16:creationId xmlns:a16="http://schemas.microsoft.com/office/drawing/2014/main" id="{9F805FAD-1B4D-4E13-AE71-66C6A2C62A25}"/>
               </a:ext>
             </a:extLst>
           </p:cNvPr>
@@ -2907,7 +2907,7 @@
             </a:lvl1pPr>
           </a:lstStyle>
           <a:p>
-            <a:fld id="{F72F9FEF-360E-499C-A64A-166A6E855A69}" type="datetimeFigureOut">
+            <a:fld id="{BF69B806-6058-4FCC-8FFC-372DE4647EA7}" type="datetimeFigureOut">
               <a:rPr lang="es-ES" smtClean="0"/>
               <a:t>15/05/2019</a:t>
             </a:fld>
@@ -2920,7 +2920,7 @@
           <p:cNvPr id="5" name="Marcador de pie de página 4">
             <a:extLst>
               <a:ext uri="{FF2B5EF4-FFF2-40B4-BE49-F238E27FC236}">
-                <a16:creationId xmlns:a16="http://schemas.microsoft.com/office/drawing/2014/main" id="{0E0DCA8D-952E-4674-9885-484B8E7E4D50}"/>
+                <a16:creationId xmlns:a16="http://schemas.microsoft.com/office/drawing/2014/main" id="{5E7D8F74-FAB7-4E95-AF71-507E82482DC8}"/>
               </a:ext>
             </a:extLst>
           </p:cNvPr>
@@ -2963,7 +2963,7 @@
           <p:cNvPr id="6" name="Marcador de número de diapositiva 5">
             <a:extLst>
               <a:ext uri="{FF2B5EF4-FFF2-40B4-BE49-F238E27FC236}">
-                <a16:creationId xmlns:a16="http://schemas.microsoft.com/office/drawing/2014/main" id="{19DFA288-4906-4B6C-AA60-246A1DBCA27A}"/>
+                <a16:creationId xmlns:a16="http://schemas.microsoft.com/office/drawing/2014/main" id="{D1E3CEAA-D695-4675-9705-E1C5DE11B4FC}"/>
               </a:ext>
             </a:extLst>
           </p:cNvPr>
@@ -2997,7 +2997,7 @@
             </a:lvl1pPr>
           </a:lstStyle>
           <a:p>
-            <a:fld id="{2814B0EC-609F-4BB3-B31C-E3F9113DCA37}" type="slidenum">
+            <a:fld id="{F080C0F9-8B9D-4BAA-A90F-F746778F16DC}" type="slidenum">
               <a:rPr lang="es-ES" smtClean="0"/>
               <a:t>‹Nº›</a:t>
             </a:fld>
@@ -3008,7 +3008,7 @@
     </p:spTree>
     <p:extLst>
       <p:ext uri="{BB962C8B-B14F-4D97-AF65-F5344CB8AC3E}">
-        <p14:creationId xmlns:p14="http://schemas.microsoft.com/office/powerpoint/2010/main" val="3508390085"/>
+        <p14:creationId xmlns:p14="http://schemas.microsoft.com/office/powerpoint/2010/main" val="1969018026"/>
       </p:ext>
     </p:extLst>
   </p:cSld>
@@ -3326,73 +3326,12 @@
           <a:chExt cx="0" cy="0"/>
         </a:xfrm>
       </p:grpSpPr>
-      <p:sp>
-        <p:nvSpPr>
-          <p:cNvPr id="5" name="Elipse 4">
-            <a:extLst>
-              <a:ext uri="{FF2B5EF4-FFF2-40B4-BE49-F238E27FC236}">
-                <a16:creationId xmlns:a16="http://schemas.microsoft.com/office/drawing/2014/main" id="{E81F1E00-9BB1-4B26-8933-A22446D9FA31}"/>
-              </a:ext>
-            </a:extLst>
-          </p:cNvPr>
-          <p:cNvSpPr/>
-          <p:nvPr/>
-        </p:nvSpPr>
-        <p:spPr>
-          <a:xfrm>
-            <a:off x="10929556" y="2973965"/>
-            <a:ext cx="1262444" cy="1262475"/>
-          </a:xfrm>
-          <a:prstGeom prst="ellipse">
-            <a:avLst/>
-          </a:prstGeom>
-          <a:solidFill>
-            <a:schemeClr val="accent4">
-              <a:lumMod val="20000"/>
-              <a:lumOff val="80000"/>
-            </a:schemeClr>
-          </a:solidFill>
-          <a:ln w="19050">
-            <a:solidFill>
-              <a:schemeClr val="tx1"/>
-            </a:solidFill>
-          </a:ln>
-        </p:spPr>
-        <p:style>
-          <a:lnRef idx="2">
-            <a:schemeClr val="accent2">
-              <a:shade val="50000"/>
-            </a:schemeClr>
-          </a:lnRef>
-          <a:fillRef idx="1">
-            <a:schemeClr val="accent2"/>
-          </a:fillRef>
-          <a:effectRef idx="0">
-            <a:schemeClr val="accent2"/>
-          </a:effectRef>
-          <a:fontRef idx="minor">
-            <a:schemeClr val="lt1"/>
-          </a:fontRef>
-        </p:style>
-        <p:txBody>
-          <a:bodyPr rot="0" spcFirstLastPara="0" vert="horz" wrap="square" lIns="91440" tIns="45720" rIns="91440" bIns="45720" numCol="1" spcCol="0" rtlCol="0" fromWordArt="0" anchor="ctr" anchorCtr="0" forceAA="0" compatLnSpc="1">
-            <a:prstTxWarp prst="textNoShape">
-              <a:avLst/>
-            </a:prstTxWarp>
-            <a:noAutofit/>
-          </a:bodyPr>
-          <a:lstStyle/>
-          <a:p>
-            <a:endParaRPr lang="es-ES"/>
-          </a:p>
-        </p:txBody>
-      </p:sp>
       <p:grpSp>
         <p:nvGrpSpPr>
-          <p:cNvPr id="13" name="Grupo 12">
-            <a:extLst>
-              <a:ext uri="{FF2B5EF4-FFF2-40B4-BE49-F238E27FC236}">
-                <a16:creationId xmlns:a16="http://schemas.microsoft.com/office/drawing/2014/main" id="{C5D936CE-0D26-42AC-8496-CDC674273520}"/>
+          <p:cNvPr id="89" name="Grupo 88">
+            <a:extLst>
+              <a:ext uri="{FF2B5EF4-FFF2-40B4-BE49-F238E27FC236}">
+                <a16:creationId xmlns:a16="http://schemas.microsoft.com/office/drawing/2014/main" id="{D88F828E-9D55-4862-A712-F126570F4ACE}"/>
               </a:ext>
             </a:extLst>
           </p:cNvPr>
@@ -3401,18 +3340,1080 @@
         </p:nvGrpSpPr>
         <p:grpSpPr>
           <a:xfrm>
-            <a:off x="4640567" y="831602"/>
-            <a:ext cx="929608" cy="5547201"/>
-            <a:chOff x="0" y="0"/>
-            <a:chExt cx="242524" cy="1447165"/>
+            <a:off x="530908" y="429964"/>
+            <a:ext cx="11130183" cy="5998071"/>
+            <a:chOff x="0" y="736879"/>
+            <a:chExt cx="11130183" cy="5998071"/>
           </a:xfrm>
         </p:grpSpPr>
+        <p:grpSp>
+          <p:nvGrpSpPr>
+            <p:cNvPr id="21" name="Grupo 20">
+              <a:extLst>
+                <a:ext uri="{FF2B5EF4-FFF2-40B4-BE49-F238E27FC236}">
+                  <a16:creationId xmlns:a16="http://schemas.microsoft.com/office/drawing/2014/main" id="{4DF7B13D-F247-46CF-9662-435BF47E8689}"/>
+                </a:ext>
+              </a:extLst>
+            </p:cNvPr>
+            <p:cNvGrpSpPr/>
+            <p:nvPr/>
+          </p:nvGrpSpPr>
+          <p:grpSpPr>
+            <a:xfrm>
+              <a:off x="0" y="736879"/>
+              <a:ext cx="2404844" cy="2443992"/>
+              <a:chOff x="257916" y="190614"/>
+              <a:chExt cx="2404844" cy="2443992"/>
+            </a:xfrm>
+          </p:grpSpPr>
+          <p:grpSp>
+            <p:nvGrpSpPr>
+              <p:cNvPr id="12" name="Grupo 11">
+                <a:extLst>
+                  <a:ext uri="{FF2B5EF4-FFF2-40B4-BE49-F238E27FC236}">
+                    <a16:creationId xmlns:a16="http://schemas.microsoft.com/office/drawing/2014/main" id="{E288951C-B02B-4481-B2EB-D97B60A7D419}"/>
+                  </a:ext>
+                </a:extLst>
+              </p:cNvPr>
+              <p:cNvGrpSpPr/>
+              <p:nvPr/>
+            </p:nvGrpSpPr>
+            <p:grpSpPr>
+              <a:xfrm>
+                <a:off x="257916" y="190614"/>
+                <a:ext cx="2404844" cy="2443992"/>
+                <a:chOff x="403194" y="455534"/>
+                <a:chExt cx="2404844" cy="2443992"/>
+              </a:xfrm>
+            </p:grpSpPr>
+            <p:sp>
+              <p:nvSpPr>
+                <p:cNvPr id="8" name="Rectángulo 7">
+                  <a:extLst>
+                    <a:ext uri="{FF2B5EF4-FFF2-40B4-BE49-F238E27FC236}">
+                      <a16:creationId xmlns:a16="http://schemas.microsoft.com/office/drawing/2014/main" id="{5AD133AF-3915-499E-8D74-83DBDDDB791D}"/>
+                    </a:ext>
+                  </a:extLst>
+                </p:cNvPr>
+                <p:cNvSpPr/>
+                <p:nvPr/>
+              </p:nvSpPr>
+              <p:spPr>
+                <a:xfrm>
+                  <a:off x="786292" y="455534"/>
+                  <a:ext cx="2021746" cy="2021746"/>
+                </a:xfrm>
+                <a:prstGeom prst="rect">
+                  <a:avLst/>
+                </a:prstGeom>
+                <a:ln w="19050"/>
+              </p:spPr>
+              <p:style>
+                <a:lnRef idx="2">
+                  <a:schemeClr val="dk1"/>
+                </a:lnRef>
+                <a:fillRef idx="1">
+                  <a:schemeClr val="lt1"/>
+                </a:fillRef>
+                <a:effectRef idx="0">
+                  <a:schemeClr val="dk1"/>
+                </a:effectRef>
+                <a:fontRef idx="minor">
+                  <a:schemeClr val="dk1"/>
+                </a:fontRef>
+              </p:style>
+              <p:txBody>
+                <a:bodyPr rtlCol="0" anchor="ctr"/>
+                <a:lstStyle/>
+                <a:p>
+                  <a:pPr algn="ctr"/>
+                  <a:endParaRPr lang="es-ES"/>
+                </a:p>
+              </p:txBody>
+            </p:sp>
+            <p:sp>
+              <p:nvSpPr>
+                <p:cNvPr id="9" name="Rectángulo 8">
+                  <a:extLst>
+                    <a:ext uri="{FF2B5EF4-FFF2-40B4-BE49-F238E27FC236}">
+                      <a16:creationId xmlns:a16="http://schemas.microsoft.com/office/drawing/2014/main" id="{923D92C4-B8C4-4217-8C64-5721517721C7}"/>
+                    </a:ext>
+                  </a:extLst>
+                </p:cNvPr>
+                <p:cNvSpPr/>
+                <p:nvPr/>
+              </p:nvSpPr>
+              <p:spPr>
+                <a:xfrm>
+                  <a:off x="594743" y="666657"/>
+                  <a:ext cx="2021746" cy="2021746"/>
+                </a:xfrm>
+                <a:prstGeom prst="rect">
+                  <a:avLst/>
+                </a:prstGeom>
+                <a:ln w="19050"/>
+              </p:spPr>
+              <p:style>
+                <a:lnRef idx="2">
+                  <a:schemeClr val="dk1"/>
+                </a:lnRef>
+                <a:fillRef idx="1">
+                  <a:schemeClr val="lt1"/>
+                </a:fillRef>
+                <a:effectRef idx="0">
+                  <a:schemeClr val="dk1"/>
+                </a:effectRef>
+                <a:fontRef idx="minor">
+                  <a:schemeClr val="dk1"/>
+                </a:fontRef>
+              </p:style>
+              <p:txBody>
+                <a:bodyPr rtlCol="0" anchor="ctr"/>
+                <a:lstStyle/>
+                <a:p>
+                  <a:pPr algn="ctr"/>
+                  <a:endParaRPr lang="es-ES"/>
+                </a:p>
+              </p:txBody>
+            </p:sp>
+            <p:sp>
+              <p:nvSpPr>
+                <p:cNvPr id="10" name="Rectángulo 9">
+                  <a:extLst>
+                    <a:ext uri="{FF2B5EF4-FFF2-40B4-BE49-F238E27FC236}">
+                      <a16:creationId xmlns:a16="http://schemas.microsoft.com/office/drawing/2014/main" id="{2478CC4F-A28A-4BFA-B890-F2D3F8A581F6}"/>
+                    </a:ext>
+                  </a:extLst>
+                </p:cNvPr>
+                <p:cNvSpPr/>
+                <p:nvPr/>
+              </p:nvSpPr>
+              <p:spPr>
+                <a:xfrm>
+                  <a:off x="594743" y="666657"/>
+                  <a:ext cx="2021746" cy="2021746"/>
+                </a:xfrm>
+                <a:prstGeom prst="rect">
+                  <a:avLst/>
+                </a:prstGeom>
+                <a:ln w="19050"/>
+              </p:spPr>
+              <p:style>
+                <a:lnRef idx="2">
+                  <a:schemeClr val="dk1"/>
+                </a:lnRef>
+                <a:fillRef idx="1">
+                  <a:schemeClr val="lt1"/>
+                </a:fillRef>
+                <a:effectRef idx="0">
+                  <a:schemeClr val="dk1"/>
+                </a:effectRef>
+                <a:fontRef idx="minor">
+                  <a:schemeClr val="dk1"/>
+                </a:fontRef>
+              </p:style>
+              <p:txBody>
+                <a:bodyPr rtlCol="0" anchor="ctr"/>
+                <a:lstStyle/>
+                <a:p>
+                  <a:pPr algn="ctr"/>
+                  <a:endParaRPr lang="es-ES"/>
+                </a:p>
+              </p:txBody>
+            </p:sp>
+            <p:sp>
+              <p:nvSpPr>
+                <p:cNvPr id="11" name="Rectángulo 10">
+                  <a:extLst>
+                    <a:ext uri="{FF2B5EF4-FFF2-40B4-BE49-F238E27FC236}">
+                      <a16:creationId xmlns:a16="http://schemas.microsoft.com/office/drawing/2014/main" id="{7278E622-C884-439D-A6B9-1C59D8BF0A23}"/>
+                    </a:ext>
+                  </a:extLst>
+                </p:cNvPr>
+                <p:cNvSpPr/>
+                <p:nvPr/>
+              </p:nvSpPr>
+              <p:spPr>
+                <a:xfrm>
+                  <a:off x="403194" y="877780"/>
+                  <a:ext cx="2021746" cy="2021746"/>
+                </a:xfrm>
+                <a:prstGeom prst="rect">
+                  <a:avLst/>
+                </a:prstGeom>
+                <a:ln w="19050"/>
+              </p:spPr>
+              <p:style>
+                <a:lnRef idx="2">
+                  <a:schemeClr val="dk1"/>
+                </a:lnRef>
+                <a:fillRef idx="1">
+                  <a:schemeClr val="lt1"/>
+                </a:fillRef>
+                <a:effectRef idx="0">
+                  <a:schemeClr val="dk1"/>
+                </a:effectRef>
+                <a:fontRef idx="minor">
+                  <a:schemeClr val="dk1"/>
+                </a:fontRef>
+              </p:style>
+              <p:txBody>
+                <a:bodyPr rtlCol="0" anchor="ctr"/>
+                <a:lstStyle/>
+                <a:p>
+                  <a:pPr algn="ctr"/>
+                  <a:endParaRPr lang="es-ES"/>
+                </a:p>
+              </p:txBody>
+            </p:sp>
+          </p:grpSp>
+          <p:pic>
+            <p:nvPicPr>
+              <p:cNvPr id="1028" name="Picture 4" descr="Resultado de imagen de apple png">
+                <a:extLst>
+                  <a:ext uri="{FF2B5EF4-FFF2-40B4-BE49-F238E27FC236}">
+                    <a16:creationId xmlns:a16="http://schemas.microsoft.com/office/drawing/2014/main" id="{85D7021F-392B-4ECD-A8BB-39F96CD19FBF}"/>
+                  </a:ext>
+                </a:extLst>
+              </p:cNvPr>
+              <p:cNvPicPr>
+                <a:picLocks noChangeAspect="1" noChangeArrowheads="1"/>
+              </p:cNvPicPr>
+              <p:nvPr/>
+            </p:nvPicPr>
+            <p:blipFill>
+              <a:blip r:embed="rId2">
+                <a:extLst>
+                  <a:ext uri="{28A0092B-C50C-407E-A947-70E740481C1C}">
+                    <a14:useLocalDpi xmlns:a14="http://schemas.microsoft.com/office/drawing/2010/main" val="0"/>
+                  </a:ext>
+                </a:extLst>
+              </a:blip>
+              <a:srcRect/>
+              <a:stretch>
+                <a:fillRect/>
+              </a:stretch>
+            </p:blipFill>
+            <p:spPr bwMode="auto">
+              <a:xfrm>
+                <a:off x="535485" y="686770"/>
+                <a:ext cx="1466607" cy="1873926"/>
+              </a:xfrm>
+              <a:prstGeom prst="rect">
+                <a:avLst/>
+              </a:prstGeom>
+              <a:noFill/>
+              <a:extLst>
+                <a:ext uri="{909E8E84-426E-40DD-AFC4-6F175D3DCCD1}">
+                  <a14:hiddenFill xmlns:a14="http://schemas.microsoft.com/office/drawing/2010/main">
+                    <a:solidFill>
+                      <a:srgbClr val="FFFFFF"/>
+                    </a:solidFill>
+                  </a14:hiddenFill>
+                </a:ext>
+              </a:extLst>
+            </p:spPr>
+          </p:pic>
+        </p:grpSp>
+        <p:grpSp>
+          <p:nvGrpSpPr>
+            <p:cNvPr id="22" name="Grupo 21">
+              <a:extLst>
+                <a:ext uri="{FF2B5EF4-FFF2-40B4-BE49-F238E27FC236}">
+                  <a16:creationId xmlns:a16="http://schemas.microsoft.com/office/drawing/2014/main" id="{0E8519CE-A6DB-4D9E-A294-8053F0BECE35}"/>
+                </a:ext>
+              </a:extLst>
+            </p:cNvPr>
+            <p:cNvGrpSpPr/>
+            <p:nvPr/>
+          </p:nvGrpSpPr>
+          <p:grpSpPr>
+            <a:xfrm>
+              <a:off x="0" y="4172819"/>
+              <a:ext cx="2404844" cy="2420094"/>
+              <a:chOff x="257916" y="4036169"/>
+              <a:chExt cx="2404844" cy="2420094"/>
+            </a:xfrm>
+          </p:grpSpPr>
+          <p:grpSp>
+            <p:nvGrpSpPr>
+              <p:cNvPr id="20" name="Grupo 19">
+                <a:extLst>
+                  <a:ext uri="{FF2B5EF4-FFF2-40B4-BE49-F238E27FC236}">
+                    <a16:creationId xmlns:a16="http://schemas.microsoft.com/office/drawing/2014/main" id="{09100E9D-C415-499C-BF24-C49B52EFB625}"/>
+                  </a:ext>
+                </a:extLst>
+              </p:cNvPr>
+              <p:cNvGrpSpPr/>
+              <p:nvPr/>
+            </p:nvGrpSpPr>
+            <p:grpSpPr>
+              <a:xfrm>
+                <a:off x="257916" y="4036169"/>
+                <a:ext cx="2404844" cy="2420094"/>
+                <a:chOff x="257916" y="3825046"/>
+                <a:chExt cx="2404844" cy="2420094"/>
+              </a:xfrm>
+            </p:grpSpPr>
+            <p:sp>
+              <p:nvSpPr>
+                <p:cNvPr id="13" name="Rectángulo 12">
+                  <a:extLst>
+                    <a:ext uri="{FF2B5EF4-FFF2-40B4-BE49-F238E27FC236}">
+                      <a16:creationId xmlns:a16="http://schemas.microsoft.com/office/drawing/2014/main" id="{1AAEC51F-9E46-49D9-A939-CE522BD670A4}"/>
+                    </a:ext>
+                  </a:extLst>
+                </p:cNvPr>
+                <p:cNvSpPr/>
+                <p:nvPr/>
+              </p:nvSpPr>
+              <p:spPr>
+                <a:xfrm>
+                  <a:off x="641014" y="3825046"/>
+                  <a:ext cx="2021746" cy="2021746"/>
+                </a:xfrm>
+                <a:prstGeom prst="rect">
+                  <a:avLst/>
+                </a:prstGeom>
+                <a:ln w="19050"/>
+              </p:spPr>
+              <p:style>
+                <a:lnRef idx="2">
+                  <a:schemeClr val="dk1"/>
+                </a:lnRef>
+                <a:fillRef idx="1">
+                  <a:schemeClr val="lt1"/>
+                </a:fillRef>
+                <a:effectRef idx="0">
+                  <a:schemeClr val="dk1"/>
+                </a:effectRef>
+                <a:fontRef idx="minor">
+                  <a:schemeClr val="dk1"/>
+                </a:fontRef>
+              </p:style>
+              <p:txBody>
+                <a:bodyPr rtlCol="0" anchor="ctr"/>
+                <a:lstStyle/>
+                <a:p>
+                  <a:pPr algn="ctr"/>
+                  <a:endParaRPr lang="es-ES"/>
+                </a:p>
+              </p:txBody>
+            </p:sp>
+            <p:sp>
+              <p:nvSpPr>
+                <p:cNvPr id="14" name="Rectángulo 13">
+                  <a:extLst>
+                    <a:ext uri="{FF2B5EF4-FFF2-40B4-BE49-F238E27FC236}">
+                      <a16:creationId xmlns:a16="http://schemas.microsoft.com/office/drawing/2014/main" id="{DAE43B56-D4C4-4C73-8AFC-B90383C5CB7A}"/>
+                    </a:ext>
+                  </a:extLst>
+                </p:cNvPr>
+                <p:cNvSpPr/>
+                <p:nvPr/>
+              </p:nvSpPr>
+              <p:spPr>
+                <a:xfrm>
+                  <a:off x="576378" y="3892055"/>
+                  <a:ext cx="2021746" cy="2021746"/>
+                </a:xfrm>
+                <a:prstGeom prst="rect">
+                  <a:avLst/>
+                </a:prstGeom>
+                <a:ln w="19050"/>
+              </p:spPr>
+              <p:style>
+                <a:lnRef idx="2">
+                  <a:schemeClr val="dk1"/>
+                </a:lnRef>
+                <a:fillRef idx="1">
+                  <a:schemeClr val="lt1"/>
+                </a:fillRef>
+                <a:effectRef idx="0">
+                  <a:schemeClr val="dk1"/>
+                </a:effectRef>
+                <a:fontRef idx="minor">
+                  <a:schemeClr val="dk1"/>
+                </a:fontRef>
+              </p:style>
+              <p:txBody>
+                <a:bodyPr rtlCol="0" anchor="ctr"/>
+                <a:lstStyle/>
+                <a:p>
+                  <a:pPr algn="ctr"/>
+                  <a:endParaRPr lang="es-ES"/>
+                </a:p>
+              </p:txBody>
+            </p:sp>
+            <p:sp>
+              <p:nvSpPr>
+                <p:cNvPr id="15" name="Rectángulo 14">
+                  <a:extLst>
+                    <a:ext uri="{FF2B5EF4-FFF2-40B4-BE49-F238E27FC236}">
+                      <a16:creationId xmlns:a16="http://schemas.microsoft.com/office/drawing/2014/main" id="{D8FF894B-9E50-4FD6-867A-33B9E86BD339}"/>
+                    </a:ext>
+                  </a:extLst>
+                </p:cNvPr>
+                <p:cNvSpPr/>
+                <p:nvPr/>
+              </p:nvSpPr>
+              <p:spPr>
+                <a:xfrm>
+                  <a:off x="511742" y="3959064"/>
+                  <a:ext cx="2021746" cy="2021746"/>
+                </a:xfrm>
+                <a:prstGeom prst="rect">
+                  <a:avLst/>
+                </a:prstGeom>
+                <a:ln w="19050"/>
+              </p:spPr>
+              <p:style>
+                <a:lnRef idx="2">
+                  <a:schemeClr val="dk1"/>
+                </a:lnRef>
+                <a:fillRef idx="1">
+                  <a:schemeClr val="lt1"/>
+                </a:fillRef>
+                <a:effectRef idx="0">
+                  <a:schemeClr val="dk1"/>
+                </a:effectRef>
+                <a:fontRef idx="minor">
+                  <a:schemeClr val="dk1"/>
+                </a:fontRef>
+              </p:style>
+              <p:txBody>
+                <a:bodyPr rtlCol="0" anchor="ctr"/>
+                <a:lstStyle/>
+                <a:p>
+                  <a:pPr algn="ctr"/>
+                  <a:endParaRPr lang="es-ES"/>
+                </a:p>
+              </p:txBody>
+            </p:sp>
+            <p:sp>
+              <p:nvSpPr>
+                <p:cNvPr id="16" name="Rectángulo 15">
+                  <a:extLst>
+                    <a:ext uri="{FF2B5EF4-FFF2-40B4-BE49-F238E27FC236}">
+                      <a16:creationId xmlns:a16="http://schemas.microsoft.com/office/drawing/2014/main" id="{C7F614FF-4ED8-46D7-9E5C-2ED5F40FD776}"/>
+                    </a:ext>
+                  </a:extLst>
+                </p:cNvPr>
+                <p:cNvSpPr/>
+                <p:nvPr/>
+              </p:nvSpPr>
+              <p:spPr>
+                <a:xfrm>
+                  <a:off x="447106" y="4026073"/>
+                  <a:ext cx="2021746" cy="2021746"/>
+                </a:xfrm>
+                <a:prstGeom prst="rect">
+                  <a:avLst/>
+                </a:prstGeom>
+                <a:ln w="19050"/>
+              </p:spPr>
+              <p:style>
+                <a:lnRef idx="2">
+                  <a:schemeClr val="dk1"/>
+                </a:lnRef>
+                <a:fillRef idx="1">
+                  <a:schemeClr val="lt1"/>
+                </a:fillRef>
+                <a:effectRef idx="0">
+                  <a:schemeClr val="dk1"/>
+                </a:effectRef>
+                <a:fontRef idx="minor">
+                  <a:schemeClr val="dk1"/>
+                </a:fontRef>
+              </p:style>
+              <p:txBody>
+                <a:bodyPr rtlCol="0" anchor="ctr"/>
+                <a:lstStyle/>
+                <a:p>
+                  <a:pPr algn="ctr"/>
+                  <a:endParaRPr lang="es-ES"/>
+                </a:p>
+              </p:txBody>
+            </p:sp>
+            <p:sp>
+              <p:nvSpPr>
+                <p:cNvPr id="17" name="Rectángulo 16">
+                  <a:extLst>
+                    <a:ext uri="{FF2B5EF4-FFF2-40B4-BE49-F238E27FC236}">
+                      <a16:creationId xmlns:a16="http://schemas.microsoft.com/office/drawing/2014/main" id="{9D3A90DA-55D8-431B-A82C-BFB9D0ABE92A}"/>
+                    </a:ext>
+                  </a:extLst>
+                </p:cNvPr>
+                <p:cNvSpPr/>
+                <p:nvPr/>
+              </p:nvSpPr>
+              <p:spPr>
+                <a:xfrm>
+                  <a:off x="382470" y="4093082"/>
+                  <a:ext cx="2021746" cy="2021746"/>
+                </a:xfrm>
+                <a:prstGeom prst="rect">
+                  <a:avLst/>
+                </a:prstGeom>
+                <a:ln w="19050"/>
+              </p:spPr>
+              <p:style>
+                <a:lnRef idx="2">
+                  <a:schemeClr val="dk1"/>
+                </a:lnRef>
+                <a:fillRef idx="1">
+                  <a:schemeClr val="lt1"/>
+                </a:fillRef>
+                <a:effectRef idx="0">
+                  <a:schemeClr val="dk1"/>
+                </a:effectRef>
+                <a:fontRef idx="minor">
+                  <a:schemeClr val="dk1"/>
+                </a:fontRef>
+              </p:style>
+              <p:txBody>
+                <a:bodyPr rtlCol="0" anchor="ctr"/>
+                <a:lstStyle/>
+                <a:p>
+                  <a:pPr algn="ctr"/>
+                  <a:endParaRPr lang="es-ES"/>
+                </a:p>
+              </p:txBody>
+            </p:sp>
+            <p:sp>
+              <p:nvSpPr>
+                <p:cNvPr id="18" name="Rectángulo 17">
+                  <a:extLst>
+                    <a:ext uri="{FF2B5EF4-FFF2-40B4-BE49-F238E27FC236}">
+                      <a16:creationId xmlns:a16="http://schemas.microsoft.com/office/drawing/2014/main" id="{E0D01C29-5201-4853-A934-81C451FBA666}"/>
+                    </a:ext>
+                  </a:extLst>
+                </p:cNvPr>
+                <p:cNvSpPr/>
+                <p:nvPr/>
+              </p:nvSpPr>
+              <p:spPr>
+                <a:xfrm>
+                  <a:off x="317834" y="4160091"/>
+                  <a:ext cx="2021746" cy="2021746"/>
+                </a:xfrm>
+                <a:prstGeom prst="rect">
+                  <a:avLst/>
+                </a:prstGeom>
+                <a:ln w="19050"/>
+              </p:spPr>
+              <p:style>
+                <a:lnRef idx="2">
+                  <a:schemeClr val="dk1"/>
+                </a:lnRef>
+                <a:fillRef idx="1">
+                  <a:schemeClr val="lt1"/>
+                </a:fillRef>
+                <a:effectRef idx="0">
+                  <a:schemeClr val="dk1"/>
+                </a:effectRef>
+                <a:fontRef idx="minor">
+                  <a:schemeClr val="dk1"/>
+                </a:fontRef>
+              </p:style>
+              <p:txBody>
+                <a:bodyPr rtlCol="0" anchor="ctr"/>
+                <a:lstStyle/>
+                <a:p>
+                  <a:pPr algn="ctr"/>
+                  <a:endParaRPr lang="es-ES"/>
+                </a:p>
+              </p:txBody>
+            </p:sp>
+            <p:sp>
+              <p:nvSpPr>
+                <p:cNvPr id="19" name="Rectángulo 18">
+                  <a:extLst>
+                    <a:ext uri="{FF2B5EF4-FFF2-40B4-BE49-F238E27FC236}">
+                      <a16:creationId xmlns:a16="http://schemas.microsoft.com/office/drawing/2014/main" id="{96B0EEEC-1609-4AE3-AC10-B9EFEBE3CE02}"/>
+                    </a:ext>
+                  </a:extLst>
+                </p:cNvPr>
+                <p:cNvSpPr/>
+                <p:nvPr/>
+              </p:nvSpPr>
+              <p:spPr>
+                <a:xfrm>
+                  <a:off x="257916" y="4223394"/>
+                  <a:ext cx="2021746" cy="2021746"/>
+                </a:xfrm>
+                <a:prstGeom prst="rect">
+                  <a:avLst/>
+                </a:prstGeom>
+                <a:ln w="19050"/>
+              </p:spPr>
+              <p:style>
+                <a:lnRef idx="2">
+                  <a:schemeClr val="dk1"/>
+                </a:lnRef>
+                <a:fillRef idx="1">
+                  <a:schemeClr val="lt1"/>
+                </a:fillRef>
+                <a:effectRef idx="0">
+                  <a:schemeClr val="dk1"/>
+                </a:effectRef>
+                <a:fontRef idx="minor">
+                  <a:schemeClr val="dk1"/>
+                </a:fontRef>
+              </p:style>
+              <p:txBody>
+                <a:bodyPr rtlCol="0" anchor="ctr"/>
+                <a:lstStyle/>
+                <a:p>
+                  <a:pPr algn="ctr"/>
+                  <a:endParaRPr lang="es-ES"/>
+                </a:p>
+              </p:txBody>
+            </p:sp>
+          </p:grpSp>
+          <p:pic>
+            <p:nvPicPr>
+              <p:cNvPr id="23" name="Picture 4" descr="Resultado de imagen de apple png">
+                <a:extLst>
+                  <a:ext uri="{FF2B5EF4-FFF2-40B4-BE49-F238E27FC236}">
+                    <a16:creationId xmlns:a16="http://schemas.microsoft.com/office/drawing/2014/main" id="{A13A8CE6-C5DB-4210-9753-B9D30EA0BEA7}"/>
+                  </a:ext>
+                </a:extLst>
+              </p:cNvPr>
+              <p:cNvPicPr>
+                <a:picLocks noChangeAspect="1" noChangeArrowheads="1"/>
+              </p:cNvPicPr>
+              <p:nvPr/>
+            </p:nvPicPr>
+            <p:blipFill>
+              <a:blip r:embed="rId2">
+                <a:extLst>
+                  <a:ext uri="{28A0092B-C50C-407E-A947-70E740481C1C}">
+                    <a14:useLocalDpi xmlns:a14="http://schemas.microsoft.com/office/drawing/2010/main" val="0"/>
+                  </a:ext>
+                </a:extLst>
+              </a:blip>
+              <a:srcRect/>
+              <a:stretch>
+                <a:fillRect/>
+              </a:stretch>
+            </p:blipFill>
+            <p:spPr bwMode="auto">
+              <a:xfrm>
+                <a:off x="535485" y="4513990"/>
+                <a:ext cx="1466607" cy="1873926"/>
+              </a:xfrm>
+              <a:prstGeom prst="rect">
+                <a:avLst/>
+              </a:prstGeom>
+              <a:noFill/>
+              <a:extLst>
+                <a:ext uri="{909E8E84-426E-40DD-AFC4-6F175D3DCCD1}">
+                  <a14:hiddenFill xmlns:a14="http://schemas.microsoft.com/office/drawing/2010/main">
+                    <a:solidFill>
+                      <a:srgbClr val="FFFFFF"/>
+                    </a:solidFill>
+                  </a14:hiddenFill>
+                </a:ext>
+              </a:extLst>
+            </p:spPr>
+          </p:pic>
+        </p:grpSp>
+        <p:grpSp>
+          <p:nvGrpSpPr>
+            <p:cNvPr id="28" name="Grupo 27">
+              <a:extLst>
+                <a:ext uri="{FF2B5EF4-FFF2-40B4-BE49-F238E27FC236}">
+                  <a16:creationId xmlns:a16="http://schemas.microsoft.com/office/drawing/2014/main" id="{3A983F5F-1A33-4E9D-B32D-9CBF953B9781}"/>
+                </a:ext>
+              </a:extLst>
+            </p:cNvPr>
+            <p:cNvGrpSpPr/>
+            <p:nvPr/>
+          </p:nvGrpSpPr>
+          <p:grpSpPr>
+            <a:xfrm>
+              <a:off x="3114798" y="1045950"/>
+              <a:ext cx="2495994" cy="1825850"/>
+              <a:chOff x="2876850" y="901163"/>
+              <a:chExt cx="2495994" cy="1825850"/>
+            </a:xfrm>
+          </p:grpSpPr>
+          <p:sp>
+            <p:nvSpPr>
+              <p:cNvPr id="24" name="Diagrama de flujo: proceso 23">
+                <a:extLst>
+                  <a:ext uri="{FF2B5EF4-FFF2-40B4-BE49-F238E27FC236}">
+                    <a16:creationId xmlns:a16="http://schemas.microsoft.com/office/drawing/2014/main" id="{C2578C86-3C27-4A10-9136-2A1AD7F6C8B2}"/>
+                  </a:ext>
+                </a:extLst>
+              </p:cNvPr>
+              <p:cNvSpPr/>
+              <p:nvPr/>
+            </p:nvSpPr>
+            <p:spPr>
+              <a:xfrm>
+                <a:off x="2876850" y="901163"/>
+                <a:ext cx="2421653" cy="515923"/>
+              </a:xfrm>
+              <a:prstGeom prst="flowChartProcess">
+                <a:avLst/>
+              </a:prstGeom>
+              <a:solidFill>
+                <a:schemeClr val="accent5">
+                  <a:lumMod val="20000"/>
+                  <a:lumOff val="80000"/>
+                </a:schemeClr>
+              </a:solidFill>
+              <a:ln w="19050">
+                <a:solidFill>
+                  <a:schemeClr val="tx1"/>
+                </a:solidFill>
+              </a:ln>
+            </p:spPr>
+            <p:style>
+              <a:lnRef idx="2">
+                <a:schemeClr val="accent1">
+                  <a:shade val="50000"/>
+                </a:schemeClr>
+              </a:lnRef>
+              <a:fillRef idx="1">
+                <a:schemeClr val="accent1"/>
+              </a:fillRef>
+              <a:effectRef idx="0">
+                <a:schemeClr val="accent1"/>
+              </a:effectRef>
+              <a:fontRef idx="minor">
+                <a:schemeClr val="lt1"/>
+              </a:fontRef>
+            </p:style>
+            <p:txBody>
+              <a:bodyPr rtlCol="0" anchor="ctr"/>
+              <a:lstStyle/>
+              <a:p>
+                <a:pPr algn="ctr"/>
+                <a:r>
+                  <a:rPr lang="es-ES" sz="1600" dirty="0">
+                    <a:solidFill>
+                      <a:schemeClr val="tx1"/>
+                    </a:solidFill>
+                    <a:latin typeface="Cambria Math" panose="02040503050406030204" pitchFamily="18" charset="0"/>
+                    <a:ea typeface="Cambria Math" panose="02040503050406030204" pitchFamily="18" charset="0"/>
+                  </a:rPr>
+                  <a:t>Extracción manual de características</a:t>
+                </a:r>
+              </a:p>
+            </p:txBody>
+          </p:sp>
+          <p:grpSp>
+            <p:nvGrpSpPr>
+              <p:cNvPr id="26" name="Grupo 25">
+                <a:extLst>
+                  <a:ext uri="{FF2B5EF4-FFF2-40B4-BE49-F238E27FC236}">
+                    <a16:creationId xmlns:a16="http://schemas.microsoft.com/office/drawing/2014/main" id="{2BAA60F8-ADCD-4E5E-9465-3876D02F229A}"/>
+                  </a:ext>
+                </a:extLst>
+              </p:cNvPr>
+              <p:cNvGrpSpPr/>
+              <p:nvPr/>
+            </p:nvGrpSpPr>
+            <p:grpSpPr>
+              <a:xfrm>
+                <a:off x="2876851" y="1612982"/>
+                <a:ext cx="2495993" cy="1114031"/>
+                <a:chOff x="2914022" y="1408105"/>
+                <a:chExt cx="2495993" cy="1114031"/>
+              </a:xfrm>
+            </p:grpSpPr>
+            <p:sp>
+              <p:nvSpPr>
+                <p:cNvPr id="27" name="Rectángulo 26">
+                  <a:extLst>
+                    <a:ext uri="{FF2B5EF4-FFF2-40B4-BE49-F238E27FC236}">
+                      <a16:creationId xmlns:a16="http://schemas.microsoft.com/office/drawing/2014/main" id="{5CE828E3-0719-4A2B-B392-D9D24BF1469B}"/>
+                    </a:ext>
+                  </a:extLst>
+                </p:cNvPr>
+                <p:cNvSpPr/>
+                <p:nvPr/>
+              </p:nvSpPr>
+              <p:spPr>
+                <a:xfrm>
+                  <a:off x="2914022" y="1408105"/>
+                  <a:ext cx="2421652" cy="1114031"/>
+                </a:xfrm>
+                <a:prstGeom prst="rect">
+                  <a:avLst/>
+                </a:prstGeom>
+                <a:ln w="19050"/>
+              </p:spPr>
+              <p:style>
+                <a:lnRef idx="2">
+                  <a:schemeClr val="dk1"/>
+                </a:lnRef>
+                <a:fillRef idx="1">
+                  <a:schemeClr val="lt1"/>
+                </a:fillRef>
+                <a:effectRef idx="0">
+                  <a:schemeClr val="dk1"/>
+                </a:effectRef>
+                <a:fontRef idx="minor">
+                  <a:schemeClr val="dk1"/>
+                </a:fontRef>
+              </p:style>
+              <p:txBody>
+                <a:bodyPr rtlCol="0" anchor="ctr"/>
+                <a:lstStyle/>
+                <a:p>
+                  <a:pPr algn="ctr"/>
+                  <a:endParaRPr lang="es-ES"/>
+                </a:p>
+              </p:txBody>
+            </p:sp>
+            <p:sp>
+              <p:nvSpPr>
+                <p:cNvPr id="29" name="Diagrama de flujo: proceso 28">
+                  <a:extLst>
+                    <a:ext uri="{FF2B5EF4-FFF2-40B4-BE49-F238E27FC236}">
+                      <a16:creationId xmlns:a16="http://schemas.microsoft.com/office/drawing/2014/main" id="{12B670B0-3D1E-4DC8-B731-91CABBDE4908}"/>
+                    </a:ext>
+                  </a:extLst>
+                </p:cNvPr>
+                <p:cNvSpPr/>
+                <p:nvPr/>
+              </p:nvSpPr>
+              <p:spPr>
+                <a:xfrm>
+                  <a:off x="2914022" y="1781579"/>
+                  <a:ext cx="1085222" cy="316872"/>
+                </a:xfrm>
+                <a:prstGeom prst="flowChartProcess">
+                  <a:avLst/>
+                </a:prstGeom>
+                <a:noFill/>
+                <a:ln>
+                  <a:noFill/>
+                </a:ln>
+              </p:spPr>
+              <p:style>
+                <a:lnRef idx="2">
+                  <a:schemeClr val="accent1">
+                    <a:shade val="50000"/>
+                  </a:schemeClr>
+                </a:lnRef>
+                <a:fillRef idx="1">
+                  <a:schemeClr val="accent1"/>
+                </a:fillRef>
+                <a:effectRef idx="0">
+                  <a:schemeClr val="accent1"/>
+                </a:effectRef>
+                <a:fontRef idx="minor">
+                  <a:schemeClr val="lt1"/>
+                </a:fontRef>
+              </p:style>
+              <p:txBody>
+                <a:bodyPr rtlCol="0" anchor="ctr"/>
+                <a:lstStyle/>
+                <a:p>
+                  <a:pPr algn="ctr"/>
+                  <a:r>
+                    <a:rPr lang="es-ES" sz="1600" dirty="0">
+                      <a:solidFill>
+                        <a:schemeClr val="tx1"/>
+                      </a:solidFill>
+                      <a:latin typeface="Cambria Math" panose="02040503050406030204" pitchFamily="18" charset="0"/>
+                      <a:ea typeface="Cambria Math" panose="02040503050406030204" pitchFamily="18" charset="0"/>
+                    </a:rPr>
+                    <a:t>Redondo</a:t>
+                  </a:r>
+                </a:p>
+              </p:txBody>
+            </p:sp>
+            <p:sp>
+              <p:nvSpPr>
+                <p:cNvPr id="30" name="Diagrama de flujo: proceso 29">
+                  <a:extLst>
+                    <a:ext uri="{FF2B5EF4-FFF2-40B4-BE49-F238E27FC236}">
+                      <a16:creationId xmlns:a16="http://schemas.microsoft.com/office/drawing/2014/main" id="{2B02F831-E446-4066-B6FA-6591D3553D19}"/>
+                    </a:ext>
+                  </a:extLst>
+                </p:cNvPr>
+                <p:cNvSpPr/>
+                <p:nvPr/>
+              </p:nvSpPr>
+              <p:spPr>
+                <a:xfrm>
+                  <a:off x="3740712" y="1408105"/>
+                  <a:ext cx="1210826" cy="392831"/>
+                </a:xfrm>
+                <a:prstGeom prst="flowChartProcess">
+                  <a:avLst/>
+                </a:prstGeom>
+                <a:noFill/>
+                <a:ln>
+                  <a:noFill/>
+                </a:ln>
+              </p:spPr>
+              <p:style>
+                <a:lnRef idx="2">
+                  <a:schemeClr val="accent1">
+                    <a:shade val="50000"/>
+                  </a:schemeClr>
+                </a:lnRef>
+                <a:fillRef idx="1">
+                  <a:schemeClr val="accent1"/>
+                </a:fillRef>
+                <a:effectRef idx="0">
+                  <a:schemeClr val="accent1"/>
+                </a:effectRef>
+                <a:fontRef idx="minor">
+                  <a:schemeClr val="lt1"/>
+                </a:fontRef>
+              </p:style>
+              <p:txBody>
+                <a:bodyPr rtlCol="0" anchor="ctr"/>
+                <a:lstStyle/>
+                <a:p>
+                  <a:pPr algn="ctr"/>
+                  <a:r>
+                    <a:rPr lang="es-ES" sz="1600" dirty="0">
+                      <a:solidFill>
+                        <a:schemeClr val="tx1"/>
+                      </a:solidFill>
+                      <a:latin typeface="Cambria Math" panose="02040503050406030204" pitchFamily="18" charset="0"/>
+                      <a:ea typeface="Cambria Math" panose="02040503050406030204" pitchFamily="18" charset="0"/>
+                    </a:rPr>
+                    <a:t>Con tallo</a:t>
+                  </a:r>
+                </a:p>
+              </p:txBody>
+            </p:sp>
+            <p:sp>
+              <p:nvSpPr>
+                <p:cNvPr id="31" name="Diagrama de flujo: proceso 30">
+                  <a:extLst>
+                    <a:ext uri="{FF2B5EF4-FFF2-40B4-BE49-F238E27FC236}">
+                      <a16:creationId xmlns:a16="http://schemas.microsoft.com/office/drawing/2014/main" id="{A21E0F0B-D29D-421D-BDC1-6C12BE263F37}"/>
+                    </a:ext>
+                  </a:extLst>
+                </p:cNvPr>
+                <p:cNvSpPr/>
+                <p:nvPr/>
+              </p:nvSpPr>
+              <p:spPr>
+                <a:xfrm>
+                  <a:off x="3101958" y="2087398"/>
+                  <a:ext cx="1865675" cy="413837"/>
+                </a:xfrm>
+                <a:prstGeom prst="flowChartProcess">
+                  <a:avLst/>
+                </a:prstGeom>
+                <a:noFill/>
+                <a:ln>
+                  <a:noFill/>
+                </a:ln>
+              </p:spPr>
+              <p:style>
+                <a:lnRef idx="2">
+                  <a:schemeClr val="accent1">
+                    <a:shade val="50000"/>
+                  </a:schemeClr>
+                </a:lnRef>
+                <a:fillRef idx="1">
+                  <a:schemeClr val="accent1"/>
+                </a:fillRef>
+                <a:effectRef idx="0">
+                  <a:schemeClr val="accent1"/>
+                </a:effectRef>
+                <a:fontRef idx="minor">
+                  <a:schemeClr val="lt1"/>
+                </a:fontRef>
+              </p:style>
+              <p:txBody>
+                <a:bodyPr rtlCol="0" anchor="ctr"/>
+                <a:lstStyle/>
+                <a:p>
+                  <a:pPr algn="ctr"/>
+                  <a:r>
+                    <a:rPr lang="es-ES" sz="1600" dirty="0">
+                      <a:solidFill>
+                        <a:schemeClr val="tx1"/>
+                      </a:solidFill>
+                      <a:latin typeface="Cambria Math" panose="02040503050406030204" pitchFamily="18" charset="0"/>
+                      <a:ea typeface="Cambria Math" panose="02040503050406030204" pitchFamily="18" charset="0"/>
+                    </a:rPr>
+                    <a:t>Diámetro &lt; 10cm</a:t>
+                  </a:r>
+                </a:p>
+              </p:txBody>
+            </p:sp>
+            <p:sp>
+              <p:nvSpPr>
+                <p:cNvPr id="32" name="Diagrama de flujo: proceso 31">
+                  <a:extLst>
+                    <a:ext uri="{FF2B5EF4-FFF2-40B4-BE49-F238E27FC236}">
+                      <a16:creationId xmlns:a16="http://schemas.microsoft.com/office/drawing/2014/main" id="{CB134840-8190-4DC2-8078-D07D21937FD1}"/>
+                    </a:ext>
+                  </a:extLst>
+                </p:cNvPr>
+                <p:cNvSpPr/>
+                <p:nvPr/>
+              </p:nvSpPr>
+              <p:spPr>
+                <a:xfrm>
+                  <a:off x="4324793" y="1759331"/>
+                  <a:ext cx="1085222" cy="316872"/>
+                </a:xfrm>
+                <a:prstGeom prst="flowChartProcess">
+                  <a:avLst/>
+                </a:prstGeom>
+                <a:noFill/>
+                <a:ln>
+                  <a:noFill/>
+                </a:ln>
+              </p:spPr>
+              <p:style>
+                <a:lnRef idx="2">
+                  <a:schemeClr val="accent1">
+                    <a:shade val="50000"/>
+                  </a:schemeClr>
+                </a:lnRef>
+                <a:fillRef idx="1">
+                  <a:schemeClr val="accent1"/>
+                </a:fillRef>
+                <a:effectRef idx="0">
+                  <a:schemeClr val="accent1"/>
+                </a:effectRef>
+                <a:fontRef idx="minor">
+                  <a:schemeClr val="lt1"/>
+                </a:fontRef>
+              </p:style>
+              <p:txBody>
+                <a:bodyPr rtlCol="0" anchor="ctr"/>
+                <a:lstStyle/>
+                <a:p>
+                  <a:pPr algn="ctr"/>
+                  <a:r>
+                    <a:rPr lang="es-ES" sz="1600" dirty="0">
+                      <a:solidFill>
+                        <a:schemeClr val="tx1"/>
+                      </a:solidFill>
+                      <a:latin typeface="Cambria Math" panose="02040503050406030204" pitchFamily="18" charset="0"/>
+                      <a:ea typeface="Cambria Math" panose="02040503050406030204" pitchFamily="18" charset="0"/>
+                    </a:rPr>
+                    <a:t>Dulce</a:t>
+                  </a:r>
+                </a:p>
+              </p:txBody>
+            </p:sp>
+          </p:grpSp>
+        </p:grpSp>
         <p:sp>
           <p:nvSpPr>
-            <p:cNvPr id="55" name="Elipse 54">
+            <p:cNvPr id="33" name="Flecha: a la derecha 32">
               <a:extLst>
                 <a:ext uri="{FF2B5EF4-FFF2-40B4-BE49-F238E27FC236}">
-                  <a16:creationId xmlns:a16="http://schemas.microsoft.com/office/drawing/2014/main" id="{F4A05808-76BB-4E29-97DF-ACEA9422F338}"/>
+                  <a16:creationId xmlns:a16="http://schemas.microsoft.com/office/drawing/2014/main" id="{A11ED953-57A5-4791-8FA8-A78C4C7BC36D}"/>
                 </a:ext>
               </a:extLst>
             </p:cNvPr>
@@ -3421,59 +4422,276 @@
           </p:nvSpPr>
           <p:spPr>
             <a:xfrm>
-              <a:off x="0" y="0"/>
-              <a:ext cx="242524" cy="242411"/>
+              <a:off x="2404845" y="2247440"/>
+              <a:ext cx="709953" cy="145560"/>
             </a:xfrm>
-            <a:prstGeom prst="ellipse">
-              <a:avLst/>
+            <a:prstGeom prst="rightArrow">
+              <a:avLst>
+                <a:gd name="adj1" fmla="val 54436"/>
+                <a:gd name="adj2" fmla="val 99169"/>
+              </a:avLst>
             </a:prstGeom>
-            <a:solidFill>
-              <a:schemeClr val="accent5">
-                <a:lumMod val="20000"/>
-                <a:lumOff val="80000"/>
-              </a:schemeClr>
-            </a:solidFill>
-            <a:ln w="19050">
-              <a:solidFill>
-                <a:schemeClr val="tx1"/>
-              </a:solidFill>
-            </a:ln>
           </p:spPr>
           <p:style>
             <a:lnRef idx="2">
-              <a:schemeClr val="accent6">
+              <a:schemeClr val="dk1">
                 <a:shade val="50000"/>
               </a:schemeClr>
             </a:lnRef>
             <a:fillRef idx="1">
-              <a:schemeClr val="accent6"/>
+              <a:schemeClr val="dk1"/>
             </a:fillRef>
             <a:effectRef idx="0">
-              <a:schemeClr val="accent6"/>
+              <a:schemeClr val="dk1"/>
             </a:effectRef>
             <a:fontRef idx="minor">
               <a:schemeClr val="lt1"/>
             </a:fontRef>
           </p:style>
           <p:txBody>
-            <a:bodyPr rot="0" spcFirstLastPara="0" vert="horz" wrap="square" lIns="91440" tIns="45720" rIns="91440" bIns="45720" numCol="1" spcCol="0" rtlCol="0" fromWordArt="0" anchor="ctr" anchorCtr="0" forceAA="0" compatLnSpc="1">
-              <a:prstTxWarp prst="textNoShape">
-                <a:avLst/>
-              </a:prstTxWarp>
-              <a:noAutofit/>
-            </a:bodyPr>
+            <a:bodyPr rtlCol="0" anchor="ctr"/>
             <a:lstStyle/>
             <a:p>
+              <a:pPr algn="ctr"/>
               <a:endParaRPr lang="es-ES"/>
             </a:p>
           </p:txBody>
         </p:sp>
+        <p:grpSp>
+          <p:nvGrpSpPr>
+            <p:cNvPr id="36" name="Grupo 35">
+              <a:extLst>
+                <a:ext uri="{FF2B5EF4-FFF2-40B4-BE49-F238E27FC236}">
+                  <a16:creationId xmlns:a16="http://schemas.microsoft.com/office/drawing/2014/main" id="{A764AB62-A854-4DD4-A609-07475FB74A4A}"/>
+                </a:ext>
+              </a:extLst>
+            </p:cNvPr>
+            <p:cNvGrpSpPr/>
+            <p:nvPr/>
+          </p:nvGrpSpPr>
+          <p:grpSpPr>
+            <a:xfrm>
+              <a:off x="6342338" y="1045950"/>
+              <a:ext cx="2421653" cy="1825850"/>
+              <a:chOff x="2876850" y="901163"/>
+              <a:chExt cx="2421653" cy="1825850"/>
+            </a:xfrm>
+          </p:grpSpPr>
+          <p:sp>
+            <p:nvSpPr>
+              <p:cNvPr id="37" name="Diagrama de flujo: proceso 36">
+                <a:extLst>
+                  <a:ext uri="{FF2B5EF4-FFF2-40B4-BE49-F238E27FC236}">
+                    <a16:creationId xmlns:a16="http://schemas.microsoft.com/office/drawing/2014/main" id="{7AE5D925-A1F8-4257-9B53-0621856FE46E}"/>
+                  </a:ext>
+                </a:extLst>
+              </p:cNvPr>
+              <p:cNvSpPr/>
+              <p:nvPr/>
+            </p:nvSpPr>
+            <p:spPr>
+              <a:xfrm>
+                <a:off x="2876850" y="901163"/>
+                <a:ext cx="2421653" cy="515923"/>
+              </a:xfrm>
+              <a:prstGeom prst="flowChartProcess">
+                <a:avLst/>
+              </a:prstGeom>
+              <a:solidFill>
+                <a:schemeClr val="accent5">
+                  <a:lumMod val="20000"/>
+                  <a:lumOff val="80000"/>
+                </a:schemeClr>
+              </a:solidFill>
+              <a:ln w="19050">
+                <a:solidFill>
+                  <a:schemeClr val="tx1"/>
+                </a:solidFill>
+              </a:ln>
+            </p:spPr>
+            <p:style>
+              <a:lnRef idx="2">
+                <a:schemeClr val="accent1">
+                  <a:shade val="50000"/>
+                </a:schemeClr>
+              </a:lnRef>
+              <a:fillRef idx="1">
+                <a:schemeClr val="accent1"/>
+              </a:fillRef>
+              <a:effectRef idx="0">
+                <a:schemeClr val="accent1"/>
+              </a:effectRef>
+              <a:fontRef idx="minor">
+                <a:schemeClr val="lt1"/>
+              </a:fontRef>
+            </p:style>
+            <p:txBody>
+              <a:bodyPr rtlCol="0" anchor="ctr"/>
+              <a:lstStyle/>
+              <a:p>
+                <a:pPr algn="ctr"/>
+                <a:r>
+                  <a:rPr lang="es-ES" sz="1600" dirty="0">
+                    <a:solidFill>
+                      <a:schemeClr val="tx1"/>
+                    </a:solidFill>
+                    <a:latin typeface="Cambria Math" panose="02040503050406030204" pitchFamily="18" charset="0"/>
+                    <a:ea typeface="Cambria Math" panose="02040503050406030204" pitchFamily="18" charset="0"/>
+                  </a:rPr>
+                  <a:t>Clasificación</a:t>
+                </a:r>
+              </a:p>
+            </p:txBody>
+          </p:sp>
+          <p:grpSp>
+            <p:nvGrpSpPr>
+              <p:cNvPr id="38" name="Grupo 37">
+                <a:extLst>
+                  <a:ext uri="{FF2B5EF4-FFF2-40B4-BE49-F238E27FC236}">
+                    <a16:creationId xmlns:a16="http://schemas.microsoft.com/office/drawing/2014/main" id="{C6B0A28D-DB65-4297-B32B-29DEB7DB6E7C}"/>
+                  </a:ext>
+                </a:extLst>
+              </p:cNvPr>
+              <p:cNvGrpSpPr/>
+              <p:nvPr/>
+            </p:nvGrpSpPr>
+            <p:grpSpPr>
+              <a:xfrm>
+                <a:off x="2876850" y="1612982"/>
+                <a:ext cx="2421653" cy="1114031"/>
+                <a:chOff x="2914021" y="1408105"/>
+                <a:chExt cx="2421653" cy="1114031"/>
+              </a:xfrm>
+            </p:grpSpPr>
+            <p:sp>
+              <p:nvSpPr>
+                <p:cNvPr id="39" name="Rectángulo 38">
+                  <a:extLst>
+                    <a:ext uri="{FF2B5EF4-FFF2-40B4-BE49-F238E27FC236}">
+                      <a16:creationId xmlns:a16="http://schemas.microsoft.com/office/drawing/2014/main" id="{15F4E756-8607-4C5F-A254-29E7A55EB897}"/>
+                    </a:ext>
+                  </a:extLst>
+                </p:cNvPr>
+                <p:cNvSpPr/>
+                <p:nvPr/>
+              </p:nvSpPr>
+              <p:spPr>
+                <a:xfrm>
+                  <a:off x="2914022" y="1408105"/>
+                  <a:ext cx="2421652" cy="1114031"/>
+                </a:xfrm>
+                <a:prstGeom prst="rect">
+                  <a:avLst/>
+                </a:prstGeom>
+                <a:ln w="19050"/>
+              </p:spPr>
+              <p:style>
+                <a:lnRef idx="2">
+                  <a:schemeClr val="dk1"/>
+                </a:lnRef>
+                <a:fillRef idx="1">
+                  <a:schemeClr val="lt1"/>
+                </a:fillRef>
+                <a:effectRef idx="0">
+                  <a:schemeClr val="dk1"/>
+                </a:effectRef>
+                <a:fontRef idx="minor">
+                  <a:schemeClr val="dk1"/>
+                </a:fontRef>
+              </p:style>
+              <p:txBody>
+                <a:bodyPr rtlCol="0" anchor="ctr"/>
+                <a:lstStyle/>
+                <a:p>
+                  <a:pPr algn="ctr"/>
+                  <a:endParaRPr lang="es-ES" dirty="0"/>
+                </a:p>
+              </p:txBody>
+            </p:sp>
+            <p:sp>
+              <p:nvSpPr>
+                <p:cNvPr id="42" name="Diagrama de flujo: proceso 41">
+                  <a:extLst>
+                    <a:ext uri="{FF2B5EF4-FFF2-40B4-BE49-F238E27FC236}">
+                      <a16:creationId xmlns:a16="http://schemas.microsoft.com/office/drawing/2014/main" id="{E470F10E-5E3B-4736-8A90-803D9B7E984C}"/>
+                    </a:ext>
+                  </a:extLst>
+                </p:cNvPr>
+                <p:cNvSpPr/>
+                <p:nvPr/>
+              </p:nvSpPr>
+              <p:spPr>
+                <a:xfrm>
+                  <a:off x="2914021" y="1408106"/>
+                  <a:ext cx="2421652" cy="1114030"/>
+                </a:xfrm>
+                <a:prstGeom prst="flowChartProcess">
+                  <a:avLst/>
+                </a:prstGeom>
+                <a:noFill/>
+                <a:ln>
+                  <a:noFill/>
+                </a:ln>
+              </p:spPr>
+              <p:style>
+                <a:lnRef idx="2">
+                  <a:schemeClr val="accent1">
+                    <a:shade val="50000"/>
+                  </a:schemeClr>
+                </a:lnRef>
+                <a:fillRef idx="1">
+                  <a:schemeClr val="accent1"/>
+                </a:fillRef>
+                <a:effectRef idx="0">
+                  <a:schemeClr val="accent1"/>
+                </a:effectRef>
+                <a:fontRef idx="minor">
+                  <a:schemeClr val="lt1"/>
+                </a:fontRef>
+              </p:style>
+              <p:txBody>
+                <a:bodyPr rtlCol="0" anchor="ctr"/>
+                <a:lstStyle/>
+                <a:p>
+                  <a:pPr algn="ctr"/>
+                  <a:r>
+                    <a:rPr lang="es-ES" sz="1600" dirty="0">
+                      <a:solidFill>
+                        <a:schemeClr val="tx1"/>
+                      </a:solidFill>
+                      <a:latin typeface="Cambria Math" panose="02040503050406030204" pitchFamily="18" charset="0"/>
+                      <a:ea typeface="Cambria Math" panose="02040503050406030204" pitchFamily="18" charset="0"/>
+                    </a:rPr>
+                    <a:t>Machine </a:t>
+                  </a:r>
+                  <a:r>
+                    <a:rPr lang="es-ES" sz="1600" dirty="0" err="1">
+                      <a:solidFill>
+                        <a:schemeClr val="tx1"/>
+                      </a:solidFill>
+                      <a:latin typeface="Cambria Math" panose="02040503050406030204" pitchFamily="18" charset="0"/>
+                      <a:ea typeface="Cambria Math" panose="02040503050406030204" pitchFamily="18" charset="0"/>
+                    </a:rPr>
+                    <a:t>Learning</a:t>
+                  </a:r>
+                  <a:endParaRPr lang="es-ES" sz="1600" dirty="0">
+                    <a:solidFill>
+                      <a:schemeClr val="tx1"/>
+                    </a:solidFill>
+                    <a:latin typeface="Cambria Math" panose="02040503050406030204" pitchFamily="18" charset="0"/>
+                    <a:ea typeface="Cambria Math" panose="02040503050406030204" pitchFamily="18" charset="0"/>
+                  </a:endParaRPr>
+                </a:p>
+              </p:txBody>
+            </p:sp>
+          </p:grpSp>
+        </p:grpSp>
         <p:sp>
           <p:nvSpPr>
-            <p:cNvPr id="56" name="Elipse 55">
+            <p:cNvPr id="44" name="Flecha: a la derecha 43">
               <a:extLst>
                 <a:ext uri="{FF2B5EF4-FFF2-40B4-BE49-F238E27FC236}">
-                  <a16:creationId xmlns:a16="http://schemas.microsoft.com/office/drawing/2014/main" id="{1CBD224A-7934-497D-B661-7436322224CB}"/>
+                  <a16:creationId xmlns:a16="http://schemas.microsoft.com/office/drawing/2014/main" id="{F5A4694A-D146-423E-8CED-D0CEA8516022}"/>
                 </a:ext>
               </a:extLst>
             </p:cNvPr>
@@ -3482,59 +4700,179 @@
           </p:nvSpPr>
           <p:spPr>
             <a:xfrm>
-              <a:off x="0" y="407363"/>
-              <a:ext cx="242524" cy="242411"/>
+              <a:off x="5536451" y="2247440"/>
+              <a:ext cx="805886" cy="145559"/>
             </a:xfrm>
-            <a:prstGeom prst="ellipse">
-              <a:avLst/>
+            <a:prstGeom prst="rightArrow">
+              <a:avLst>
+                <a:gd name="adj1" fmla="val 54436"/>
+                <a:gd name="adj2" fmla="val 100938"/>
+              </a:avLst>
             </a:prstGeom>
-            <a:solidFill>
-              <a:schemeClr val="accent5">
-                <a:lumMod val="20000"/>
-                <a:lumOff val="80000"/>
-              </a:schemeClr>
-            </a:solidFill>
-            <a:ln w="19050">
-              <a:solidFill>
-                <a:schemeClr val="tx1"/>
-              </a:solidFill>
-            </a:ln>
           </p:spPr>
           <p:style>
             <a:lnRef idx="2">
-              <a:schemeClr val="accent6">
+              <a:schemeClr val="dk1">
                 <a:shade val="50000"/>
               </a:schemeClr>
             </a:lnRef>
             <a:fillRef idx="1">
-              <a:schemeClr val="accent6"/>
+              <a:schemeClr val="dk1"/>
             </a:fillRef>
             <a:effectRef idx="0">
-              <a:schemeClr val="accent6"/>
+              <a:schemeClr val="dk1"/>
             </a:effectRef>
             <a:fontRef idx="minor">
               <a:schemeClr val="lt1"/>
             </a:fontRef>
           </p:style>
           <p:txBody>
-            <a:bodyPr rot="0" spcFirstLastPara="0" vert="horz" wrap="square" lIns="91440" tIns="45720" rIns="91440" bIns="45720" numCol="1" spcCol="0" rtlCol="0" fromWordArt="0" anchor="ctr" anchorCtr="0" forceAA="0" compatLnSpc="1">
-              <a:prstTxWarp prst="textNoShape">
-                <a:avLst/>
-              </a:prstTxWarp>
-              <a:noAutofit/>
-            </a:bodyPr>
+            <a:bodyPr rtlCol="0" anchor="ctr"/>
             <a:lstStyle/>
             <a:p>
+              <a:pPr algn="ctr"/>
               <a:endParaRPr lang="es-ES"/>
             </a:p>
           </p:txBody>
         </p:sp>
+        <p:grpSp>
+          <p:nvGrpSpPr>
+            <p:cNvPr id="45" name="Grupo 44">
+              <a:extLst>
+                <a:ext uri="{FF2B5EF4-FFF2-40B4-BE49-F238E27FC236}">
+                  <a16:creationId xmlns:a16="http://schemas.microsoft.com/office/drawing/2014/main" id="{7075E91E-B154-4794-8A0D-7E10D3FE57D8}"/>
+                </a:ext>
+              </a:extLst>
+            </p:cNvPr>
+            <p:cNvGrpSpPr/>
+            <p:nvPr/>
+          </p:nvGrpSpPr>
+          <p:grpSpPr>
+            <a:xfrm>
+              <a:off x="3114798" y="4373846"/>
+              <a:ext cx="5649192" cy="1825850"/>
+              <a:chOff x="2876850" y="901163"/>
+              <a:chExt cx="2421653" cy="1825850"/>
+            </a:xfrm>
+          </p:grpSpPr>
+          <p:sp>
+            <p:nvSpPr>
+              <p:cNvPr id="46" name="Diagrama de flujo: proceso 45">
+                <a:extLst>
+                  <a:ext uri="{FF2B5EF4-FFF2-40B4-BE49-F238E27FC236}">
+                    <a16:creationId xmlns:a16="http://schemas.microsoft.com/office/drawing/2014/main" id="{B158EA19-0925-49F6-A044-80CBF07C8983}"/>
+                  </a:ext>
+                </a:extLst>
+              </p:cNvPr>
+              <p:cNvSpPr/>
+              <p:nvPr/>
+            </p:nvSpPr>
+            <p:spPr>
+              <a:xfrm>
+                <a:off x="2876850" y="901163"/>
+                <a:ext cx="2421653" cy="515923"/>
+              </a:xfrm>
+              <a:prstGeom prst="flowChartProcess">
+                <a:avLst/>
+              </a:prstGeom>
+              <a:solidFill>
+                <a:schemeClr val="accent5">
+                  <a:lumMod val="20000"/>
+                  <a:lumOff val="80000"/>
+                </a:schemeClr>
+              </a:solidFill>
+              <a:ln w="19050">
+                <a:solidFill>
+                  <a:schemeClr val="tx1"/>
+                </a:solidFill>
+              </a:ln>
+            </p:spPr>
+            <p:style>
+              <a:lnRef idx="2">
+                <a:schemeClr val="accent1">
+                  <a:shade val="50000"/>
+                </a:schemeClr>
+              </a:lnRef>
+              <a:fillRef idx="1">
+                <a:schemeClr val="accent1"/>
+              </a:fillRef>
+              <a:effectRef idx="0">
+                <a:schemeClr val="accent1"/>
+              </a:effectRef>
+              <a:fontRef idx="minor">
+                <a:schemeClr val="lt1"/>
+              </a:fontRef>
+            </p:style>
+            <p:txBody>
+              <a:bodyPr rtlCol="0" anchor="ctr"/>
+              <a:lstStyle/>
+              <a:p>
+                <a:pPr algn="ctr"/>
+                <a:r>
+                  <a:rPr lang="es-ES" sz="1600" dirty="0">
+                    <a:solidFill>
+                      <a:schemeClr val="tx1"/>
+                    </a:solidFill>
+                    <a:latin typeface="Cambria Math" panose="02040503050406030204" pitchFamily="18" charset="0"/>
+                    <a:ea typeface="Cambria Math" panose="02040503050406030204" pitchFamily="18" charset="0"/>
+                  </a:rPr>
+                  <a:t>Extracción automática de características</a:t>
+                </a:r>
+              </a:p>
+            </p:txBody>
+          </p:sp>
+          <p:sp>
+            <p:nvSpPr>
+              <p:cNvPr id="48" name="Rectángulo 47">
+                <a:extLst>
+                  <a:ext uri="{FF2B5EF4-FFF2-40B4-BE49-F238E27FC236}">
+                    <a16:creationId xmlns:a16="http://schemas.microsoft.com/office/drawing/2014/main" id="{EF5B9455-AE94-4947-A13C-A0AE60B84485}"/>
+                  </a:ext>
+                </a:extLst>
+              </p:cNvPr>
+              <p:cNvSpPr/>
+              <p:nvPr/>
+            </p:nvSpPr>
+            <p:spPr>
+              <a:xfrm>
+                <a:off x="2876851" y="1612982"/>
+                <a:ext cx="2421652" cy="1114031"/>
+              </a:xfrm>
+              <a:prstGeom prst="rect">
+                <a:avLst/>
+              </a:prstGeom>
+              <a:ln w="19050"/>
+            </p:spPr>
+            <p:style>
+              <a:lnRef idx="2">
+                <a:schemeClr val="dk1"/>
+              </a:lnRef>
+              <a:fillRef idx="1">
+                <a:schemeClr val="lt1"/>
+              </a:fillRef>
+              <a:effectRef idx="0">
+                <a:schemeClr val="dk1"/>
+              </a:effectRef>
+              <a:fontRef idx="minor">
+                <a:schemeClr val="dk1"/>
+              </a:fontRef>
+            </p:style>
+            <p:txBody>
+              <a:bodyPr rtlCol="0" anchor="ctr"/>
+              <a:lstStyle/>
+              <a:p>
+                <a:pPr algn="ctr"/>
+                <a:endParaRPr lang="es-ES"/>
+              </a:p>
+            </p:txBody>
+          </p:sp>
+        </p:grpSp>
         <p:sp>
           <p:nvSpPr>
-            <p:cNvPr id="57" name="Elipse 56">
+            <p:cNvPr id="53" name="Flecha: a la derecha 52">
               <a:extLst>
                 <a:ext uri="{FF2B5EF4-FFF2-40B4-BE49-F238E27FC236}">
-                  <a16:creationId xmlns:a16="http://schemas.microsoft.com/office/drawing/2014/main" id="{439F2FBB-CAFF-47E9-85A4-6716710505FF}"/>
+                  <a16:creationId xmlns:a16="http://schemas.microsoft.com/office/drawing/2014/main" id="{1BF1C65E-B79F-4FB0-BF60-711D17837100}"/>
                 </a:ext>
               </a:extLst>
             </p:cNvPr>
@@ -3543,633 +4881,512 @@
           </p:nvSpPr>
           <p:spPr>
             <a:xfrm>
-              <a:off x="0" y="801725"/>
-              <a:ext cx="242524" cy="242411"/>
+              <a:off x="2404845" y="5545157"/>
+              <a:ext cx="709953" cy="138616"/>
             </a:xfrm>
-            <a:prstGeom prst="ellipse">
-              <a:avLst/>
+            <a:prstGeom prst="rightArrow">
+              <a:avLst>
+                <a:gd name="adj1" fmla="val 54436"/>
+                <a:gd name="adj2" fmla="val 98167"/>
+              </a:avLst>
             </a:prstGeom>
-            <a:solidFill>
-              <a:schemeClr val="accent5">
-                <a:lumMod val="20000"/>
-                <a:lumOff val="80000"/>
-              </a:schemeClr>
-            </a:solidFill>
-            <a:ln w="19050">
-              <a:solidFill>
-                <a:schemeClr val="tx1"/>
-              </a:solidFill>
-            </a:ln>
           </p:spPr>
           <p:style>
             <a:lnRef idx="2">
-              <a:schemeClr val="accent6">
+              <a:schemeClr val="dk1">
                 <a:shade val="50000"/>
               </a:schemeClr>
             </a:lnRef>
             <a:fillRef idx="1">
-              <a:schemeClr val="accent6"/>
+              <a:schemeClr val="dk1"/>
             </a:fillRef>
             <a:effectRef idx="0">
-              <a:schemeClr val="accent6"/>
+              <a:schemeClr val="dk1"/>
             </a:effectRef>
             <a:fontRef idx="minor">
               <a:schemeClr val="lt1"/>
             </a:fontRef>
           </p:style>
           <p:txBody>
-            <a:bodyPr rot="0" spcFirstLastPara="0" vert="horz" wrap="square" lIns="91440" tIns="45720" rIns="91440" bIns="45720" numCol="1" spcCol="0" rtlCol="0" fromWordArt="0" anchor="ctr" anchorCtr="0" forceAA="0" compatLnSpc="1">
-              <a:prstTxWarp prst="textNoShape">
-                <a:avLst/>
-              </a:prstTxWarp>
-              <a:noAutofit/>
-            </a:bodyPr>
+            <a:bodyPr rtlCol="0" anchor="ctr"/>
             <a:lstStyle/>
             <a:p>
+              <a:pPr algn="ctr"/>
               <a:endParaRPr lang="es-ES"/>
             </a:p>
           </p:txBody>
         </p:sp>
-        <p:sp>
-          <p:nvSpPr>
-            <p:cNvPr id="58" name="Elipse 57">
+        <p:grpSp>
+          <p:nvGrpSpPr>
+            <p:cNvPr id="55" name="Grupo 54">
               <a:extLst>
                 <a:ext uri="{FF2B5EF4-FFF2-40B4-BE49-F238E27FC236}">
-                  <a16:creationId xmlns:a16="http://schemas.microsoft.com/office/drawing/2014/main" id="{432C9448-877F-488D-89C8-6EDB5582244C}"/>
+                  <a16:creationId xmlns:a16="http://schemas.microsoft.com/office/drawing/2014/main" id="{C1D7695D-0ADF-491D-8B09-DACA5537993E}"/>
                 </a:ext>
               </a:extLst>
             </p:cNvPr>
-            <p:cNvSpPr/>
+            <p:cNvGrpSpPr/>
             <p:nvPr/>
-          </p:nvSpPr>
-          <p:spPr>
+          </p:nvGrpSpPr>
+          <p:grpSpPr>
             <a:xfrm>
-              <a:off x="0" y="1204754"/>
-              <a:ext cx="242524" cy="242411"/>
+              <a:off x="4464795" y="5235096"/>
+              <a:ext cx="2949198" cy="812200"/>
+              <a:chOff x="4102705" y="5496795"/>
+              <a:chExt cx="2949198" cy="812200"/>
             </a:xfrm>
-            <a:prstGeom prst="ellipse">
-              <a:avLst/>
-            </a:prstGeom>
-            <a:solidFill>
-              <a:schemeClr val="accent5">
-                <a:lumMod val="20000"/>
-                <a:lumOff val="80000"/>
-              </a:schemeClr>
-            </a:solidFill>
-            <a:ln w="19050">
+          </p:grpSpPr>
+          <p:sp>
+            <p:nvSpPr>
+              <p:cNvPr id="34" name="Elipse 33">
+                <a:extLst>
+                  <a:ext uri="{FF2B5EF4-FFF2-40B4-BE49-F238E27FC236}">
+                    <a16:creationId xmlns:a16="http://schemas.microsoft.com/office/drawing/2014/main" id="{CE0DAAE5-92B1-4B6E-84D2-2F9A8932CEC9}"/>
+                  </a:ext>
+                </a:extLst>
+              </p:cNvPr>
+              <p:cNvSpPr/>
+              <p:nvPr/>
+            </p:nvSpPr>
+            <p:spPr>
+              <a:xfrm>
+                <a:off x="4102705" y="5559995"/>
+                <a:ext cx="685800" cy="685800"/>
+              </a:xfrm>
+              <a:prstGeom prst="ellipse">
+                <a:avLst/>
+              </a:prstGeom>
               <a:solidFill>
-                <a:schemeClr val="tx1"/>
+                <a:srgbClr val="AF1D21"/>
               </a:solidFill>
-            </a:ln>
-          </p:spPr>
-          <p:style>
-            <a:lnRef idx="2">
-              <a:schemeClr val="accent6">
-                <a:shade val="50000"/>
-              </a:schemeClr>
-            </a:lnRef>
-            <a:fillRef idx="1">
-              <a:schemeClr val="accent6"/>
-            </a:fillRef>
-            <a:effectRef idx="0">
-              <a:schemeClr val="accent6"/>
-            </a:effectRef>
-            <a:fontRef idx="minor">
-              <a:schemeClr val="lt1"/>
-            </a:fontRef>
-          </p:style>
-          <p:txBody>
-            <a:bodyPr rot="0" spcFirstLastPara="0" vert="horz" wrap="square" lIns="91440" tIns="45720" rIns="91440" bIns="45720" numCol="1" spcCol="0" rtlCol="0" fromWordArt="0" anchor="ctr" anchorCtr="0" forceAA="0" compatLnSpc="1">
-              <a:prstTxWarp prst="textNoShape">
+              <a:ln>
+                <a:solidFill>
+                  <a:schemeClr val="tx1"/>
+                </a:solidFill>
+              </a:ln>
+            </p:spPr>
+            <p:style>
+              <a:lnRef idx="2">
+                <a:schemeClr val="accent1">
+                  <a:shade val="50000"/>
+                </a:schemeClr>
+              </a:lnRef>
+              <a:fillRef idx="1">
+                <a:schemeClr val="accent1"/>
+              </a:fillRef>
+              <a:effectRef idx="0">
+                <a:schemeClr val="accent1"/>
+              </a:effectRef>
+              <a:fontRef idx="minor">
+                <a:schemeClr val="lt1"/>
+              </a:fontRef>
+            </p:style>
+            <p:txBody>
+              <a:bodyPr rtlCol="0" anchor="ctr"/>
+              <a:lstStyle/>
+              <a:p>
+                <a:pPr algn="ctr"/>
+                <a:endParaRPr lang="es-ES" dirty="0"/>
+              </a:p>
+            </p:txBody>
+          </p:sp>
+          <p:sp>
+            <p:nvSpPr>
+              <p:cNvPr id="35" name="Triángulo isósceles 34">
+                <a:extLst>
+                  <a:ext uri="{FF2B5EF4-FFF2-40B4-BE49-F238E27FC236}">
+                    <a16:creationId xmlns:a16="http://schemas.microsoft.com/office/drawing/2014/main" id="{A2B09A6E-F65E-4117-94CD-A5D296E18AC5}"/>
+                  </a:ext>
+                </a:extLst>
+              </p:cNvPr>
+              <p:cNvSpPr/>
+              <p:nvPr/>
+            </p:nvSpPr>
+            <p:spPr>
+              <a:xfrm rot="3811184">
+                <a:off x="5663770" y="5533076"/>
+                <a:ext cx="438527" cy="496418"/>
+              </a:xfrm>
+              <a:prstGeom prst="triangle">
                 <a:avLst/>
-              </a:prstTxWarp>
-              <a:noAutofit/>
-            </a:bodyPr>
-            <a:lstStyle/>
-            <a:p>
-              <a:endParaRPr lang="es-ES"/>
-            </a:p>
-          </p:txBody>
-        </p:sp>
-      </p:grpSp>
-      <p:grpSp>
-        <p:nvGrpSpPr>
-          <p:cNvPr id="33" name="Grupo 32">
-            <a:extLst>
-              <a:ext uri="{FF2B5EF4-FFF2-40B4-BE49-F238E27FC236}">
-                <a16:creationId xmlns:a16="http://schemas.microsoft.com/office/drawing/2014/main" id="{7171AB0B-92A1-421F-960B-ADFAAC40A3BC}"/>
-              </a:ext>
-            </a:extLst>
-          </p:cNvPr>
-          <p:cNvGrpSpPr/>
-          <p:nvPr/>
-        </p:nvGrpSpPr>
-        <p:grpSpPr>
-          <a:xfrm>
-            <a:off x="0" y="1570812"/>
-            <a:ext cx="929608" cy="4068779"/>
-            <a:chOff x="0" y="0"/>
-            <a:chExt cx="242524" cy="1061471"/>
-          </a:xfrm>
-        </p:grpSpPr>
-        <p:sp>
-          <p:nvSpPr>
-            <p:cNvPr id="52" name="Elipse 51">
+              </a:prstGeom>
+              <a:solidFill>
+                <a:srgbClr val="7EB147"/>
+              </a:solidFill>
+              <a:ln>
+                <a:solidFill>
+                  <a:schemeClr val="tx1"/>
+                </a:solidFill>
+              </a:ln>
+            </p:spPr>
+            <p:style>
+              <a:lnRef idx="2">
+                <a:schemeClr val="accent1">
+                  <a:shade val="50000"/>
+                </a:schemeClr>
+              </a:lnRef>
+              <a:fillRef idx="1">
+                <a:schemeClr val="accent1"/>
+              </a:fillRef>
+              <a:effectRef idx="0">
+                <a:schemeClr val="accent1"/>
+              </a:effectRef>
+              <a:fontRef idx="minor">
+                <a:schemeClr val="lt1"/>
+              </a:fontRef>
+            </p:style>
+            <p:txBody>
+              <a:bodyPr rtlCol="0" anchor="ctr"/>
+              <a:lstStyle/>
+              <a:p>
+                <a:pPr algn="ctr"/>
+                <a:endParaRPr lang="es-ES"/>
+              </a:p>
+            </p:txBody>
+          </p:sp>
+          <p:sp>
+            <p:nvSpPr>
+              <p:cNvPr id="54" name="Diagrama de flujo: proceso 53">
+                <a:extLst>
+                  <a:ext uri="{FF2B5EF4-FFF2-40B4-BE49-F238E27FC236}">
+                    <a16:creationId xmlns:a16="http://schemas.microsoft.com/office/drawing/2014/main" id="{5352A729-4F21-48DB-BE7D-B1F16688342E}"/>
+                  </a:ext>
+                </a:extLst>
+              </p:cNvPr>
+              <p:cNvSpPr/>
+              <p:nvPr/>
+            </p:nvSpPr>
+            <p:spPr>
+              <a:xfrm>
+                <a:off x="6977562" y="5496795"/>
+                <a:ext cx="74341" cy="812200"/>
+              </a:xfrm>
+              <a:prstGeom prst="flowChartProcess">
+                <a:avLst/>
+              </a:prstGeom>
+              <a:solidFill>
+                <a:srgbClr val="BC6E2C"/>
+              </a:solidFill>
+              <a:ln>
+                <a:solidFill>
+                  <a:schemeClr val="tx1"/>
+                </a:solidFill>
+              </a:ln>
+            </p:spPr>
+            <p:style>
+              <a:lnRef idx="2">
+                <a:schemeClr val="accent1">
+                  <a:shade val="50000"/>
+                </a:schemeClr>
+              </a:lnRef>
+              <a:fillRef idx="1">
+                <a:schemeClr val="accent1"/>
+              </a:fillRef>
+              <a:effectRef idx="0">
+                <a:schemeClr val="accent1"/>
+              </a:effectRef>
+              <a:fontRef idx="minor">
+                <a:schemeClr val="lt1"/>
+              </a:fontRef>
+            </p:style>
+            <p:txBody>
+              <a:bodyPr rtlCol="0" anchor="ctr"/>
+              <a:lstStyle/>
+              <a:p>
+                <a:pPr algn="ctr"/>
+                <a:endParaRPr lang="es-ES"/>
+              </a:p>
+            </p:txBody>
+          </p:sp>
+        </p:grpSp>
+        <p:grpSp>
+          <p:nvGrpSpPr>
+            <p:cNvPr id="68" name="Grupo 67">
               <a:extLst>
                 <a:ext uri="{FF2B5EF4-FFF2-40B4-BE49-F238E27FC236}">
-                  <a16:creationId xmlns:a16="http://schemas.microsoft.com/office/drawing/2014/main" id="{0B3F0EC5-AD17-4CCF-ACB1-8C26A16335D2}"/>
+                  <a16:creationId xmlns:a16="http://schemas.microsoft.com/office/drawing/2014/main" id="{9F058231-48AD-41A2-A6BE-361D5D59D53F}"/>
                 </a:ext>
               </a:extLst>
             </p:cNvPr>
-            <p:cNvSpPr/>
+            <p:cNvGrpSpPr/>
             <p:nvPr/>
-          </p:nvSpPr>
-          <p:spPr>
+          </p:nvGrpSpPr>
+          <p:grpSpPr>
             <a:xfrm>
-              <a:off x="0" y="0"/>
-              <a:ext cx="242524" cy="242411"/>
+              <a:off x="9919357" y="985008"/>
+              <a:ext cx="1210826" cy="2443992"/>
+              <a:chOff x="9952311" y="787988"/>
+              <a:chExt cx="1382438" cy="2181760"/>
             </a:xfrm>
-            <a:prstGeom prst="ellipse">
-              <a:avLst/>
-            </a:prstGeom>
-            <a:solidFill>
-              <a:schemeClr val="accent6">
-                <a:lumMod val="20000"/>
-                <a:lumOff val="80000"/>
-              </a:schemeClr>
-            </a:solidFill>
-            <a:ln w="19050">
-              <a:solidFill>
-                <a:schemeClr val="tx1"/>
-              </a:solidFill>
-            </a:ln>
-          </p:spPr>
-          <p:style>
-            <a:lnRef idx="2">
-              <a:schemeClr val="accent4">
-                <a:shade val="50000"/>
-              </a:schemeClr>
-            </a:lnRef>
-            <a:fillRef idx="1">
-              <a:schemeClr val="accent4"/>
-            </a:fillRef>
-            <a:effectRef idx="0">
-              <a:schemeClr val="accent4"/>
-            </a:effectRef>
-            <a:fontRef idx="minor">
-              <a:schemeClr val="lt1"/>
-            </a:fontRef>
-          </p:style>
-          <p:txBody>
-            <a:bodyPr rot="0" spcFirstLastPara="0" vert="horz" wrap="square" lIns="91440" tIns="45720" rIns="91440" bIns="45720" numCol="1" spcCol="0" rtlCol="0" fromWordArt="0" anchor="ctr" anchorCtr="0" forceAA="0" compatLnSpc="1">
-              <a:prstTxWarp prst="textNoShape">
+          </p:grpSpPr>
+          <p:sp>
+            <p:nvSpPr>
+              <p:cNvPr id="69" name="Diagrama de flujo: proceso 68">
+                <a:extLst>
+                  <a:ext uri="{FF2B5EF4-FFF2-40B4-BE49-F238E27FC236}">
+                    <a16:creationId xmlns:a16="http://schemas.microsoft.com/office/drawing/2014/main" id="{4616F902-52D1-44CF-A2EF-AF39CB191A08}"/>
+                  </a:ext>
+                </a:extLst>
+              </p:cNvPr>
+              <p:cNvSpPr/>
+              <p:nvPr/>
+            </p:nvSpPr>
+            <p:spPr>
+              <a:xfrm>
+                <a:off x="9952313" y="787988"/>
+                <a:ext cx="1382433" cy="515923"/>
+              </a:xfrm>
+              <a:prstGeom prst="flowChartProcess">
                 <a:avLst/>
-              </a:prstTxWarp>
-              <a:noAutofit/>
-            </a:bodyPr>
-            <a:lstStyle/>
-            <a:p>
-              <a:endParaRPr lang="es-ES"/>
-            </a:p>
-          </p:txBody>
-        </p:sp>
-        <p:sp>
-          <p:nvSpPr>
-            <p:cNvPr id="53" name="Elipse 52">
+              </a:prstGeom>
+              <a:noFill/>
+              <a:ln w="19050">
+                <a:noFill/>
+              </a:ln>
+            </p:spPr>
+            <p:style>
+              <a:lnRef idx="2">
+                <a:schemeClr val="accent1">
+                  <a:shade val="50000"/>
+                </a:schemeClr>
+              </a:lnRef>
+              <a:fillRef idx="1">
+                <a:schemeClr val="accent1"/>
+              </a:fillRef>
+              <a:effectRef idx="0">
+                <a:schemeClr val="accent1"/>
+              </a:effectRef>
+              <a:fontRef idx="minor">
+                <a:schemeClr val="lt1"/>
+              </a:fontRef>
+            </p:style>
+            <p:txBody>
+              <a:bodyPr rtlCol="0" anchor="ctr"/>
+              <a:lstStyle/>
+              <a:p>
+                <a:pPr algn="ctr"/>
+                <a:r>
+                  <a:rPr lang="es-ES" sz="1600" dirty="0">
+                    <a:solidFill>
+                      <a:schemeClr val="tx1"/>
+                    </a:solidFill>
+                    <a:latin typeface="Cambria Math" panose="02040503050406030204" pitchFamily="18" charset="0"/>
+                    <a:ea typeface="Cambria Math" panose="02040503050406030204" pitchFamily="18" charset="0"/>
+                  </a:rPr>
+                  <a:t>Manzana</a:t>
+                </a:r>
+              </a:p>
+            </p:txBody>
+          </p:sp>
+          <p:sp>
+            <p:nvSpPr>
+              <p:cNvPr id="70" name="Diagrama de flujo: proceso 69">
+                <a:extLst>
+                  <a:ext uri="{FF2B5EF4-FFF2-40B4-BE49-F238E27FC236}">
+                    <a16:creationId xmlns:a16="http://schemas.microsoft.com/office/drawing/2014/main" id="{ECE59259-C8BA-43C9-9567-9D005CA99568}"/>
+                  </a:ext>
+                </a:extLst>
+              </p:cNvPr>
+              <p:cNvSpPr/>
+              <p:nvPr/>
+            </p:nvSpPr>
+            <p:spPr>
+              <a:xfrm>
+                <a:off x="9952312" y="1337513"/>
+                <a:ext cx="1382437" cy="515923"/>
+              </a:xfrm>
+              <a:prstGeom prst="flowChartProcess">
+                <a:avLst/>
+              </a:prstGeom>
+              <a:noFill/>
+              <a:ln w="19050">
+                <a:noFill/>
+              </a:ln>
+            </p:spPr>
+            <p:style>
+              <a:lnRef idx="2">
+                <a:schemeClr val="accent1">
+                  <a:shade val="50000"/>
+                </a:schemeClr>
+              </a:lnRef>
+              <a:fillRef idx="1">
+                <a:schemeClr val="accent1"/>
+              </a:fillRef>
+              <a:effectRef idx="0">
+                <a:schemeClr val="accent1"/>
+              </a:effectRef>
+              <a:fontRef idx="minor">
+                <a:schemeClr val="lt1"/>
+              </a:fontRef>
+            </p:style>
+            <p:txBody>
+              <a:bodyPr rtlCol="0" anchor="ctr"/>
+              <a:lstStyle/>
+              <a:p>
+                <a:pPr algn="ctr"/>
+                <a:r>
+                  <a:rPr lang="es-ES" sz="1600" dirty="0">
+                    <a:solidFill>
+                      <a:schemeClr val="tx1"/>
+                    </a:solidFill>
+                    <a:latin typeface="Cambria Math" panose="02040503050406030204" pitchFamily="18" charset="0"/>
+                    <a:ea typeface="Cambria Math" panose="02040503050406030204" pitchFamily="18" charset="0"/>
+                  </a:rPr>
+                  <a:t>Plátano</a:t>
+                </a:r>
+              </a:p>
+            </p:txBody>
+          </p:sp>
+          <p:sp>
+            <p:nvSpPr>
+              <p:cNvPr id="71" name="Diagrama de flujo: proceso 70">
+                <a:extLst>
+                  <a:ext uri="{FF2B5EF4-FFF2-40B4-BE49-F238E27FC236}">
+                    <a16:creationId xmlns:a16="http://schemas.microsoft.com/office/drawing/2014/main" id="{05829801-5E90-4539-B3F6-18883641F6D0}"/>
+                  </a:ext>
+                </a:extLst>
+              </p:cNvPr>
+              <p:cNvSpPr/>
+              <p:nvPr/>
+            </p:nvSpPr>
+            <p:spPr>
+              <a:xfrm>
+                <a:off x="9952311" y="1892638"/>
+                <a:ext cx="1382437" cy="515923"/>
+              </a:xfrm>
+              <a:prstGeom prst="flowChartProcess">
+                <a:avLst/>
+              </a:prstGeom>
+              <a:noFill/>
+              <a:ln w="19050">
+                <a:noFill/>
+              </a:ln>
+            </p:spPr>
+            <p:style>
+              <a:lnRef idx="2">
+                <a:schemeClr val="accent1">
+                  <a:shade val="50000"/>
+                </a:schemeClr>
+              </a:lnRef>
+              <a:fillRef idx="1">
+                <a:schemeClr val="accent1"/>
+              </a:fillRef>
+              <a:effectRef idx="0">
+                <a:schemeClr val="accent1"/>
+              </a:effectRef>
+              <a:fontRef idx="minor">
+                <a:schemeClr val="lt1"/>
+              </a:fontRef>
+            </p:style>
+            <p:txBody>
+              <a:bodyPr rtlCol="0" anchor="ctr"/>
+              <a:lstStyle/>
+              <a:p>
+                <a:pPr algn="ctr"/>
+                <a:r>
+                  <a:rPr lang="es-ES" sz="1600" dirty="0">
+                    <a:solidFill>
+                      <a:schemeClr val="tx1"/>
+                    </a:solidFill>
+                    <a:latin typeface="Cambria Math" panose="02040503050406030204" pitchFamily="18" charset="0"/>
+                    <a:ea typeface="Cambria Math" panose="02040503050406030204" pitchFamily="18" charset="0"/>
+                  </a:rPr>
+                  <a:t>Fresa</a:t>
+                </a:r>
+              </a:p>
+            </p:txBody>
+          </p:sp>
+          <p:sp>
+            <p:nvSpPr>
+              <p:cNvPr id="72" name="Diagrama de flujo: proceso 71">
+                <a:extLst>
+                  <a:ext uri="{FF2B5EF4-FFF2-40B4-BE49-F238E27FC236}">
+                    <a16:creationId xmlns:a16="http://schemas.microsoft.com/office/drawing/2014/main" id="{0ADA54D9-F07E-48C1-87E9-1F5AEC0A2BF2}"/>
+                  </a:ext>
+                </a:extLst>
+              </p:cNvPr>
+              <p:cNvSpPr/>
+              <p:nvPr/>
+            </p:nvSpPr>
+            <p:spPr>
+              <a:xfrm>
+                <a:off x="9952311" y="2453825"/>
+                <a:ext cx="1382437" cy="515923"/>
+              </a:xfrm>
+              <a:prstGeom prst="flowChartProcess">
+                <a:avLst/>
+              </a:prstGeom>
+              <a:noFill/>
+              <a:ln w="19050">
+                <a:noFill/>
+              </a:ln>
+            </p:spPr>
+            <p:style>
+              <a:lnRef idx="2">
+                <a:schemeClr val="accent1">
+                  <a:shade val="50000"/>
+                </a:schemeClr>
+              </a:lnRef>
+              <a:fillRef idx="1">
+                <a:schemeClr val="accent1"/>
+              </a:fillRef>
+              <a:effectRef idx="0">
+                <a:schemeClr val="accent1"/>
+              </a:effectRef>
+              <a:fontRef idx="minor">
+                <a:schemeClr val="lt1"/>
+              </a:fontRef>
+            </p:style>
+            <p:txBody>
+              <a:bodyPr rtlCol="0" anchor="ctr"/>
+              <a:lstStyle/>
+              <a:p>
+                <a:pPr algn="ctr"/>
+                <a:r>
+                  <a:rPr lang="es-ES" sz="1600" dirty="0">
+                    <a:solidFill>
+                      <a:schemeClr val="tx1"/>
+                    </a:solidFill>
+                    <a:latin typeface="Cambria Math" panose="02040503050406030204" pitchFamily="18" charset="0"/>
+                    <a:ea typeface="Cambria Math" panose="02040503050406030204" pitchFamily="18" charset="0"/>
+                  </a:rPr>
+                  <a:t>Aguacate</a:t>
+                </a:r>
+              </a:p>
+            </p:txBody>
+          </p:sp>
+        </p:grpSp>
+        <p:cxnSp>
+          <p:nvCxnSpPr>
+            <p:cNvPr id="62" name="Conector: angular 61">
               <a:extLst>
                 <a:ext uri="{FF2B5EF4-FFF2-40B4-BE49-F238E27FC236}">
-                  <a16:creationId xmlns:a16="http://schemas.microsoft.com/office/drawing/2014/main" id="{EAC0F073-8E50-4BF3-B04F-1710E0FB5E28}"/>
-                </a:ext>
-              </a:extLst>
-            </p:cNvPr>
-            <p:cNvSpPr/>
-            <p:nvPr/>
-          </p:nvSpPr>
-          <p:spPr>
-            <a:xfrm>
-              <a:off x="0" y="407363"/>
-              <a:ext cx="242524" cy="242411"/>
-            </a:xfrm>
-            <a:prstGeom prst="ellipse">
-              <a:avLst/>
-            </a:prstGeom>
-            <a:solidFill>
-              <a:schemeClr val="accent6">
-                <a:lumMod val="20000"/>
-                <a:lumOff val="80000"/>
-              </a:schemeClr>
-            </a:solidFill>
-            <a:ln w="19050">
-              <a:solidFill>
-                <a:schemeClr val="tx1"/>
-              </a:solidFill>
-            </a:ln>
-          </p:spPr>
-          <p:style>
-            <a:lnRef idx="2">
-              <a:schemeClr val="accent4">
-                <a:shade val="50000"/>
-              </a:schemeClr>
-            </a:lnRef>
-            <a:fillRef idx="1">
-              <a:schemeClr val="accent4"/>
-            </a:fillRef>
-            <a:effectRef idx="0">
-              <a:schemeClr val="accent4"/>
-            </a:effectRef>
-            <a:fontRef idx="minor">
-              <a:schemeClr val="lt1"/>
-            </a:fontRef>
-          </p:style>
-          <p:txBody>
-            <a:bodyPr rot="0" spcFirstLastPara="0" vert="horz" wrap="square" lIns="91440" tIns="45720" rIns="91440" bIns="45720" numCol="1" spcCol="0" rtlCol="0" fromWordArt="0" anchor="ctr" anchorCtr="0" forceAA="0" compatLnSpc="1">
-              <a:prstTxWarp prst="textNoShape">
-                <a:avLst/>
-              </a:prstTxWarp>
-              <a:noAutofit/>
-            </a:bodyPr>
-            <a:lstStyle/>
-            <a:p>
-              <a:endParaRPr lang="es-ES"/>
-            </a:p>
-          </p:txBody>
-        </p:sp>
-        <p:sp>
-          <p:nvSpPr>
-            <p:cNvPr id="54" name="Elipse 53">
-              <a:extLst>
-                <a:ext uri="{FF2B5EF4-FFF2-40B4-BE49-F238E27FC236}">
-                  <a16:creationId xmlns:a16="http://schemas.microsoft.com/office/drawing/2014/main" id="{DBD01A4F-95E8-4D67-81FB-E2B0A0A921BB}"/>
-                </a:ext>
-              </a:extLst>
-            </p:cNvPr>
-            <p:cNvSpPr/>
-            <p:nvPr/>
-          </p:nvSpPr>
-          <p:spPr>
-            <a:xfrm>
-              <a:off x="0" y="819060"/>
-              <a:ext cx="242524" cy="242411"/>
-            </a:xfrm>
-            <a:prstGeom prst="ellipse">
-              <a:avLst/>
-            </a:prstGeom>
-            <a:solidFill>
-              <a:schemeClr val="accent6">
-                <a:lumMod val="20000"/>
-                <a:lumOff val="80000"/>
-              </a:schemeClr>
-            </a:solidFill>
-            <a:ln w="19050">
-              <a:solidFill>
-                <a:schemeClr val="tx1"/>
-              </a:solidFill>
-            </a:ln>
-          </p:spPr>
-          <p:style>
-            <a:lnRef idx="2">
-              <a:schemeClr val="accent4">
-                <a:shade val="50000"/>
-              </a:schemeClr>
-            </a:lnRef>
-            <a:fillRef idx="1">
-              <a:schemeClr val="accent4"/>
-            </a:fillRef>
-            <a:effectRef idx="0">
-              <a:schemeClr val="accent4"/>
-            </a:effectRef>
-            <a:fontRef idx="minor">
-              <a:schemeClr val="lt1"/>
-            </a:fontRef>
-          </p:style>
-          <p:txBody>
-            <a:bodyPr rot="0" spcFirstLastPara="0" vert="horz" wrap="square" lIns="91440" tIns="45720" rIns="91440" bIns="45720" numCol="1" spcCol="0" rtlCol="0" fromWordArt="0" anchor="ctr" anchorCtr="0" forceAA="0" compatLnSpc="1">
-              <a:prstTxWarp prst="textNoShape">
-                <a:avLst/>
-              </a:prstTxWarp>
-              <a:noAutofit/>
-            </a:bodyPr>
-            <a:lstStyle/>
-            <a:p>
-              <a:endParaRPr lang="es-ES"/>
-            </a:p>
-          </p:txBody>
-        </p:sp>
-      </p:grpSp>
-      <p:grpSp>
-        <p:nvGrpSpPr>
-          <p:cNvPr id="34" name="Grupo 33">
-            <a:extLst>
-              <a:ext uri="{FF2B5EF4-FFF2-40B4-BE49-F238E27FC236}">
-                <a16:creationId xmlns:a16="http://schemas.microsoft.com/office/drawing/2014/main" id="{EA586A88-FC69-467E-A340-4DB0296A3056}"/>
-              </a:ext>
-            </a:extLst>
-          </p:cNvPr>
-          <p:cNvGrpSpPr/>
-          <p:nvPr/>
-        </p:nvGrpSpPr>
-        <p:grpSpPr>
-          <a:xfrm>
-            <a:off x="2320284" y="831602"/>
-            <a:ext cx="929608" cy="5547201"/>
-            <a:chOff x="0" y="0"/>
-            <a:chExt cx="242524" cy="1447165"/>
-          </a:xfrm>
-        </p:grpSpPr>
-        <p:sp>
-          <p:nvSpPr>
-            <p:cNvPr id="48" name="Elipse 47">
-              <a:extLst>
-                <a:ext uri="{FF2B5EF4-FFF2-40B4-BE49-F238E27FC236}">
-                  <a16:creationId xmlns:a16="http://schemas.microsoft.com/office/drawing/2014/main" id="{5FB2AADA-1EF4-471F-AF37-B1DAB335BAF2}"/>
-                </a:ext>
-              </a:extLst>
-            </p:cNvPr>
-            <p:cNvSpPr/>
-            <p:nvPr/>
-          </p:nvSpPr>
-          <p:spPr>
-            <a:xfrm>
-              <a:off x="0" y="0"/>
-              <a:ext cx="242524" cy="242411"/>
-            </a:xfrm>
-            <a:prstGeom prst="ellipse">
-              <a:avLst/>
-            </a:prstGeom>
-            <a:solidFill>
-              <a:schemeClr val="accent5">
-                <a:lumMod val="20000"/>
-                <a:lumOff val="80000"/>
-              </a:schemeClr>
-            </a:solidFill>
-            <a:ln w="19050">
-              <a:solidFill>
-                <a:schemeClr val="tx1"/>
-              </a:solidFill>
-            </a:ln>
-          </p:spPr>
-          <p:style>
-            <a:lnRef idx="2">
-              <a:schemeClr val="accent6">
-                <a:shade val="50000"/>
-              </a:schemeClr>
-            </a:lnRef>
-            <a:fillRef idx="1">
-              <a:schemeClr val="accent6"/>
-            </a:fillRef>
-            <a:effectRef idx="0">
-              <a:schemeClr val="accent6"/>
-            </a:effectRef>
-            <a:fontRef idx="minor">
-              <a:schemeClr val="lt1"/>
-            </a:fontRef>
-          </p:style>
-          <p:txBody>
-            <a:bodyPr rot="0" spcFirstLastPara="0" vert="horz" wrap="square" lIns="91440" tIns="45720" rIns="91440" bIns="45720" numCol="1" spcCol="0" rtlCol="0" fromWordArt="0" anchor="ctr" anchorCtr="0" forceAA="0" compatLnSpc="1">
-              <a:prstTxWarp prst="textNoShape">
-                <a:avLst/>
-              </a:prstTxWarp>
-              <a:noAutofit/>
-            </a:bodyPr>
-            <a:lstStyle/>
-            <a:p>
-              <a:endParaRPr lang="es-ES"/>
-            </a:p>
-          </p:txBody>
-        </p:sp>
-        <p:sp>
-          <p:nvSpPr>
-            <p:cNvPr id="49" name="Elipse 48">
-              <a:extLst>
-                <a:ext uri="{FF2B5EF4-FFF2-40B4-BE49-F238E27FC236}">
-                  <a16:creationId xmlns:a16="http://schemas.microsoft.com/office/drawing/2014/main" id="{D97C00DD-3B6C-4044-B41A-0111F8BF69F2}"/>
-                </a:ext>
-              </a:extLst>
-            </p:cNvPr>
-            <p:cNvSpPr/>
-            <p:nvPr/>
-          </p:nvSpPr>
-          <p:spPr>
-            <a:xfrm>
-              <a:off x="0" y="407363"/>
-              <a:ext cx="242524" cy="242411"/>
-            </a:xfrm>
-            <a:prstGeom prst="ellipse">
-              <a:avLst/>
-            </a:prstGeom>
-            <a:solidFill>
-              <a:schemeClr val="accent5">
-                <a:lumMod val="20000"/>
-                <a:lumOff val="80000"/>
-              </a:schemeClr>
-            </a:solidFill>
-            <a:ln w="19050">
-              <a:solidFill>
-                <a:schemeClr val="tx1"/>
-              </a:solidFill>
-            </a:ln>
-          </p:spPr>
-          <p:style>
-            <a:lnRef idx="2">
-              <a:schemeClr val="accent6">
-                <a:shade val="50000"/>
-              </a:schemeClr>
-            </a:lnRef>
-            <a:fillRef idx="1">
-              <a:schemeClr val="accent6"/>
-            </a:fillRef>
-            <a:effectRef idx="0">
-              <a:schemeClr val="accent6"/>
-            </a:effectRef>
-            <a:fontRef idx="minor">
-              <a:schemeClr val="lt1"/>
-            </a:fontRef>
-          </p:style>
-          <p:txBody>
-            <a:bodyPr rot="0" spcFirstLastPara="0" vert="horz" wrap="square" lIns="91440" tIns="45720" rIns="91440" bIns="45720" numCol="1" spcCol="0" rtlCol="0" fromWordArt="0" anchor="ctr" anchorCtr="0" forceAA="0" compatLnSpc="1">
-              <a:prstTxWarp prst="textNoShape">
-                <a:avLst/>
-              </a:prstTxWarp>
-              <a:noAutofit/>
-            </a:bodyPr>
-            <a:lstStyle/>
-            <a:p>
-              <a:endParaRPr lang="es-ES"/>
-            </a:p>
-          </p:txBody>
-        </p:sp>
-        <p:sp>
-          <p:nvSpPr>
-            <p:cNvPr id="50" name="Elipse 49">
-              <a:extLst>
-                <a:ext uri="{FF2B5EF4-FFF2-40B4-BE49-F238E27FC236}">
-                  <a16:creationId xmlns:a16="http://schemas.microsoft.com/office/drawing/2014/main" id="{8D3FF2C6-89E7-49EA-8D9D-9A4E25C07C6F}"/>
-                </a:ext>
-              </a:extLst>
-            </p:cNvPr>
-            <p:cNvSpPr/>
-            <p:nvPr/>
-          </p:nvSpPr>
-          <p:spPr>
-            <a:xfrm>
-              <a:off x="0" y="801725"/>
-              <a:ext cx="242524" cy="242411"/>
-            </a:xfrm>
-            <a:prstGeom prst="ellipse">
-              <a:avLst/>
-            </a:prstGeom>
-            <a:solidFill>
-              <a:schemeClr val="accent5">
-                <a:lumMod val="20000"/>
-                <a:lumOff val="80000"/>
-              </a:schemeClr>
-            </a:solidFill>
-            <a:ln w="19050">
-              <a:solidFill>
-                <a:schemeClr val="tx1"/>
-              </a:solidFill>
-            </a:ln>
-          </p:spPr>
-          <p:style>
-            <a:lnRef idx="2">
-              <a:schemeClr val="accent6">
-                <a:shade val="50000"/>
-              </a:schemeClr>
-            </a:lnRef>
-            <a:fillRef idx="1">
-              <a:schemeClr val="accent6"/>
-            </a:fillRef>
-            <a:effectRef idx="0">
-              <a:schemeClr val="accent6"/>
-            </a:effectRef>
-            <a:fontRef idx="minor">
-              <a:schemeClr val="lt1"/>
-            </a:fontRef>
-          </p:style>
-          <p:txBody>
-            <a:bodyPr rot="0" spcFirstLastPara="0" vert="horz" wrap="square" lIns="91440" tIns="45720" rIns="91440" bIns="45720" numCol="1" spcCol="0" rtlCol="0" fromWordArt="0" anchor="ctr" anchorCtr="0" forceAA="0" compatLnSpc="1">
-              <a:prstTxWarp prst="textNoShape">
-                <a:avLst/>
-              </a:prstTxWarp>
-              <a:noAutofit/>
-            </a:bodyPr>
-            <a:lstStyle/>
-            <a:p>
-              <a:endParaRPr lang="es-ES"/>
-            </a:p>
-          </p:txBody>
-        </p:sp>
-        <p:sp>
-          <p:nvSpPr>
-            <p:cNvPr id="51" name="Elipse 50">
-              <a:extLst>
-                <a:ext uri="{FF2B5EF4-FFF2-40B4-BE49-F238E27FC236}">
-                  <a16:creationId xmlns:a16="http://schemas.microsoft.com/office/drawing/2014/main" id="{428AC71C-5BBA-48E3-8B56-58993D264ADA}"/>
-                </a:ext>
-              </a:extLst>
-            </p:cNvPr>
-            <p:cNvSpPr/>
-            <p:nvPr/>
-          </p:nvSpPr>
-          <p:spPr>
-            <a:xfrm>
-              <a:off x="0" y="1204754"/>
-              <a:ext cx="242524" cy="242411"/>
-            </a:xfrm>
-            <a:prstGeom prst="ellipse">
-              <a:avLst/>
-            </a:prstGeom>
-            <a:solidFill>
-              <a:schemeClr val="accent5">
-                <a:lumMod val="20000"/>
-                <a:lumOff val="80000"/>
-              </a:schemeClr>
-            </a:solidFill>
-            <a:ln w="19050">
-              <a:solidFill>
-                <a:schemeClr val="tx1"/>
-              </a:solidFill>
-            </a:ln>
-          </p:spPr>
-          <p:style>
-            <a:lnRef idx="2">
-              <a:schemeClr val="accent6">
-                <a:shade val="50000"/>
-              </a:schemeClr>
-            </a:lnRef>
-            <a:fillRef idx="1">
-              <a:schemeClr val="accent6"/>
-            </a:fillRef>
-            <a:effectRef idx="0">
-              <a:schemeClr val="accent6"/>
-            </a:effectRef>
-            <a:fontRef idx="minor">
-              <a:schemeClr val="lt1"/>
-            </a:fontRef>
-          </p:style>
-          <p:txBody>
-            <a:bodyPr rot="0" spcFirstLastPara="0" vert="horz" wrap="square" lIns="91440" tIns="45720" rIns="91440" bIns="45720" numCol="1" spcCol="0" rtlCol="0" fromWordArt="0" anchor="ctr" anchorCtr="0" forceAA="0" compatLnSpc="1">
-              <a:prstTxWarp prst="textNoShape">
-                <a:avLst/>
-              </a:prstTxWarp>
-              <a:noAutofit/>
-            </a:bodyPr>
-            <a:lstStyle/>
-            <a:p>
-              <a:endParaRPr lang="es-ES"/>
-            </a:p>
-          </p:txBody>
-        </p:sp>
-      </p:grpSp>
-      <p:grpSp>
-        <p:nvGrpSpPr>
-          <p:cNvPr id="35" name="Grupo 34">
-            <a:extLst>
-              <a:ext uri="{FF2B5EF4-FFF2-40B4-BE49-F238E27FC236}">
-                <a16:creationId xmlns:a16="http://schemas.microsoft.com/office/drawing/2014/main" id="{21BBFA6B-3638-4995-A36E-36FE6E969E48}"/>
-              </a:ext>
-            </a:extLst>
-          </p:cNvPr>
-          <p:cNvGrpSpPr/>
-          <p:nvPr/>
-        </p:nvGrpSpPr>
-        <p:grpSpPr>
-          <a:xfrm>
-            <a:off x="929608" y="1296201"/>
-            <a:ext cx="1390675" cy="4618003"/>
-            <a:chOff x="-49793" y="33449"/>
-            <a:chExt cx="345861" cy="1148470"/>
-          </a:xfrm>
-        </p:grpSpPr>
-        <p:cxnSp>
-          <p:nvCxnSpPr>
-            <p:cNvPr id="36" name="Conector recto de flecha 35">
-              <a:extLst>
-                <a:ext uri="{FF2B5EF4-FFF2-40B4-BE49-F238E27FC236}">
-                  <a16:creationId xmlns:a16="http://schemas.microsoft.com/office/drawing/2014/main" id="{22A1D551-A80E-4E15-86FD-FFDD08175C05}"/>
+                  <a16:creationId xmlns:a16="http://schemas.microsoft.com/office/drawing/2014/main" id="{2C2EFA57-F2FC-4E67-9321-CD2FF533715B}"/>
                 </a:ext>
               </a:extLst>
             </p:cNvPr>
             <p:cNvCxnSpPr>
               <a:cxnSpLocks/>
-              <a:stCxn id="52" idx="6"/>
-              <a:endCxn id="48" idx="2"/>
+              <a:stCxn id="42" idx="3"/>
+              <a:endCxn id="69" idx="1"/>
             </p:cNvCxnSpPr>
             <p:nvPr/>
           </p:nvCxnSpPr>
           <p:spPr>
             <a:xfrm flipV="1">
-              <a:off x="-49793" y="33449"/>
-              <a:ext cx="345861" cy="183837"/>
+              <a:off x="8763990" y="1273975"/>
+              <a:ext cx="1155369" cy="1040810"/>
             </a:xfrm>
-            <a:prstGeom prst="straightConnector1">
-              <a:avLst/>
+            <a:prstGeom prst="bentConnector3">
+              <a:avLst>
+                <a:gd name="adj1" fmla="val 50000"/>
+              </a:avLst>
             </a:prstGeom>
-            <a:ln w="19050">
+            <a:ln w="76200">
               <a:solidFill>
                 <a:schemeClr val="tx1"/>
               </a:solidFill>
-              <a:tailEnd type="triangle" w="med" len="sm"/>
+              <a:tailEnd type="triangle" w="sm" len="sm"/>
             </a:ln>
           </p:spPr>
           <p:style>
@@ -4189,33 +5406,35 @@
         </p:cxnSp>
         <p:cxnSp>
           <p:nvCxnSpPr>
-            <p:cNvPr id="37" name="Conector recto de flecha 36">
+            <p:cNvPr id="76" name="Conector: angular 75">
               <a:extLst>
                 <a:ext uri="{FF2B5EF4-FFF2-40B4-BE49-F238E27FC236}">
-                  <a16:creationId xmlns:a16="http://schemas.microsoft.com/office/drawing/2014/main" id="{0B7E9691-19BB-45FC-B806-47C11981657C}"/>
+                  <a16:creationId xmlns:a16="http://schemas.microsoft.com/office/drawing/2014/main" id="{AF703CB8-3580-425D-9F61-4F47FA575FBE}"/>
                 </a:ext>
               </a:extLst>
             </p:cNvPr>
             <p:cNvCxnSpPr>
               <a:cxnSpLocks/>
-              <a:stCxn id="53" idx="6"/>
-              <a:endCxn id="49" idx="2"/>
+              <a:stCxn id="39" idx="3"/>
+              <a:endCxn id="70" idx="1"/>
             </p:cNvCxnSpPr>
             <p:nvPr/>
           </p:nvCxnSpPr>
           <p:spPr>
             <a:xfrm flipV="1">
-              <a:off x="-49793" y="421781"/>
-              <a:ext cx="345861" cy="183837"/>
+              <a:off x="8763991" y="1889549"/>
+              <a:ext cx="1155367" cy="425236"/>
             </a:xfrm>
-            <a:prstGeom prst="straightConnector1">
-              <a:avLst/>
+            <a:prstGeom prst="bentConnector3">
+              <a:avLst>
+                <a:gd name="adj1" fmla="val 50000"/>
+              </a:avLst>
             </a:prstGeom>
-            <a:ln w="19050">
+            <a:ln w="76200">
               <a:solidFill>
                 <a:schemeClr val="tx1"/>
               </a:solidFill>
-              <a:tailEnd type="triangle" w="med" len="sm"/>
+              <a:tailEnd type="triangle" w="sm" len="sm"/>
             </a:ln>
           </p:spPr>
           <p:style>
@@ -4235,33 +5454,35 @@
         </p:cxnSp>
         <p:cxnSp>
           <p:nvCxnSpPr>
-            <p:cNvPr id="38" name="Conector recto de flecha 37">
+            <p:cNvPr id="80" name="Conector: angular 79">
               <a:extLst>
                 <a:ext uri="{FF2B5EF4-FFF2-40B4-BE49-F238E27FC236}">
-                  <a16:creationId xmlns:a16="http://schemas.microsoft.com/office/drawing/2014/main" id="{333538E2-B0E2-48E3-ABEC-62C892598C44}"/>
+                  <a16:creationId xmlns:a16="http://schemas.microsoft.com/office/drawing/2014/main" id="{2211E677-1AB0-472A-98C5-4432DD610751}"/>
                 </a:ext>
               </a:extLst>
             </p:cNvPr>
             <p:cNvCxnSpPr>
               <a:cxnSpLocks/>
-              <a:stCxn id="54" idx="6"/>
-              <a:endCxn id="50" idx="2"/>
+              <a:stCxn id="39" idx="3"/>
+              <a:endCxn id="72" idx="1"/>
             </p:cNvCxnSpPr>
             <p:nvPr/>
           </p:nvCxnSpPr>
           <p:spPr>
-            <a:xfrm flipV="1">
-              <a:off x="-49793" y="797719"/>
-              <a:ext cx="345861" cy="200363"/>
+            <a:xfrm>
+              <a:off x="8763991" y="2314785"/>
+              <a:ext cx="1155366" cy="825249"/>
             </a:xfrm>
-            <a:prstGeom prst="straightConnector1">
-              <a:avLst/>
+            <a:prstGeom prst="bentConnector3">
+              <a:avLst>
+                <a:gd name="adj1" fmla="val 50000"/>
+              </a:avLst>
             </a:prstGeom>
-            <a:ln w="19050">
+            <a:ln w="76200">
               <a:solidFill>
                 <a:schemeClr val="tx1"/>
               </a:solidFill>
-              <a:tailEnd type="triangle" w="med" len="sm"/>
+              <a:tailEnd type="triangle" w="sm" len="sm"/>
             </a:ln>
           </p:spPr>
           <p:style>
@@ -4281,33 +5502,337 @@
         </p:cxnSp>
         <p:cxnSp>
           <p:nvCxnSpPr>
-            <p:cNvPr id="39" name="Conector recto de flecha 38">
+            <p:cNvPr id="86" name="Conector: angular 85">
               <a:extLst>
                 <a:ext uri="{FF2B5EF4-FFF2-40B4-BE49-F238E27FC236}">
-                  <a16:creationId xmlns:a16="http://schemas.microsoft.com/office/drawing/2014/main" id="{464D5179-A925-4892-98F9-8F75A9BB13D4}"/>
+                  <a16:creationId xmlns:a16="http://schemas.microsoft.com/office/drawing/2014/main" id="{E605821D-9CFD-4791-ACF5-89533486E175}"/>
                 </a:ext>
               </a:extLst>
             </p:cNvPr>
             <p:cNvCxnSpPr>
-              <a:cxnSpLocks/>
-              <a:stCxn id="52" idx="6"/>
-              <a:endCxn id="49" idx="2"/>
+              <a:stCxn id="42" idx="3"/>
+              <a:endCxn id="71" idx="1"/>
             </p:cNvCxnSpPr>
             <p:nvPr/>
           </p:nvCxnSpPr>
           <p:spPr>
             <a:xfrm>
-              <a:off x="-49793" y="217286"/>
-              <a:ext cx="345861" cy="204495"/>
+              <a:off x="8763990" y="2314785"/>
+              <a:ext cx="1155367" cy="196611"/>
             </a:xfrm>
-            <a:prstGeom prst="straightConnector1">
-              <a:avLst/>
+            <a:prstGeom prst="bentConnector3">
+              <a:avLst>
+                <a:gd name="adj1" fmla="val 50000"/>
+              </a:avLst>
             </a:prstGeom>
-            <a:ln w="19050">
+            <a:ln w="76200">
               <a:solidFill>
                 <a:schemeClr val="tx1"/>
               </a:solidFill>
-              <a:tailEnd type="triangle" w="med" len="sm"/>
+              <a:tailEnd type="triangle" w="sm" len="sm"/>
+            </a:ln>
+          </p:spPr>
+          <p:style>
+            <a:lnRef idx="1">
+              <a:schemeClr val="accent1"/>
+            </a:lnRef>
+            <a:fillRef idx="0">
+              <a:schemeClr val="accent1"/>
+            </a:fillRef>
+            <a:effectRef idx="0">
+              <a:schemeClr val="accent1"/>
+            </a:effectRef>
+            <a:fontRef idx="minor">
+              <a:schemeClr val="tx1"/>
+            </a:fontRef>
+          </p:style>
+        </p:cxnSp>
+        <p:grpSp>
+          <p:nvGrpSpPr>
+            <p:cNvPr id="99" name="Grupo 98">
+              <a:extLst>
+                <a:ext uri="{FF2B5EF4-FFF2-40B4-BE49-F238E27FC236}">
+                  <a16:creationId xmlns:a16="http://schemas.microsoft.com/office/drawing/2014/main" id="{14571B6C-B9DA-438F-82E7-0BC3DB814B62}"/>
+                </a:ext>
+              </a:extLst>
+            </p:cNvPr>
+            <p:cNvGrpSpPr/>
+            <p:nvPr/>
+          </p:nvGrpSpPr>
+          <p:grpSpPr>
+            <a:xfrm>
+              <a:off x="9919356" y="4290958"/>
+              <a:ext cx="1210826" cy="2443992"/>
+              <a:chOff x="9952311" y="787988"/>
+              <a:chExt cx="1382439" cy="2181760"/>
+            </a:xfrm>
+          </p:grpSpPr>
+          <p:sp>
+            <p:nvSpPr>
+              <p:cNvPr id="100" name="Diagrama de flujo: proceso 99">
+                <a:extLst>
+                  <a:ext uri="{FF2B5EF4-FFF2-40B4-BE49-F238E27FC236}">
+                    <a16:creationId xmlns:a16="http://schemas.microsoft.com/office/drawing/2014/main" id="{335868DD-E33D-4F93-B955-291A572B63E3}"/>
+                  </a:ext>
+                </a:extLst>
+              </p:cNvPr>
+              <p:cNvSpPr/>
+              <p:nvPr/>
+            </p:nvSpPr>
+            <p:spPr>
+              <a:xfrm>
+                <a:off x="9952313" y="787988"/>
+                <a:ext cx="1382437" cy="515923"/>
+              </a:xfrm>
+              <a:prstGeom prst="flowChartProcess">
+                <a:avLst/>
+              </a:prstGeom>
+              <a:noFill/>
+              <a:ln w="19050">
+                <a:noFill/>
+              </a:ln>
+            </p:spPr>
+            <p:style>
+              <a:lnRef idx="2">
+                <a:schemeClr val="accent1">
+                  <a:shade val="50000"/>
+                </a:schemeClr>
+              </a:lnRef>
+              <a:fillRef idx="1">
+                <a:schemeClr val="accent1"/>
+              </a:fillRef>
+              <a:effectRef idx="0">
+                <a:schemeClr val="accent1"/>
+              </a:effectRef>
+              <a:fontRef idx="minor">
+                <a:schemeClr val="lt1"/>
+              </a:fontRef>
+            </p:style>
+            <p:txBody>
+              <a:bodyPr rtlCol="0" anchor="ctr"/>
+              <a:lstStyle/>
+              <a:p>
+                <a:pPr algn="ctr"/>
+                <a:r>
+                  <a:rPr lang="es-ES" sz="1600" dirty="0">
+                    <a:solidFill>
+                      <a:schemeClr val="tx1"/>
+                    </a:solidFill>
+                    <a:latin typeface="Cambria Math" panose="02040503050406030204" pitchFamily="18" charset="0"/>
+                    <a:ea typeface="Cambria Math" panose="02040503050406030204" pitchFamily="18" charset="0"/>
+                  </a:rPr>
+                  <a:t>Manzana</a:t>
+                </a:r>
+              </a:p>
+            </p:txBody>
+          </p:sp>
+          <p:sp>
+            <p:nvSpPr>
+              <p:cNvPr id="101" name="Diagrama de flujo: proceso 100">
+                <a:extLst>
+                  <a:ext uri="{FF2B5EF4-FFF2-40B4-BE49-F238E27FC236}">
+                    <a16:creationId xmlns:a16="http://schemas.microsoft.com/office/drawing/2014/main" id="{CA67C1A6-42A3-4EAD-869A-CF655D65C999}"/>
+                  </a:ext>
+                </a:extLst>
+              </p:cNvPr>
+              <p:cNvSpPr/>
+              <p:nvPr/>
+            </p:nvSpPr>
+            <p:spPr>
+              <a:xfrm>
+                <a:off x="9952312" y="1337513"/>
+                <a:ext cx="1382437" cy="515923"/>
+              </a:xfrm>
+              <a:prstGeom prst="flowChartProcess">
+                <a:avLst/>
+              </a:prstGeom>
+              <a:noFill/>
+              <a:ln w="19050">
+                <a:noFill/>
+              </a:ln>
+            </p:spPr>
+            <p:style>
+              <a:lnRef idx="2">
+                <a:schemeClr val="accent1">
+                  <a:shade val="50000"/>
+                </a:schemeClr>
+              </a:lnRef>
+              <a:fillRef idx="1">
+                <a:schemeClr val="accent1"/>
+              </a:fillRef>
+              <a:effectRef idx="0">
+                <a:schemeClr val="accent1"/>
+              </a:effectRef>
+              <a:fontRef idx="minor">
+                <a:schemeClr val="lt1"/>
+              </a:fontRef>
+            </p:style>
+            <p:txBody>
+              <a:bodyPr rtlCol="0" anchor="ctr"/>
+              <a:lstStyle/>
+              <a:p>
+                <a:pPr algn="ctr"/>
+                <a:r>
+                  <a:rPr lang="es-ES" sz="1600" dirty="0">
+                    <a:solidFill>
+                      <a:schemeClr val="tx1"/>
+                    </a:solidFill>
+                    <a:latin typeface="Cambria Math" panose="02040503050406030204" pitchFamily="18" charset="0"/>
+                    <a:ea typeface="Cambria Math" panose="02040503050406030204" pitchFamily="18" charset="0"/>
+                  </a:rPr>
+                  <a:t>Plátano</a:t>
+                </a:r>
+              </a:p>
+            </p:txBody>
+          </p:sp>
+          <p:sp>
+            <p:nvSpPr>
+              <p:cNvPr id="102" name="Diagrama de flujo: proceso 101">
+                <a:extLst>
+                  <a:ext uri="{FF2B5EF4-FFF2-40B4-BE49-F238E27FC236}">
+                    <a16:creationId xmlns:a16="http://schemas.microsoft.com/office/drawing/2014/main" id="{CF4A0D4A-B7F6-4A06-B2F5-844C07FAE98A}"/>
+                  </a:ext>
+                </a:extLst>
+              </p:cNvPr>
+              <p:cNvSpPr/>
+              <p:nvPr/>
+            </p:nvSpPr>
+            <p:spPr>
+              <a:xfrm>
+                <a:off x="9952311" y="1892638"/>
+                <a:ext cx="1382437" cy="515923"/>
+              </a:xfrm>
+              <a:prstGeom prst="flowChartProcess">
+                <a:avLst/>
+              </a:prstGeom>
+              <a:noFill/>
+              <a:ln w="19050">
+                <a:noFill/>
+              </a:ln>
+            </p:spPr>
+            <p:style>
+              <a:lnRef idx="2">
+                <a:schemeClr val="accent1">
+                  <a:shade val="50000"/>
+                </a:schemeClr>
+              </a:lnRef>
+              <a:fillRef idx="1">
+                <a:schemeClr val="accent1"/>
+              </a:fillRef>
+              <a:effectRef idx="0">
+                <a:schemeClr val="accent1"/>
+              </a:effectRef>
+              <a:fontRef idx="minor">
+                <a:schemeClr val="lt1"/>
+              </a:fontRef>
+            </p:style>
+            <p:txBody>
+              <a:bodyPr rtlCol="0" anchor="ctr"/>
+              <a:lstStyle/>
+              <a:p>
+                <a:pPr algn="ctr"/>
+                <a:r>
+                  <a:rPr lang="es-ES" sz="1600" dirty="0">
+                    <a:solidFill>
+                      <a:schemeClr val="tx1"/>
+                    </a:solidFill>
+                    <a:latin typeface="Cambria Math" panose="02040503050406030204" pitchFamily="18" charset="0"/>
+                    <a:ea typeface="Cambria Math" panose="02040503050406030204" pitchFamily="18" charset="0"/>
+                  </a:rPr>
+                  <a:t>Fresa</a:t>
+                </a:r>
+              </a:p>
+            </p:txBody>
+          </p:sp>
+          <p:sp>
+            <p:nvSpPr>
+              <p:cNvPr id="103" name="Diagrama de flujo: proceso 102">
+                <a:extLst>
+                  <a:ext uri="{FF2B5EF4-FFF2-40B4-BE49-F238E27FC236}">
+                    <a16:creationId xmlns:a16="http://schemas.microsoft.com/office/drawing/2014/main" id="{D3BD488A-D107-4BCE-B988-31D19C6BA415}"/>
+                  </a:ext>
+                </a:extLst>
+              </p:cNvPr>
+              <p:cNvSpPr/>
+              <p:nvPr/>
+            </p:nvSpPr>
+            <p:spPr>
+              <a:xfrm>
+                <a:off x="9952311" y="2453825"/>
+                <a:ext cx="1382437" cy="515923"/>
+              </a:xfrm>
+              <a:prstGeom prst="flowChartProcess">
+                <a:avLst/>
+              </a:prstGeom>
+              <a:noFill/>
+              <a:ln w="19050">
+                <a:noFill/>
+              </a:ln>
+            </p:spPr>
+            <p:style>
+              <a:lnRef idx="2">
+                <a:schemeClr val="accent1">
+                  <a:shade val="50000"/>
+                </a:schemeClr>
+              </a:lnRef>
+              <a:fillRef idx="1">
+                <a:schemeClr val="accent1"/>
+              </a:fillRef>
+              <a:effectRef idx="0">
+                <a:schemeClr val="accent1"/>
+              </a:effectRef>
+              <a:fontRef idx="minor">
+                <a:schemeClr val="lt1"/>
+              </a:fontRef>
+            </p:style>
+            <p:txBody>
+              <a:bodyPr rtlCol="0" anchor="ctr"/>
+              <a:lstStyle/>
+              <a:p>
+                <a:pPr algn="ctr"/>
+                <a:r>
+                  <a:rPr lang="es-ES" sz="1600" dirty="0">
+                    <a:solidFill>
+                      <a:schemeClr val="tx1"/>
+                    </a:solidFill>
+                    <a:latin typeface="Cambria Math" panose="02040503050406030204" pitchFamily="18" charset="0"/>
+                    <a:ea typeface="Cambria Math" panose="02040503050406030204" pitchFamily="18" charset="0"/>
+                  </a:rPr>
+                  <a:t>Aguacate</a:t>
+                </a:r>
+              </a:p>
+            </p:txBody>
+          </p:sp>
+        </p:grpSp>
+        <p:cxnSp>
+          <p:nvCxnSpPr>
+            <p:cNvPr id="104" name="Conector: angular 103">
+              <a:extLst>
+                <a:ext uri="{FF2B5EF4-FFF2-40B4-BE49-F238E27FC236}">
+                  <a16:creationId xmlns:a16="http://schemas.microsoft.com/office/drawing/2014/main" id="{022EC4B5-7E71-4FBF-9511-A4E429CC185D}"/>
+                </a:ext>
+              </a:extLst>
+            </p:cNvPr>
+            <p:cNvCxnSpPr>
+              <a:endCxn id="100" idx="1"/>
+            </p:cNvCxnSpPr>
+            <p:nvPr/>
+          </p:nvCxnSpPr>
+          <p:spPr>
+            <a:xfrm flipV="1">
+              <a:off x="8763988" y="4579925"/>
+              <a:ext cx="1155370" cy="1040810"/>
+            </a:xfrm>
+            <a:prstGeom prst="bentConnector3">
+              <a:avLst>
+                <a:gd name="adj1" fmla="val 50000"/>
+              </a:avLst>
+            </a:prstGeom>
+            <a:ln w="76200">
+              <a:solidFill>
+                <a:schemeClr val="tx1"/>
+              </a:solidFill>
+              <a:tailEnd type="triangle" w="sm" len="sm"/>
             </a:ln>
           </p:spPr>
           <p:style>
@@ -4327,33 +5852,34 @@
         </p:cxnSp>
         <p:cxnSp>
           <p:nvCxnSpPr>
-            <p:cNvPr id="40" name="Conector recto de flecha 39">
+            <p:cNvPr id="105" name="Conector: angular 104">
               <a:extLst>
                 <a:ext uri="{FF2B5EF4-FFF2-40B4-BE49-F238E27FC236}">
-                  <a16:creationId xmlns:a16="http://schemas.microsoft.com/office/drawing/2014/main" id="{9BD17508-7090-4F89-8F45-E802129D1354}"/>
+                  <a16:creationId xmlns:a16="http://schemas.microsoft.com/office/drawing/2014/main" id="{60B59FF4-FC0D-46A7-ADA6-F323154DA0E7}"/>
                 </a:ext>
               </a:extLst>
             </p:cNvPr>
             <p:cNvCxnSpPr>
               <a:cxnSpLocks/>
-              <a:stCxn id="53" idx="6"/>
-              <a:endCxn id="50" idx="2"/>
+              <a:endCxn id="101" idx="1"/>
             </p:cNvCxnSpPr>
             <p:nvPr/>
           </p:nvCxnSpPr>
           <p:spPr>
-            <a:xfrm>
-              <a:off x="-49793" y="605618"/>
-              <a:ext cx="345861" cy="192101"/>
+            <a:xfrm flipV="1">
+              <a:off x="8763989" y="5195499"/>
+              <a:ext cx="1155368" cy="425236"/>
             </a:xfrm>
-            <a:prstGeom prst="straightConnector1">
-              <a:avLst/>
+            <a:prstGeom prst="bentConnector3">
+              <a:avLst>
+                <a:gd name="adj1" fmla="val 50000"/>
+              </a:avLst>
             </a:prstGeom>
-            <a:ln w="19050">
+            <a:ln w="76200">
               <a:solidFill>
                 <a:schemeClr val="tx1"/>
               </a:solidFill>
-              <a:tailEnd type="triangle" w="med" len="sm"/>
+              <a:tailEnd type="triangle" w="sm" len="sm"/>
             </a:ln>
           </p:spPr>
           <p:style>
@@ -4373,33 +5899,34 @@
         </p:cxnSp>
         <p:cxnSp>
           <p:nvCxnSpPr>
-            <p:cNvPr id="41" name="Conector recto de flecha 40">
+            <p:cNvPr id="106" name="Conector: angular 105">
               <a:extLst>
                 <a:ext uri="{FF2B5EF4-FFF2-40B4-BE49-F238E27FC236}">
-                  <a16:creationId xmlns:a16="http://schemas.microsoft.com/office/drawing/2014/main" id="{67919D86-D619-4C54-9503-835B869C9060}"/>
+                  <a16:creationId xmlns:a16="http://schemas.microsoft.com/office/drawing/2014/main" id="{763C4598-E102-4913-B51C-AB0AB0FF02F4}"/>
                 </a:ext>
               </a:extLst>
             </p:cNvPr>
             <p:cNvCxnSpPr>
               <a:cxnSpLocks/>
-              <a:stCxn id="54" idx="6"/>
-              <a:endCxn id="51" idx="2"/>
+              <a:endCxn id="103" idx="1"/>
             </p:cNvCxnSpPr>
             <p:nvPr/>
           </p:nvCxnSpPr>
           <p:spPr>
             <a:xfrm>
-              <a:off x="-49793" y="998081"/>
-              <a:ext cx="345861" cy="183838"/>
+              <a:off x="8763989" y="5620735"/>
+              <a:ext cx="1155367" cy="825249"/>
             </a:xfrm>
-            <a:prstGeom prst="straightConnector1">
-              <a:avLst/>
+            <a:prstGeom prst="bentConnector3">
+              <a:avLst>
+                <a:gd name="adj1" fmla="val 50000"/>
+              </a:avLst>
             </a:prstGeom>
-            <a:ln w="19050">
+            <a:ln w="76200">
               <a:solidFill>
                 <a:schemeClr val="tx1"/>
               </a:solidFill>
-              <a:tailEnd type="triangle" w="med" len="sm"/>
+              <a:tailEnd type="triangle" w="sm" len="sm"/>
             </a:ln>
           </p:spPr>
           <p:style>
@@ -4419,263 +5946,33 @@
         </p:cxnSp>
         <p:cxnSp>
           <p:nvCxnSpPr>
-            <p:cNvPr id="42" name="Conector recto de flecha 41">
+            <p:cNvPr id="107" name="Conector: angular 106">
               <a:extLst>
                 <a:ext uri="{FF2B5EF4-FFF2-40B4-BE49-F238E27FC236}">
-                  <a16:creationId xmlns:a16="http://schemas.microsoft.com/office/drawing/2014/main" id="{0F263B6A-B3F1-4CEF-BCD0-DBFFBD3BDE00}"/>
+                  <a16:creationId xmlns:a16="http://schemas.microsoft.com/office/drawing/2014/main" id="{06C9C455-FAA6-4178-A58A-D1EF18DBA527}"/>
                 </a:ext>
               </a:extLst>
             </p:cNvPr>
             <p:cNvCxnSpPr>
-              <a:cxnSpLocks/>
-              <a:stCxn id="53" idx="6"/>
-              <a:endCxn id="48" idx="2"/>
-            </p:cNvCxnSpPr>
-            <p:nvPr/>
-          </p:nvCxnSpPr>
-          <p:spPr>
-            <a:xfrm flipV="1">
-              <a:off x="-49793" y="33449"/>
-              <a:ext cx="345861" cy="572169"/>
-            </a:xfrm>
-            <a:prstGeom prst="straightConnector1">
-              <a:avLst/>
-            </a:prstGeom>
-            <a:ln w="19050">
-              <a:solidFill>
-                <a:schemeClr val="tx1"/>
-              </a:solidFill>
-              <a:tailEnd type="triangle" w="med" len="sm"/>
-            </a:ln>
-          </p:spPr>
-          <p:style>
-            <a:lnRef idx="1">
-              <a:schemeClr val="accent1"/>
-            </a:lnRef>
-            <a:fillRef idx="0">
-              <a:schemeClr val="accent1"/>
-            </a:fillRef>
-            <a:effectRef idx="0">
-              <a:schemeClr val="accent1"/>
-            </a:effectRef>
-            <a:fontRef idx="minor">
-              <a:schemeClr val="tx1"/>
-            </a:fontRef>
-          </p:style>
-        </p:cxnSp>
-        <p:cxnSp>
-          <p:nvCxnSpPr>
-            <p:cNvPr id="43" name="Conector recto de flecha 42">
-              <a:extLst>
-                <a:ext uri="{FF2B5EF4-FFF2-40B4-BE49-F238E27FC236}">
-                  <a16:creationId xmlns:a16="http://schemas.microsoft.com/office/drawing/2014/main" id="{03A86430-83A3-4689-B86A-2B82CB488345}"/>
-                </a:ext>
-              </a:extLst>
-            </p:cNvPr>
-            <p:cNvCxnSpPr>
-              <a:cxnSpLocks/>
-              <a:stCxn id="54" idx="6"/>
-              <a:endCxn id="49" idx="2"/>
-            </p:cNvCxnSpPr>
-            <p:nvPr/>
-          </p:nvCxnSpPr>
-          <p:spPr>
-            <a:xfrm flipV="1">
-              <a:off x="-49793" y="421781"/>
-              <a:ext cx="345861" cy="576301"/>
-            </a:xfrm>
-            <a:prstGeom prst="straightConnector1">
-              <a:avLst/>
-            </a:prstGeom>
-            <a:ln w="19050">
-              <a:solidFill>
-                <a:schemeClr val="tx1"/>
-              </a:solidFill>
-              <a:tailEnd type="triangle" w="med" len="sm"/>
-            </a:ln>
-          </p:spPr>
-          <p:style>
-            <a:lnRef idx="1">
-              <a:schemeClr val="accent1"/>
-            </a:lnRef>
-            <a:fillRef idx="0">
-              <a:schemeClr val="accent1"/>
-            </a:fillRef>
-            <a:effectRef idx="0">
-              <a:schemeClr val="accent1"/>
-            </a:effectRef>
-            <a:fontRef idx="minor">
-              <a:schemeClr val="tx1"/>
-            </a:fontRef>
-          </p:style>
-        </p:cxnSp>
-        <p:cxnSp>
-          <p:nvCxnSpPr>
-            <p:cNvPr id="44" name="Conector recto de flecha 43">
-              <a:extLst>
-                <a:ext uri="{FF2B5EF4-FFF2-40B4-BE49-F238E27FC236}">
-                  <a16:creationId xmlns:a16="http://schemas.microsoft.com/office/drawing/2014/main" id="{DCCE4C63-DE53-4122-A611-F003E3406DC2}"/>
-                </a:ext>
-              </a:extLst>
-            </p:cNvPr>
-            <p:cNvCxnSpPr>
-              <a:cxnSpLocks/>
-              <a:stCxn id="52" idx="6"/>
-              <a:endCxn id="50" idx="2"/>
+              <a:endCxn id="102" idx="1"/>
             </p:cNvCxnSpPr>
             <p:nvPr/>
           </p:nvCxnSpPr>
           <p:spPr>
             <a:xfrm>
-              <a:off x="-49793" y="217286"/>
-              <a:ext cx="345861" cy="580433"/>
+              <a:off x="8763988" y="5620735"/>
+              <a:ext cx="1155368" cy="196611"/>
             </a:xfrm>
-            <a:prstGeom prst="straightConnector1">
-              <a:avLst/>
+            <a:prstGeom prst="bentConnector3">
+              <a:avLst>
+                <a:gd name="adj1" fmla="val 50000"/>
+              </a:avLst>
             </a:prstGeom>
-            <a:ln w="19050">
+            <a:ln w="76200">
               <a:solidFill>
                 <a:schemeClr val="tx1"/>
               </a:solidFill>
-              <a:tailEnd type="triangle" w="med" len="sm"/>
-            </a:ln>
-          </p:spPr>
-          <p:style>
-            <a:lnRef idx="1">
-              <a:schemeClr val="accent1"/>
-            </a:lnRef>
-            <a:fillRef idx="0">
-              <a:schemeClr val="accent1"/>
-            </a:fillRef>
-            <a:effectRef idx="0">
-              <a:schemeClr val="accent1"/>
-            </a:effectRef>
-            <a:fontRef idx="minor">
-              <a:schemeClr val="tx1"/>
-            </a:fontRef>
-          </p:style>
-        </p:cxnSp>
-        <p:cxnSp>
-          <p:nvCxnSpPr>
-            <p:cNvPr id="45" name="Conector recto de flecha 44">
-              <a:extLst>
-                <a:ext uri="{FF2B5EF4-FFF2-40B4-BE49-F238E27FC236}">
-                  <a16:creationId xmlns:a16="http://schemas.microsoft.com/office/drawing/2014/main" id="{B8699ED6-463D-4E1B-A23B-40551CE031CA}"/>
-                </a:ext>
-              </a:extLst>
-            </p:cNvPr>
-            <p:cNvCxnSpPr>
-              <a:cxnSpLocks/>
-              <a:stCxn id="52" idx="6"/>
-              <a:endCxn id="51" idx="2"/>
-            </p:cNvCxnSpPr>
-            <p:nvPr/>
-          </p:nvCxnSpPr>
-          <p:spPr>
-            <a:xfrm>
-              <a:off x="-49793" y="217286"/>
-              <a:ext cx="345861" cy="964633"/>
-            </a:xfrm>
-            <a:prstGeom prst="straightConnector1">
-              <a:avLst/>
-            </a:prstGeom>
-            <a:ln w="19050">
-              <a:solidFill>
-                <a:schemeClr val="tx1"/>
-              </a:solidFill>
-              <a:tailEnd type="triangle" w="med" len="sm"/>
-            </a:ln>
-          </p:spPr>
-          <p:style>
-            <a:lnRef idx="1">
-              <a:schemeClr val="accent1"/>
-            </a:lnRef>
-            <a:fillRef idx="0">
-              <a:schemeClr val="accent1"/>
-            </a:fillRef>
-            <a:effectRef idx="0">
-              <a:schemeClr val="accent1"/>
-            </a:effectRef>
-            <a:fontRef idx="minor">
-              <a:schemeClr val="tx1"/>
-            </a:fontRef>
-          </p:style>
-        </p:cxnSp>
-        <p:cxnSp>
-          <p:nvCxnSpPr>
-            <p:cNvPr id="46" name="Conector recto de flecha 45">
-              <a:extLst>
-                <a:ext uri="{FF2B5EF4-FFF2-40B4-BE49-F238E27FC236}">
-                  <a16:creationId xmlns:a16="http://schemas.microsoft.com/office/drawing/2014/main" id="{BB1C6AB1-9FA8-4480-BD99-335FB30EB64C}"/>
-                </a:ext>
-              </a:extLst>
-            </p:cNvPr>
-            <p:cNvCxnSpPr>
-              <a:cxnSpLocks/>
-              <a:stCxn id="54" idx="6"/>
-              <a:endCxn id="48" idx="2"/>
-            </p:cNvCxnSpPr>
-            <p:nvPr/>
-          </p:nvCxnSpPr>
-          <p:spPr>
-            <a:xfrm flipV="1">
-              <a:off x="-49793" y="33449"/>
-              <a:ext cx="345861" cy="964632"/>
-            </a:xfrm>
-            <a:prstGeom prst="straightConnector1">
-              <a:avLst/>
-            </a:prstGeom>
-            <a:ln w="19050">
-              <a:solidFill>
-                <a:schemeClr val="tx1"/>
-              </a:solidFill>
-              <a:tailEnd type="triangle" w="med" len="sm"/>
-            </a:ln>
-          </p:spPr>
-          <p:style>
-            <a:lnRef idx="1">
-              <a:schemeClr val="accent1"/>
-            </a:lnRef>
-            <a:fillRef idx="0">
-              <a:schemeClr val="accent1"/>
-            </a:fillRef>
-            <a:effectRef idx="0">
-              <a:schemeClr val="accent1"/>
-            </a:effectRef>
-            <a:fontRef idx="minor">
-              <a:schemeClr val="tx1"/>
-            </a:fontRef>
-          </p:style>
-        </p:cxnSp>
-        <p:cxnSp>
-          <p:nvCxnSpPr>
-            <p:cNvPr id="47" name="Conector recto de flecha 46">
-              <a:extLst>
-                <a:ext uri="{FF2B5EF4-FFF2-40B4-BE49-F238E27FC236}">
-                  <a16:creationId xmlns:a16="http://schemas.microsoft.com/office/drawing/2014/main" id="{F8C0D9A3-BC5E-4A48-8F69-30D52D0F6E87}"/>
-                </a:ext>
-              </a:extLst>
-            </p:cNvPr>
-            <p:cNvCxnSpPr>
-              <a:cxnSpLocks/>
-              <a:stCxn id="53" idx="6"/>
-              <a:endCxn id="51" idx="2"/>
-            </p:cNvCxnSpPr>
-            <p:nvPr/>
-          </p:nvCxnSpPr>
-          <p:spPr>
-            <a:xfrm>
-              <a:off x="-49793" y="605618"/>
-              <a:ext cx="345861" cy="576301"/>
-            </a:xfrm>
-            <a:prstGeom prst="straightConnector1">
-              <a:avLst/>
-            </a:prstGeom>
-            <a:ln w="19050">
-              <a:solidFill>
-                <a:schemeClr val="tx1"/>
-              </a:solidFill>
-              <a:tailEnd type="triangle" w="med" len="sm"/>
+              <a:tailEnd type="triangle" w="sm" len="sm"/>
             </a:ln>
           </p:spPr>
           <p:style>
@@ -4694,885 +5991,348 @@
           </p:style>
         </p:cxnSp>
       </p:grpSp>
-      <p:cxnSp>
-        <p:nvCxnSpPr>
-          <p:cNvPr id="32" name="Conector recto de flecha 31">
-            <a:extLst>
-              <a:ext uri="{FF2B5EF4-FFF2-40B4-BE49-F238E27FC236}">
-                <a16:creationId xmlns:a16="http://schemas.microsoft.com/office/drawing/2014/main" id="{B170AC21-6A75-4085-8ABB-5A876BF0CF74}"/>
-              </a:ext>
-            </a:extLst>
-          </p:cNvPr>
-          <p:cNvCxnSpPr>
-            <a:cxnSpLocks/>
-            <a:stCxn id="51" idx="6"/>
-            <a:endCxn id="55" idx="2"/>
-          </p:cNvCxnSpPr>
+      <p:sp>
+        <p:nvSpPr>
+          <p:cNvPr id="2" name="Signo de multiplicación 1">
+            <a:extLst>
+              <a:ext uri="{FF2B5EF4-FFF2-40B4-BE49-F238E27FC236}">
+                <a16:creationId xmlns:a16="http://schemas.microsoft.com/office/drawing/2014/main" id="{76338CE1-3B64-4576-81AD-AE0D74469023}"/>
+              </a:ext>
+            </a:extLst>
+          </p:cNvPr>
+          <p:cNvSpPr/>
           <p:nvPr/>
-        </p:nvCxnSpPr>
+        </p:nvSpPr>
         <p:spPr>
-          <a:xfrm flipV="1">
-            <a:off x="3249892" y="1296201"/>
-            <a:ext cx="1390675" cy="4618003"/>
+          <a:xfrm>
+            <a:off x="11525909" y="1437824"/>
+            <a:ext cx="381281" cy="351226"/>
           </a:xfrm>
-          <a:prstGeom prst="straightConnector1">
-            <a:avLst/>
+          <a:prstGeom prst="mathMultiply">
+            <a:avLst>
+              <a:gd name="adj1" fmla="val 11577"/>
+            </a:avLst>
           </a:prstGeom>
-          <a:ln w="19050">
+          <a:solidFill>
+            <a:srgbClr val="FF0000"/>
+          </a:solidFill>
+          <a:ln>
             <a:solidFill>
-              <a:schemeClr val="tx1"/>
+              <a:srgbClr val="AD1D21"/>
             </a:solidFill>
-            <a:tailEnd type="triangle" w="med" len="sm"/>
           </a:ln>
         </p:spPr>
         <p:style>
-          <a:lnRef idx="1">
-            <a:schemeClr val="accent1"/>
+          <a:lnRef idx="2">
+            <a:schemeClr val="accent1">
+              <a:shade val="50000"/>
+            </a:schemeClr>
           </a:lnRef>
-          <a:fillRef idx="0">
+          <a:fillRef idx="1">
             <a:schemeClr val="accent1"/>
           </a:fillRef>
           <a:effectRef idx="0">
             <a:schemeClr val="accent1"/>
           </a:effectRef>
           <a:fontRef idx="minor">
-            <a:schemeClr val="tx1"/>
+            <a:schemeClr val="lt1"/>
           </a:fontRef>
         </p:style>
-      </p:cxnSp>
-      <p:cxnSp>
-        <p:nvCxnSpPr>
-          <p:cNvPr id="31" name="Conector recto de flecha 30">
-            <a:extLst>
-              <a:ext uri="{FF2B5EF4-FFF2-40B4-BE49-F238E27FC236}">
-                <a16:creationId xmlns:a16="http://schemas.microsoft.com/office/drawing/2014/main" id="{56278B0A-A9A0-40FC-9916-B7DE73560232}"/>
-              </a:ext>
-            </a:extLst>
-          </p:cNvPr>
-          <p:cNvCxnSpPr>
-            <a:cxnSpLocks/>
-            <a:stCxn id="51" idx="6"/>
-            <a:endCxn id="56" idx="2"/>
-          </p:cNvCxnSpPr>
+        <p:txBody>
+          <a:bodyPr rtlCol="0" anchor="ctr"/>
+          <a:lstStyle/>
+          <a:p>
+            <a:pPr algn="ctr"/>
+            <a:endParaRPr lang="es-ES"/>
+          </a:p>
+        </p:txBody>
+      </p:sp>
+      <p:sp>
+        <p:nvSpPr>
+          <p:cNvPr id="63" name="Signo de multiplicación 62">
+            <a:extLst>
+              <a:ext uri="{FF2B5EF4-FFF2-40B4-BE49-F238E27FC236}">
+                <a16:creationId xmlns:a16="http://schemas.microsoft.com/office/drawing/2014/main" id="{4EEC4552-5D3A-4E96-9683-2D7D58505350}"/>
+              </a:ext>
+            </a:extLst>
+          </p:cNvPr>
+          <p:cNvSpPr/>
           <p:nvPr/>
-        </p:nvCxnSpPr>
+        </p:nvSpPr>
         <p:spPr>
-          <a:xfrm flipV="1">
-            <a:off x="3249892" y="2857685"/>
-            <a:ext cx="1390675" cy="3056519"/>
+          <a:xfrm>
+            <a:off x="11525909" y="2044416"/>
+            <a:ext cx="381281" cy="351226"/>
           </a:xfrm>
-          <a:prstGeom prst="straightConnector1">
-            <a:avLst/>
+          <a:prstGeom prst="mathMultiply">
+            <a:avLst>
+              <a:gd name="adj1" fmla="val 11577"/>
+            </a:avLst>
           </a:prstGeom>
-          <a:ln w="19050">
+          <a:solidFill>
+            <a:srgbClr val="FF0000"/>
+          </a:solidFill>
+          <a:ln>
             <a:solidFill>
-              <a:schemeClr val="tx1"/>
+              <a:srgbClr val="AD1D21"/>
             </a:solidFill>
-            <a:tailEnd type="triangle" w="med" len="sm"/>
           </a:ln>
         </p:spPr>
         <p:style>
-          <a:lnRef idx="1">
-            <a:schemeClr val="accent1"/>
+          <a:lnRef idx="2">
+            <a:schemeClr val="accent1">
+              <a:shade val="50000"/>
+            </a:schemeClr>
           </a:lnRef>
-          <a:fillRef idx="0">
+          <a:fillRef idx="1">
             <a:schemeClr val="accent1"/>
           </a:fillRef>
           <a:effectRef idx="0">
             <a:schemeClr val="accent1"/>
           </a:effectRef>
           <a:fontRef idx="minor">
-            <a:schemeClr val="tx1"/>
+            <a:schemeClr val="lt1"/>
           </a:fontRef>
         </p:style>
-      </p:cxnSp>
-      <p:cxnSp>
-        <p:nvCxnSpPr>
-          <p:cNvPr id="17" name="Conector recto de flecha 16">
-            <a:extLst>
-              <a:ext uri="{FF2B5EF4-FFF2-40B4-BE49-F238E27FC236}">
-                <a16:creationId xmlns:a16="http://schemas.microsoft.com/office/drawing/2014/main" id="{2FB553A8-25F5-4658-AFA8-EFB5E9896C46}"/>
-              </a:ext>
-            </a:extLst>
-          </p:cNvPr>
-          <p:cNvCxnSpPr>
-            <a:cxnSpLocks/>
-            <a:stCxn id="48" idx="6"/>
-            <a:endCxn id="55" idx="2"/>
-          </p:cNvCxnSpPr>
+        <p:txBody>
+          <a:bodyPr rtlCol="0" anchor="ctr"/>
+          <a:lstStyle/>
+          <a:p>
+            <a:pPr algn="ctr"/>
+            <a:endParaRPr lang="es-ES"/>
+          </a:p>
+        </p:txBody>
+      </p:sp>
+      <p:sp>
+        <p:nvSpPr>
+          <p:cNvPr id="64" name="Signo de multiplicación 63">
+            <a:extLst>
+              <a:ext uri="{FF2B5EF4-FFF2-40B4-BE49-F238E27FC236}">
+                <a16:creationId xmlns:a16="http://schemas.microsoft.com/office/drawing/2014/main" id="{BC5E4549-9AAE-430E-B305-89F2BA704284}"/>
+              </a:ext>
+            </a:extLst>
+          </p:cNvPr>
+          <p:cNvSpPr/>
           <p:nvPr/>
-        </p:nvCxnSpPr>
+        </p:nvSpPr>
         <p:spPr>
           <a:xfrm>
-            <a:off x="3249892" y="1296201"/>
-            <a:ext cx="1390675" cy="0"/>
+            <a:off x="11525908" y="2675122"/>
+            <a:ext cx="381281" cy="351226"/>
           </a:xfrm>
-          <a:prstGeom prst="straightConnector1">
-            <a:avLst/>
+          <a:prstGeom prst="mathMultiply">
+            <a:avLst>
+              <a:gd name="adj1" fmla="val 11577"/>
+            </a:avLst>
           </a:prstGeom>
-          <a:ln w="19050">
+          <a:solidFill>
+            <a:srgbClr val="FF0000"/>
+          </a:solidFill>
+          <a:ln>
             <a:solidFill>
-              <a:schemeClr val="tx1"/>
+              <a:srgbClr val="AD1D21"/>
             </a:solidFill>
-            <a:tailEnd type="triangle" w="med" len="sm"/>
           </a:ln>
         </p:spPr>
         <p:style>
-          <a:lnRef idx="1">
-            <a:schemeClr val="accent1"/>
+          <a:lnRef idx="2">
+            <a:schemeClr val="accent1">
+              <a:shade val="50000"/>
+            </a:schemeClr>
           </a:lnRef>
-          <a:fillRef idx="0">
+          <a:fillRef idx="1">
             <a:schemeClr val="accent1"/>
           </a:fillRef>
           <a:effectRef idx="0">
             <a:schemeClr val="accent1"/>
           </a:effectRef>
           <a:fontRef idx="minor">
-            <a:schemeClr val="tx1"/>
+            <a:schemeClr val="lt1"/>
           </a:fontRef>
         </p:style>
-      </p:cxnSp>
-      <p:cxnSp>
-        <p:nvCxnSpPr>
-          <p:cNvPr id="18" name="Conector recto de flecha 17">
-            <a:extLst>
-              <a:ext uri="{FF2B5EF4-FFF2-40B4-BE49-F238E27FC236}">
-                <a16:creationId xmlns:a16="http://schemas.microsoft.com/office/drawing/2014/main" id="{5126A386-7901-4468-9365-5F2D9A047F52}"/>
-              </a:ext>
-            </a:extLst>
-          </p:cNvPr>
-          <p:cNvCxnSpPr>
-            <a:cxnSpLocks/>
-            <a:stCxn id="48" idx="6"/>
-            <a:endCxn id="56" idx="2"/>
-          </p:cNvCxnSpPr>
+        <p:txBody>
+          <a:bodyPr rtlCol="0" anchor="ctr"/>
+          <a:lstStyle/>
+          <a:p>
+            <a:pPr algn="ctr"/>
+            <a:endParaRPr lang="es-ES"/>
+          </a:p>
+        </p:txBody>
+      </p:sp>
+      <p:sp>
+        <p:nvSpPr>
+          <p:cNvPr id="66" name="Signo de multiplicación 65">
+            <a:extLst>
+              <a:ext uri="{FF2B5EF4-FFF2-40B4-BE49-F238E27FC236}">
+                <a16:creationId xmlns:a16="http://schemas.microsoft.com/office/drawing/2014/main" id="{0D8DC947-951B-4BFC-B18C-A71F1F863C90}"/>
+              </a:ext>
+            </a:extLst>
+          </p:cNvPr>
+          <p:cNvSpPr/>
           <p:nvPr/>
-        </p:nvCxnSpPr>
+        </p:nvSpPr>
         <p:spPr>
           <a:xfrm>
-            <a:off x="3249892" y="1296201"/>
-            <a:ext cx="1390675" cy="1561484"/>
+            <a:off x="11525910" y="4717361"/>
+            <a:ext cx="381281" cy="351226"/>
           </a:xfrm>
-          <a:prstGeom prst="straightConnector1">
-            <a:avLst/>
+          <a:prstGeom prst="mathMultiply">
+            <a:avLst>
+              <a:gd name="adj1" fmla="val 11577"/>
+            </a:avLst>
           </a:prstGeom>
-          <a:ln w="19050">
+          <a:solidFill>
+            <a:srgbClr val="FF0000"/>
+          </a:solidFill>
+          <a:ln>
             <a:solidFill>
-              <a:schemeClr val="tx1"/>
+              <a:srgbClr val="AD1D21"/>
             </a:solidFill>
-            <a:tailEnd type="triangle" w="med" len="sm"/>
           </a:ln>
         </p:spPr>
         <p:style>
-          <a:lnRef idx="1">
-            <a:schemeClr val="accent1"/>
+          <a:lnRef idx="2">
+            <a:schemeClr val="accent1">
+              <a:shade val="50000"/>
+            </a:schemeClr>
           </a:lnRef>
-          <a:fillRef idx="0">
+          <a:fillRef idx="1">
             <a:schemeClr val="accent1"/>
           </a:fillRef>
           <a:effectRef idx="0">
             <a:schemeClr val="accent1"/>
           </a:effectRef>
           <a:fontRef idx="minor">
-            <a:schemeClr val="tx1"/>
+            <a:schemeClr val="lt1"/>
           </a:fontRef>
         </p:style>
-      </p:cxnSp>
-      <p:cxnSp>
-        <p:nvCxnSpPr>
-          <p:cNvPr id="19" name="Conector recto de flecha 18">
-            <a:extLst>
-              <a:ext uri="{FF2B5EF4-FFF2-40B4-BE49-F238E27FC236}">
-                <a16:creationId xmlns:a16="http://schemas.microsoft.com/office/drawing/2014/main" id="{953D3993-6E34-4EBE-BFF7-74FF0C0317ED}"/>
-              </a:ext>
-            </a:extLst>
-          </p:cNvPr>
-          <p:cNvCxnSpPr>
-            <a:cxnSpLocks/>
-            <a:stCxn id="48" idx="6"/>
-            <a:endCxn id="57" idx="2"/>
-          </p:cNvCxnSpPr>
+        <p:txBody>
+          <a:bodyPr rtlCol="0" anchor="ctr"/>
+          <a:lstStyle/>
+          <a:p>
+            <a:pPr algn="ctr"/>
+            <a:endParaRPr lang="es-ES"/>
+          </a:p>
+        </p:txBody>
+      </p:sp>
+      <p:sp>
+        <p:nvSpPr>
+          <p:cNvPr id="67" name="Signo de multiplicación 66">
+            <a:extLst>
+              <a:ext uri="{FF2B5EF4-FFF2-40B4-BE49-F238E27FC236}">
+                <a16:creationId xmlns:a16="http://schemas.microsoft.com/office/drawing/2014/main" id="{BADCC3E1-537C-4D26-89E8-2DDB1E4D0608}"/>
+              </a:ext>
+            </a:extLst>
+          </p:cNvPr>
+          <p:cNvSpPr/>
           <p:nvPr/>
-        </p:nvCxnSpPr>
+        </p:nvSpPr>
         <p:spPr>
           <a:xfrm>
-            <a:off x="3249892" y="1296201"/>
-            <a:ext cx="1390675" cy="3073132"/>
+            <a:off x="11525910" y="5323953"/>
+            <a:ext cx="381281" cy="351226"/>
           </a:xfrm>
-          <a:prstGeom prst="straightConnector1">
-            <a:avLst/>
+          <a:prstGeom prst="mathMultiply">
+            <a:avLst>
+              <a:gd name="adj1" fmla="val 11577"/>
+            </a:avLst>
           </a:prstGeom>
-          <a:ln w="19050">
+          <a:solidFill>
+            <a:srgbClr val="FF0000"/>
+          </a:solidFill>
+          <a:ln>
             <a:solidFill>
-              <a:schemeClr val="tx1"/>
+              <a:srgbClr val="AD1D21"/>
             </a:solidFill>
-            <a:tailEnd type="triangle" w="med" len="sm"/>
           </a:ln>
         </p:spPr>
         <p:style>
-          <a:lnRef idx="1">
-            <a:schemeClr val="accent1"/>
+          <a:lnRef idx="2">
+            <a:schemeClr val="accent1">
+              <a:shade val="50000"/>
+            </a:schemeClr>
           </a:lnRef>
-          <a:fillRef idx="0">
+          <a:fillRef idx="1">
             <a:schemeClr val="accent1"/>
           </a:fillRef>
           <a:effectRef idx="0">
             <a:schemeClr val="accent1"/>
           </a:effectRef>
           <a:fontRef idx="minor">
-            <a:schemeClr val="tx1"/>
+            <a:schemeClr val="lt1"/>
           </a:fontRef>
         </p:style>
-      </p:cxnSp>
-      <p:cxnSp>
-        <p:nvCxnSpPr>
-          <p:cNvPr id="20" name="Conector recto de flecha 19">
-            <a:extLst>
-              <a:ext uri="{FF2B5EF4-FFF2-40B4-BE49-F238E27FC236}">
-                <a16:creationId xmlns:a16="http://schemas.microsoft.com/office/drawing/2014/main" id="{3AAFEED7-01CB-4D1E-8AF6-B6319E864CC3}"/>
-              </a:ext>
-            </a:extLst>
-          </p:cNvPr>
-          <p:cNvCxnSpPr>
-            <a:cxnSpLocks/>
-            <a:stCxn id="48" idx="6"/>
-            <a:endCxn id="58" idx="2"/>
-          </p:cNvCxnSpPr>
+        <p:txBody>
+          <a:bodyPr rtlCol="0" anchor="ctr"/>
+          <a:lstStyle/>
+          <a:p>
+            <a:pPr algn="ctr"/>
+            <a:endParaRPr lang="es-ES"/>
+          </a:p>
+        </p:txBody>
+      </p:sp>
+      <p:sp>
+        <p:nvSpPr>
+          <p:cNvPr id="73" name="Signo de multiplicación 72">
+            <a:extLst>
+              <a:ext uri="{FF2B5EF4-FFF2-40B4-BE49-F238E27FC236}">
+                <a16:creationId xmlns:a16="http://schemas.microsoft.com/office/drawing/2014/main" id="{17E92CF7-FF9D-45EE-96B6-ECC0C4ED780F}"/>
+              </a:ext>
+            </a:extLst>
+          </p:cNvPr>
+          <p:cNvSpPr/>
           <p:nvPr/>
-        </p:nvCxnSpPr>
+        </p:nvSpPr>
         <p:spPr>
           <a:xfrm>
-            <a:off x="3249892" y="1296201"/>
-            <a:ext cx="1390675" cy="4618003"/>
+            <a:off x="11525909" y="5954659"/>
+            <a:ext cx="381281" cy="351226"/>
           </a:xfrm>
-          <a:prstGeom prst="straightConnector1">
-            <a:avLst/>
+          <a:prstGeom prst="mathMultiply">
+            <a:avLst>
+              <a:gd name="adj1" fmla="val 11577"/>
+            </a:avLst>
           </a:prstGeom>
-          <a:ln w="19050">
+          <a:solidFill>
+            <a:srgbClr val="FF0000"/>
+          </a:solidFill>
+          <a:ln>
             <a:solidFill>
-              <a:schemeClr val="tx1"/>
+              <a:srgbClr val="AD1D21"/>
             </a:solidFill>
-            <a:tailEnd type="triangle" w="med" len="sm"/>
           </a:ln>
         </p:spPr>
         <p:style>
-          <a:lnRef idx="1">
-            <a:schemeClr val="accent1"/>
+          <a:lnRef idx="2">
+            <a:schemeClr val="accent1">
+              <a:shade val="50000"/>
+            </a:schemeClr>
           </a:lnRef>
-          <a:fillRef idx="0">
+          <a:fillRef idx="1">
             <a:schemeClr val="accent1"/>
           </a:fillRef>
           <a:effectRef idx="0">
             <a:schemeClr val="accent1"/>
           </a:effectRef>
           <a:fontRef idx="minor">
-            <a:schemeClr val="tx1"/>
+            <a:schemeClr val="lt1"/>
           </a:fontRef>
         </p:style>
-      </p:cxnSp>
-      <p:cxnSp>
-        <p:nvCxnSpPr>
-          <p:cNvPr id="21" name="Conector recto de flecha 20">
-            <a:extLst>
-              <a:ext uri="{FF2B5EF4-FFF2-40B4-BE49-F238E27FC236}">
-                <a16:creationId xmlns:a16="http://schemas.microsoft.com/office/drawing/2014/main" id="{38F194DC-E61B-414B-8FDF-6130854F6934}"/>
-              </a:ext>
-            </a:extLst>
-          </p:cNvPr>
-          <p:cNvCxnSpPr>
-            <a:cxnSpLocks/>
-            <a:stCxn id="49" idx="6"/>
-            <a:endCxn id="55" idx="2"/>
-          </p:cNvCxnSpPr>
-          <p:nvPr/>
-        </p:nvCxnSpPr>
-        <p:spPr>
-          <a:xfrm flipV="1">
-            <a:off x="3249892" y="1296201"/>
-            <a:ext cx="1390675" cy="1561484"/>
-          </a:xfrm>
-          <a:prstGeom prst="straightConnector1">
-            <a:avLst/>
-          </a:prstGeom>
-          <a:ln w="19050">
-            <a:solidFill>
-              <a:schemeClr val="tx1"/>
-            </a:solidFill>
-            <a:tailEnd type="triangle" w="med" len="sm"/>
-          </a:ln>
-        </p:spPr>
-        <p:style>
-          <a:lnRef idx="1">
-            <a:schemeClr val="accent1"/>
-          </a:lnRef>
-          <a:fillRef idx="0">
-            <a:schemeClr val="accent1"/>
-          </a:fillRef>
-          <a:effectRef idx="0">
-            <a:schemeClr val="accent1"/>
-          </a:effectRef>
-          <a:fontRef idx="minor">
-            <a:schemeClr val="tx1"/>
-          </a:fontRef>
-        </p:style>
-      </p:cxnSp>
-      <p:cxnSp>
-        <p:nvCxnSpPr>
-          <p:cNvPr id="22" name="Conector recto de flecha 21">
-            <a:extLst>
-              <a:ext uri="{FF2B5EF4-FFF2-40B4-BE49-F238E27FC236}">
-                <a16:creationId xmlns:a16="http://schemas.microsoft.com/office/drawing/2014/main" id="{A20D7422-1B9A-4253-AB3B-6A039528FCF2}"/>
-              </a:ext>
-            </a:extLst>
-          </p:cNvPr>
-          <p:cNvCxnSpPr>
-            <a:cxnSpLocks/>
-            <a:stCxn id="49" idx="6"/>
-            <a:endCxn id="56" idx="2"/>
-          </p:cNvCxnSpPr>
-          <p:nvPr/>
-        </p:nvCxnSpPr>
-        <p:spPr>
-          <a:xfrm>
-            <a:off x="3249892" y="2857685"/>
-            <a:ext cx="1390675" cy="0"/>
-          </a:xfrm>
-          <a:prstGeom prst="straightConnector1">
-            <a:avLst/>
-          </a:prstGeom>
-          <a:ln w="19050">
-            <a:solidFill>
-              <a:schemeClr val="tx1"/>
-            </a:solidFill>
-            <a:tailEnd type="triangle" w="med" len="sm"/>
-          </a:ln>
-        </p:spPr>
-        <p:style>
-          <a:lnRef idx="1">
-            <a:schemeClr val="accent1"/>
-          </a:lnRef>
-          <a:fillRef idx="0">
-            <a:schemeClr val="accent1"/>
-          </a:fillRef>
-          <a:effectRef idx="0">
-            <a:schemeClr val="accent1"/>
-          </a:effectRef>
-          <a:fontRef idx="minor">
-            <a:schemeClr val="tx1"/>
-          </a:fontRef>
-        </p:style>
-      </p:cxnSp>
-      <p:cxnSp>
-        <p:nvCxnSpPr>
-          <p:cNvPr id="23" name="Conector recto de flecha 22">
-            <a:extLst>
-              <a:ext uri="{FF2B5EF4-FFF2-40B4-BE49-F238E27FC236}">
-                <a16:creationId xmlns:a16="http://schemas.microsoft.com/office/drawing/2014/main" id="{CC5B020A-66EE-425F-8E5A-E68283DA0D60}"/>
-              </a:ext>
-            </a:extLst>
-          </p:cNvPr>
-          <p:cNvCxnSpPr>
-            <a:cxnSpLocks/>
-            <a:stCxn id="49" idx="6"/>
-            <a:endCxn id="57" idx="2"/>
-          </p:cNvCxnSpPr>
-          <p:nvPr/>
-        </p:nvCxnSpPr>
-        <p:spPr>
-          <a:xfrm>
-            <a:off x="3249892" y="2857685"/>
-            <a:ext cx="1390675" cy="1511648"/>
-          </a:xfrm>
-          <a:prstGeom prst="straightConnector1">
-            <a:avLst/>
-          </a:prstGeom>
-          <a:ln w="19050">
-            <a:solidFill>
-              <a:schemeClr val="tx1"/>
-            </a:solidFill>
-            <a:tailEnd type="triangle" w="med" len="sm"/>
-          </a:ln>
-        </p:spPr>
-        <p:style>
-          <a:lnRef idx="1">
-            <a:schemeClr val="accent1"/>
-          </a:lnRef>
-          <a:fillRef idx="0">
-            <a:schemeClr val="accent1"/>
-          </a:fillRef>
-          <a:effectRef idx="0">
-            <a:schemeClr val="accent1"/>
-          </a:effectRef>
-          <a:fontRef idx="minor">
-            <a:schemeClr val="tx1"/>
-          </a:fontRef>
-        </p:style>
-      </p:cxnSp>
-      <p:cxnSp>
-        <p:nvCxnSpPr>
-          <p:cNvPr id="24" name="Conector recto de flecha 23">
-            <a:extLst>
-              <a:ext uri="{FF2B5EF4-FFF2-40B4-BE49-F238E27FC236}">
-                <a16:creationId xmlns:a16="http://schemas.microsoft.com/office/drawing/2014/main" id="{273DF556-837A-4FE4-A36C-9681CC2DFE5E}"/>
-              </a:ext>
-            </a:extLst>
-          </p:cNvPr>
-          <p:cNvCxnSpPr>
-            <a:cxnSpLocks/>
-            <a:stCxn id="49" idx="6"/>
-            <a:endCxn id="58" idx="2"/>
-          </p:cNvCxnSpPr>
-          <p:nvPr/>
-        </p:nvCxnSpPr>
-        <p:spPr>
-          <a:xfrm>
-            <a:off x="3249892" y="2857685"/>
-            <a:ext cx="1390675" cy="3056519"/>
-          </a:xfrm>
-          <a:prstGeom prst="straightConnector1">
-            <a:avLst/>
-          </a:prstGeom>
-          <a:ln w="19050">
-            <a:solidFill>
-              <a:schemeClr val="tx1"/>
-            </a:solidFill>
-            <a:tailEnd type="triangle" w="med" len="sm"/>
-          </a:ln>
-        </p:spPr>
-        <p:style>
-          <a:lnRef idx="1">
-            <a:schemeClr val="accent1"/>
-          </a:lnRef>
-          <a:fillRef idx="0">
-            <a:schemeClr val="accent1"/>
-          </a:fillRef>
-          <a:effectRef idx="0">
-            <a:schemeClr val="accent1"/>
-          </a:effectRef>
-          <a:fontRef idx="minor">
-            <a:schemeClr val="tx1"/>
-          </a:fontRef>
-        </p:style>
-      </p:cxnSp>
-      <p:cxnSp>
-        <p:nvCxnSpPr>
-          <p:cNvPr id="25" name="Conector recto de flecha 24">
-            <a:extLst>
-              <a:ext uri="{FF2B5EF4-FFF2-40B4-BE49-F238E27FC236}">
-                <a16:creationId xmlns:a16="http://schemas.microsoft.com/office/drawing/2014/main" id="{F2597028-54C0-4D45-A952-6EA780EDE1EE}"/>
-              </a:ext>
-            </a:extLst>
-          </p:cNvPr>
-          <p:cNvCxnSpPr>
-            <a:cxnSpLocks/>
-            <a:stCxn id="50" idx="6"/>
-            <a:endCxn id="55" idx="2"/>
-          </p:cNvCxnSpPr>
-          <p:nvPr/>
-        </p:nvCxnSpPr>
-        <p:spPr>
-          <a:xfrm flipV="1">
-            <a:off x="3249892" y="1296201"/>
-            <a:ext cx="1390675" cy="3073132"/>
-          </a:xfrm>
-          <a:prstGeom prst="straightConnector1">
-            <a:avLst/>
-          </a:prstGeom>
-          <a:ln w="19050">
-            <a:solidFill>
-              <a:schemeClr val="tx1"/>
-            </a:solidFill>
-            <a:tailEnd type="triangle" w="med" len="sm"/>
-          </a:ln>
-        </p:spPr>
-        <p:style>
-          <a:lnRef idx="1">
-            <a:schemeClr val="accent1"/>
-          </a:lnRef>
-          <a:fillRef idx="0">
-            <a:schemeClr val="accent1"/>
-          </a:fillRef>
-          <a:effectRef idx="0">
-            <a:schemeClr val="accent1"/>
-          </a:effectRef>
-          <a:fontRef idx="minor">
-            <a:schemeClr val="tx1"/>
-          </a:fontRef>
-        </p:style>
-      </p:cxnSp>
-      <p:cxnSp>
-        <p:nvCxnSpPr>
-          <p:cNvPr id="26" name="Conector recto de flecha 25">
-            <a:extLst>
-              <a:ext uri="{FF2B5EF4-FFF2-40B4-BE49-F238E27FC236}">
-                <a16:creationId xmlns:a16="http://schemas.microsoft.com/office/drawing/2014/main" id="{790A3BC9-B7C3-4CD7-BF19-BCE8287F5C4C}"/>
-              </a:ext>
-            </a:extLst>
-          </p:cNvPr>
-          <p:cNvCxnSpPr>
-            <a:cxnSpLocks/>
-            <a:stCxn id="50" idx="6"/>
-            <a:endCxn id="56" idx="2"/>
-          </p:cNvCxnSpPr>
-          <p:nvPr/>
-        </p:nvCxnSpPr>
-        <p:spPr>
-          <a:xfrm flipV="1">
-            <a:off x="3249892" y="2857685"/>
-            <a:ext cx="1390675" cy="1511648"/>
-          </a:xfrm>
-          <a:prstGeom prst="straightConnector1">
-            <a:avLst/>
-          </a:prstGeom>
-          <a:ln w="19050">
-            <a:solidFill>
-              <a:schemeClr val="tx1"/>
-            </a:solidFill>
-            <a:tailEnd type="triangle" w="med" len="sm"/>
-          </a:ln>
-        </p:spPr>
-        <p:style>
-          <a:lnRef idx="1">
-            <a:schemeClr val="accent1"/>
-          </a:lnRef>
-          <a:fillRef idx="0">
-            <a:schemeClr val="accent1"/>
-          </a:fillRef>
-          <a:effectRef idx="0">
-            <a:schemeClr val="accent1"/>
-          </a:effectRef>
-          <a:fontRef idx="minor">
-            <a:schemeClr val="tx1"/>
-          </a:fontRef>
-        </p:style>
-      </p:cxnSp>
-      <p:cxnSp>
-        <p:nvCxnSpPr>
-          <p:cNvPr id="27" name="Conector recto de flecha 26">
-            <a:extLst>
-              <a:ext uri="{FF2B5EF4-FFF2-40B4-BE49-F238E27FC236}">
-                <a16:creationId xmlns:a16="http://schemas.microsoft.com/office/drawing/2014/main" id="{1D32D01E-4CB0-4706-A105-DAB4A54FB2E7}"/>
-              </a:ext>
-            </a:extLst>
-          </p:cNvPr>
-          <p:cNvCxnSpPr>
-            <a:cxnSpLocks/>
-            <a:stCxn id="50" idx="6"/>
-            <a:endCxn id="57" idx="2"/>
-          </p:cNvCxnSpPr>
-          <p:nvPr/>
-        </p:nvCxnSpPr>
-        <p:spPr>
-          <a:xfrm>
-            <a:off x="3249892" y="4369333"/>
-            <a:ext cx="1390675" cy="0"/>
-          </a:xfrm>
-          <a:prstGeom prst="straightConnector1">
-            <a:avLst/>
-          </a:prstGeom>
-          <a:ln w="19050">
-            <a:solidFill>
-              <a:schemeClr val="tx1"/>
-            </a:solidFill>
-            <a:tailEnd type="triangle" w="med" len="sm"/>
-          </a:ln>
-        </p:spPr>
-        <p:style>
-          <a:lnRef idx="1">
-            <a:schemeClr val="accent1"/>
-          </a:lnRef>
-          <a:fillRef idx="0">
-            <a:schemeClr val="accent1"/>
-          </a:fillRef>
-          <a:effectRef idx="0">
-            <a:schemeClr val="accent1"/>
-          </a:effectRef>
-          <a:fontRef idx="minor">
-            <a:schemeClr val="tx1"/>
-          </a:fontRef>
-        </p:style>
-      </p:cxnSp>
-      <p:cxnSp>
-        <p:nvCxnSpPr>
-          <p:cNvPr id="28" name="Conector recto de flecha 27">
-            <a:extLst>
-              <a:ext uri="{FF2B5EF4-FFF2-40B4-BE49-F238E27FC236}">
-                <a16:creationId xmlns:a16="http://schemas.microsoft.com/office/drawing/2014/main" id="{74AB57EA-17D8-4945-A226-D926A668E2EC}"/>
-              </a:ext>
-            </a:extLst>
-          </p:cNvPr>
-          <p:cNvCxnSpPr>
-            <a:cxnSpLocks/>
-            <a:stCxn id="50" idx="6"/>
-            <a:endCxn id="58" idx="2"/>
-          </p:cNvCxnSpPr>
-          <p:nvPr/>
-        </p:nvCxnSpPr>
-        <p:spPr>
-          <a:xfrm>
-            <a:off x="3249892" y="4369333"/>
-            <a:ext cx="1390675" cy="1544871"/>
-          </a:xfrm>
-          <a:prstGeom prst="straightConnector1">
-            <a:avLst/>
-          </a:prstGeom>
-          <a:ln w="19050">
-            <a:solidFill>
-              <a:schemeClr val="tx1"/>
-            </a:solidFill>
-            <a:tailEnd type="triangle" w="med" len="sm"/>
-          </a:ln>
-        </p:spPr>
-        <p:style>
-          <a:lnRef idx="1">
-            <a:schemeClr val="accent1"/>
-          </a:lnRef>
-          <a:fillRef idx="0">
-            <a:schemeClr val="accent1"/>
-          </a:fillRef>
-          <a:effectRef idx="0">
-            <a:schemeClr val="accent1"/>
-          </a:effectRef>
-          <a:fontRef idx="minor">
-            <a:schemeClr val="tx1"/>
-          </a:fontRef>
-        </p:style>
-      </p:cxnSp>
-      <p:cxnSp>
-        <p:nvCxnSpPr>
-          <p:cNvPr id="29" name="Conector recto de flecha 28">
-            <a:extLst>
-              <a:ext uri="{FF2B5EF4-FFF2-40B4-BE49-F238E27FC236}">
-                <a16:creationId xmlns:a16="http://schemas.microsoft.com/office/drawing/2014/main" id="{45838421-020E-457A-B56A-DAEE35E4E38A}"/>
-              </a:ext>
-            </a:extLst>
-          </p:cNvPr>
-          <p:cNvCxnSpPr>
-            <a:cxnSpLocks/>
-            <a:stCxn id="51" idx="6"/>
-            <a:endCxn id="58" idx="2"/>
-          </p:cNvCxnSpPr>
-          <p:nvPr/>
-        </p:nvCxnSpPr>
-        <p:spPr>
-          <a:xfrm>
-            <a:off x="3249892" y="5914204"/>
-            <a:ext cx="1390675" cy="0"/>
-          </a:xfrm>
-          <a:prstGeom prst="straightConnector1">
-            <a:avLst/>
-          </a:prstGeom>
-          <a:ln w="19050">
-            <a:solidFill>
-              <a:schemeClr val="tx1"/>
-            </a:solidFill>
-            <a:tailEnd type="triangle" w="med" len="sm"/>
-          </a:ln>
-        </p:spPr>
-        <p:style>
-          <a:lnRef idx="1">
-            <a:schemeClr val="accent1"/>
-          </a:lnRef>
-          <a:fillRef idx="0">
-            <a:schemeClr val="accent1"/>
-          </a:fillRef>
-          <a:effectRef idx="0">
-            <a:schemeClr val="accent1"/>
-          </a:effectRef>
-          <a:fontRef idx="minor">
-            <a:schemeClr val="tx1"/>
-          </a:fontRef>
-        </p:style>
-      </p:cxnSp>
-      <p:cxnSp>
-        <p:nvCxnSpPr>
-          <p:cNvPr id="30" name="Conector recto de flecha 29">
-            <a:extLst>
-              <a:ext uri="{FF2B5EF4-FFF2-40B4-BE49-F238E27FC236}">
-                <a16:creationId xmlns:a16="http://schemas.microsoft.com/office/drawing/2014/main" id="{63C7254D-9578-417E-AAFC-85D0FB7009CE}"/>
-              </a:ext>
-            </a:extLst>
-          </p:cNvPr>
-          <p:cNvCxnSpPr>
-            <a:cxnSpLocks/>
-            <a:stCxn id="51" idx="6"/>
-            <a:endCxn id="57" idx="2"/>
-          </p:cNvCxnSpPr>
-          <p:nvPr/>
-        </p:nvCxnSpPr>
-        <p:spPr>
-          <a:xfrm flipV="1">
-            <a:off x="3249892" y="4369333"/>
-            <a:ext cx="1390675" cy="1544871"/>
-          </a:xfrm>
-          <a:prstGeom prst="straightConnector1">
-            <a:avLst/>
-          </a:prstGeom>
-          <a:ln w="19050">
-            <a:solidFill>
-              <a:schemeClr val="tx1"/>
-            </a:solidFill>
-            <a:tailEnd type="triangle" w="med" len="sm"/>
-          </a:ln>
-        </p:spPr>
-        <p:style>
-          <a:lnRef idx="1">
-            <a:schemeClr val="accent1"/>
-          </a:lnRef>
-          <a:fillRef idx="0">
-            <a:schemeClr val="accent1"/>
-          </a:fillRef>
-          <a:effectRef idx="0">
-            <a:schemeClr val="accent1"/>
-          </a:effectRef>
-          <a:fontRef idx="minor">
-            <a:schemeClr val="tx1"/>
-          </a:fontRef>
-        </p:style>
-      </p:cxnSp>
-      <p:cxnSp>
-        <p:nvCxnSpPr>
-          <p:cNvPr id="9" name="Conector recto de flecha 8">
-            <a:extLst>
-              <a:ext uri="{FF2B5EF4-FFF2-40B4-BE49-F238E27FC236}">
-                <a16:creationId xmlns:a16="http://schemas.microsoft.com/office/drawing/2014/main" id="{CA77860A-E9A9-4198-878D-91EDD4C8DBFA}"/>
-              </a:ext>
-            </a:extLst>
-          </p:cNvPr>
-          <p:cNvCxnSpPr>
-            <a:cxnSpLocks/>
-            <a:stCxn id="66" idx="6"/>
-            <a:endCxn id="5" idx="2"/>
-          </p:cNvCxnSpPr>
-          <p:nvPr/>
-        </p:nvCxnSpPr>
-        <p:spPr>
-          <a:xfrm>
-            <a:off x="10210743" y="2060331"/>
-            <a:ext cx="718813" cy="1544872"/>
-          </a:xfrm>
-          <a:prstGeom prst="straightConnector1">
-            <a:avLst/>
-          </a:prstGeom>
-          <a:ln w="19050">
-            <a:solidFill>
-              <a:schemeClr val="tx1"/>
-            </a:solidFill>
-            <a:tailEnd type="triangle" w="med" len="sm"/>
-          </a:ln>
-        </p:spPr>
-        <p:style>
-          <a:lnRef idx="1">
-            <a:schemeClr val="accent1"/>
-          </a:lnRef>
-          <a:fillRef idx="0">
-            <a:schemeClr val="accent1"/>
-          </a:fillRef>
-          <a:effectRef idx="0">
-            <a:schemeClr val="accent1"/>
-          </a:effectRef>
-          <a:fontRef idx="minor">
-            <a:schemeClr val="tx1"/>
-          </a:fontRef>
-        </p:style>
-      </p:cxnSp>
-      <p:cxnSp>
-        <p:nvCxnSpPr>
-          <p:cNvPr id="10" name="Conector recto de flecha 9">
-            <a:extLst>
-              <a:ext uri="{FF2B5EF4-FFF2-40B4-BE49-F238E27FC236}">
-                <a16:creationId xmlns:a16="http://schemas.microsoft.com/office/drawing/2014/main" id="{316FBDE8-20FB-423B-835F-BC80B701A999}"/>
-              </a:ext>
-            </a:extLst>
-          </p:cNvPr>
-          <p:cNvCxnSpPr>
-            <a:cxnSpLocks/>
-            <a:stCxn id="67" idx="6"/>
-            <a:endCxn id="5" idx="2"/>
-          </p:cNvCxnSpPr>
-          <p:nvPr/>
-        </p:nvCxnSpPr>
-        <p:spPr>
-          <a:xfrm>
-            <a:off x="10210743" y="3605202"/>
-            <a:ext cx="718813" cy="1"/>
-          </a:xfrm>
-          <a:prstGeom prst="straightConnector1">
-            <a:avLst/>
-          </a:prstGeom>
-          <a:ln w="19050">
-            <a:solidFill>
-              <a:schemeClr val="tx1"/>
-            </a:solidFill>
-            <a:tailEnd type="triangle" w="med" len="sm"/>
-          </a:ln>
-        </p:spPr>
-        <p:style>
-          <a:lnRef idx="1">
-            <a:schemeClr val="accent1"/>
-          </a:lnRef>
-          <a:fillRef idx="0">
-            <a:schemeClr val="accent1"/>
-          </a:fillRef>
-          <a:effectRef idx="0">
-            <a:schemeClr val="accent1"/>
-          </a:effectRef>
-          <a:fontRef idx="minor">
-            <a:schemeClr val="tx1"/>
-          </a:fontRef>
-        </p:style>
-      </p:cxnSp>
-      <p:cxnSp>
-        <p:nvCxnSpPr>
-          <p:cNvPr id="11" name="Conector recto de flecha 10">
-            <a:extLst>
-              <a:ext uri="{FF2B5EF4-FFF2-40B4-BE49-F238E27FC236}">
-                <a16:creationId xmlns:a16="http://schemas.microsoft.com/office/drawing/2014/main" id="{ADE4879F-F688-43FE-843A-73934B869187}"/>
-              </a:ext>
-            </a:extLst>
-          </p:cNvPr>
-          <p:cNvCxnSpPr>
-            <a:cxnSpLocks/>
-            <a:endCxn id="5" idx="2"/>
-          </p:cNvCxnSpPr>
-          <p:nvPr/>
-        </p:nvCxnSpPr>
-        <p:spPr>
-          <a:xfrm flipV="1">
-            <a:off x="10210743" y="3605203"/>
-            <a:ext cx="718813" cy="1569788"/>
-          </a:xfrm>
-          <a:prstGeom prst="straightConnector1">
-            <a:avLst/>
-          </a:prstGeom>
-          <a:ln w="19050">
-            <a:solidFill>
-              <a:schemeClr val="tx1"/>
-            </a:solidFill>
-            <a:tailEnd type="triangle" w="med" len="sm"/>
-          </a:ln>
-        </p:spPr>
-        <p:style>
-          <a:lnRef idx="1">
-            <a:schemeClr val="accent1"/>
-          </a:lnRef>
-          <a:fillRef idx="0">
-            <a:schemeClr val="accent1"/>
-          </a:fillRef>
-          <a:effectRef idx="0">
-            <a:schemeClr val="accent1"/>
-          </a:effectRef>
-          <a:fontRef idx="minor">
-            <a:schemeClr val="tx1"/>
-          </a:fontRef>
-        </p:style>
-      </p:cxnSp>
+        <p:txBody>
+          <a:bodyPr rtlCol="0" anchor="ctr"/>
+          <a:lstStyle/>
+          <a:p>
+            <a:pPr algn="ctr"/>
+            <a:endParaRPr lang="es-ES"/>
+          </a:p>
+        </p:txBody>
+      </p:sp>
       <p:grpSp>
         <p:nvGrpSpPr>
-          <p:cNvPr id="65" name="Grupo 64">
-            <a:extLst>
-              <a:ext uri="{FF2B5EF4-FFF2-40B4-BE49-F238E27FC236}">
-                <a16:creationId xmlns:a16="http://schemas.microsoft.com/office/drawing/2014/main" id="{513DD3DE-5698-4B47-A51C-3ED8F3C223EE}"/>
+          <p:cNvPr id="75" name="Grupo 74">
+            <a:extLst>
+              <a:ext uri="{FF2B5EF4-FFF2-40B4-BE49-F238E27FC236}">
+                <a16:creationId xmlns:a16="http://schemas.microsoft.com/office/drawing/2014/main" id="{82620117-ECA8-4058-8FF9-C52C3C290073}"/>
               </a:ext>
             </a:extLst>
           </p:cNvPr>
@@ -5581,18 +6341,18 @@
         </p:nvGrpSpPr>
         <p:grpSpPr>
           <a:xfrm>
-            <a:off x="9281135" y="1595732"/>
-            <a:ext cx="929608" cy="4018939"/>
-            <a:chOff x="0" y="398696"/>
-            <a:chExt cx="242524" cy="1048469"/>
+            <a:off x="11568490" y="878084"/>
+            <a:ext cx="380501" cy="212050"/>
+            <a:chOff x="10669080" y="3475271"/>
+            <a:chExt cx="380501" cy="212050"/>
           </a:xfrm>
         </p:grpSpPr>
         <p:sp>
           <p:nvSpPr>
-            <p:cNvPr id="66" name="Elipse 65">
+            <p:cNvPr id="77" name="Signo menos 76">
               <a:extLst>
                 <a:ext uri="{FF2B5EF4-FFF2-40B4-BE49-F238E27FC236}">
-                  <a16:creationId xmlns:a16="http://schemas.microsoft.com/office/drawing/2014/main" id="{97DC4338-A47D-4FA8-ADE3-68209E5F56C8}"/>
+                  <a16:creationId xmlns:a16="http://schemas.microsoft.com/office/drawing/2014/main" id="{E8BB08DC-972C-4216-B8A2-D6C5D43E7BC5}"/>
                 </a:ext>
               </a:extLst>
             </p:cNvPr>
@@ -5600,60 +6360,53 @@
             <p:nvPr/>
           </p:nvSpPr>
           <p:spPr>
-            <a:xfrm>
-              <a:off x="0" y="398696"/>
-              <a:ext cx="242524" cy="242411"/>
+            <a:xfrm rot="19074145">
+              <a:off x="10684414" y="3475271"/>
+              <a:ext cx="365167" cy="158715"/>
             </a:xfrm>
-            <a:prstGeom prst="ellipse">
+            <a:prstGeom prst="mathMinus">
               <a:avLst/>
             </a:prstGeom>
             <a:solidFill>
-              <a:schemeClr val="accent5">
-                <a:lumMod val="20000"/>
-                <a:lumOff val="80000"/>
-              </a:schemeClr>
+              <a:srgbClr val="92D050"/>
             </a:solidFill>
-            <a:ln w="19050">
+            <a:ln>
               <a:solidFill>
-                <a:schemeClr val="tx1"/>
+                <a:srgbClr val="7EB147"/>
               </a:solidFill>
             </a:ln>
           </p:spPr>
           <p:style>
             <a:lnRef idx="2">
-              <a:schemeClr val="accent6">
+              <a:schemeClr val="accent1">
                 <a:shade val="50000"/>
               </a:schemeClr>
             </a:lnRef>
             <a:fillRef idx="1">
-              <a:schemeClr val="accent6"/>
+              <a:schemeClr val="accent1"/>
             </a:fillRef>
             <a:effectRef idx="0">
-              <a:schemeClr val="accent6"/>
+              <a:schemeClr val="accent1"/>
             </a:effectRef>
             <a:fontRef idx="minor">
               <a:schemeClr val="lt1"/>
             </a:fontRef>
           </p:style>
           <p:txBody>
-            <a:bodyPr rot="0" spcFirstLastPara="0" vert="horz" wrap="square" lIns="91440" tIns="45720" rIns="91440" bIns="45720" numCol="1" spcCol="0" rtlCol="0" fromWordArt="0" anchor="ctr" anchorCtr="0" forceAA="0" compatLnSpc="1">
-              <a:prstTxWarp prst="textNoShape">
-                <a:avLst/>
-              </a:prstTxWarp>
-              <a:noAutofit/>
-            </a:bodyPr>
+            <a:bodyPr rtlCol="0" anchor="ctr"/>
             <a:lstStyle/>
             <a:p>
+              <a:pPr algn="ctr"/>
               <a:endParaRPr lang="es-ES"/>
             </a:p>
           </p:txBody>
         </p:sp>
         <p:sp>
           <p:nvSpPr>
-            <p:cNvPr id="67" name="Elipse 66">
+            <p:cNvPr id="78" name="Signo menos 77">
               <a:extLst>
                 <a:ext uri="{FF2B5EF4-FFF2-40B4-BE49-F238E27FC236}">
-                  <a16:creationId xmlns:a16="http://schemas.microsoft.com/office/drawing/2014/main" id="{F283EBBC-84CA-4998-8A4C-AB242C54B376}"/>
+                  <a16:creationId xmlns:a16="http://schemas.microsoft.com/office/drawing/2014/main" id="{F060286B-11E7-4F68-AE47-BA13AC776B1C}"/>
                 </a:ext>
               </a:extLst>
             </p:cNvPr>
@@ -5661,60 +6414,74 @@
             <p:nvPr/>
           </p:nvSpPr>
           <p:spPr>
-            <a:xfrm>
-              <a:off x="0" y="801725"/>
-              <a:ext cx="242524" cy="242411"/>
+            <a:xfrm rot="2861497">
+              <a:off x="10660323" y="3519848"/>
+              <a:ext cx="176230" cy="158715"/>
             </a:xfrm>
-            <a:prstGeom prst="ellipse">
+            <a:prstGeom prst="mathMinus">
               <a:avLst/>
             </a:prstGeom>
             <a:solidFill>
-              <a:schemeClr val="accent5">
-                <a:lumMod val="20000"/>
-                <a:lumOff val="80000"/>
-              </a:schemeClr>
+              <a:srgbClr val="92D050"/>
             </a:solidFill>
-            <a:ln w="19050">
+            <a:ln>
               <a:solidFill>
-                <a:schemeClr val="tx1"/>
+                <a:srgbClr val="7EB147"/>
               </a:solidFill>
             </a:ln>
           </p:spPr>
           <p:style>
             <a:lnRef idx="2">
-              <a:schemeClr val="accent6">
+              <a:schemeClr val="accent1">
                 <a:shade val="50000"/>
               </a:schemeClr>
             </a:lnRef>
             <a:fillRef idx="1">
-              <a:schemeClr val="accent6"/>
+              <a:schemeClr val="accent1"/>
             </a:fillRef>
             <a:effectRef idx="0">
-              <a:schemeClr val="accent6"/>
+              <a:schemeClr val="accent1"/>
             </a:effectRef>
             <a:fontRef idx="minor">
               <a:schemeClr val="lt1"/>
             </a:fontRef>
           </p:style>
           <p:txBody>
-            <a:bodyPr rot="0" spcFirstLastPara="0" vert="horz" wrap="square" lIns="91440" tIns="45720" rIns="91440" bIns="45720" numCol="1" spcCol="0" rtlCol="0" fromWordArt="0" anchor="ctr" anchorCtr="0" forceAA="0" compatLnSpc="1">
-              <a:prstTxWarp prst="textNoShape">
-                <a:avLst/>
-              </a:prstTxWarp>
-              <a:noAutofit/>
-            </a:bodyPr>
+            <a:bodyPr rtlCol="0" anchor="ctr"/>
             <a:lstStyle/>
             <a:p>
+              <a:pPr algn="ctr"/>
               <a:endParaRPr lang="es-ES"/>
             </a:p>
           </p:txBody>
         </p:sp>
+      </p:grpSp>
+      <p:grpSp>
+        <p:nvGrpSpPr>
+          <p:cNvPr id="79" name="Grupo 78">
+            <a:extLst>
+              <a:ext uri="{FF2B5EF4-FFF2-40B4-BE49-F238E27FC236}">
+                <a16:creationId xmlns:a16="http://schemas.microsoft.com/office/drawing/2014/main" id="{3985FE0B-87B2-4A83-9C30-273B9173FBA3}"/>
+              </a:ext>
+            </a:extLst>
+          </p:cNvPr>
+          <p:cNvGrpSpPr/>
+          <p:nvPr/>
+        </p:nvGrpSpPr>
+        <p:grpSpPr>
+          <a:xfrm>
+            <a:off x="11575597" y="4166984"/>
+            <a:ext cx="380501" cy="212050"/>
+            <a:chOff x="10669080" y="3475271"/>
+            <a:chExt cx="380501" cy="212050"/>
+          </a:xfrm>
+        </p:grpSpPr>
         <p:sp>
           <p:nvSpPr>
-            <p:cNvPr id="68" name="Elipse 67">
+            <p:cNvPr id="81" name="Signo menos 80">
               <a:extLst>
                 <a:ext uri="{FF2B5EF4-FFF2-40B4-BE49-F238E27FC236}">
-                  <a16:creationId xmlns:a16="http://schemas.microsoft.com/office/drawing/2014/main" id="{90834F5F-5112-4AAC-913C-5CCCCA3CAE00}"/>
+                  <a16:creationId xmlns:a16="http://schemas.microsoft.com/office/drawing/2014/main" id="{E2F5F2E7-C237-4F1D-976C-7FEE6F710D97}"/>
                 </a:ext>
               </a:extLst>
             </p:cNvPr>
@@ -5722,81 +6489,53 @@
             <p:nvPr/>
           </p:nvSpPr>
           <p:spPr>
-            <a:xfrm>
-              <a:off x="0" y="1204754"/>
-              <a:ext cx="242524" cy="242411"/>
+            <a:xfrm rot="19074145">
+              <a:off x="10684414" y="3475271"/>
+              <a:ext cx="365167" cy="158715"/>
             </a:xfrm>
-            <a:prstGeom prst="ellipse">
+            <a:prstGeom prst="mathMinus">
               <a:avLst/>
             </a:prstGeom>
             <a:solidFill>
-              <a:schemeClr val="accent5">
-                <a:lumMod val="20000"/>
-                <a:lumOff val="80000"/>
-              </a:schemeClr>
+              <a:srgbClr val="92D050"/>
             </a:solidFill>
-            <a:ln w="19050">
+            <a:ln>
               <a:solidFill>
-                <a:schemeClr val="tx1"/>
+                <a:srgbClr val="7EB147"/>
               </a:solidFill>
             </a:ln>
           </p:spPr>
           <p:style>
             <a:lnRef idx="2">
-              <a:schemeClr val="accent6">
+              <a:schemeClr val="accent1">
                 <a:shade val="50000"/>
               </a:schemeClr>
             </a:lnRef>
             <a:fillRef idx="1">
-              <a:schemeClr val="accent6"/>
+              <a:schemeClr val="accent1"/>
             </a:fillRef>
             <a:effectRef idx="0">
-              <a:schemeClr val="accent6"/>
+              <a:schemeClr val="accent1"/>
             </a:effectRef>
             <a:fontRef idx="minor">
               <a:schemeClr val="lt1"/>
             </a:fontRef>
           </p:style>
           <p:txBody>
-            <a:bodyPr rot="0" spcFirstLastPara="0" vert="horz" wrap="square" lIns="91440" tIns="45720" rIns="91440" bIns="45720" numCol="1" spcCol="0" rtlCol="0" fromWordArt="0" anchor="ctr" anchorCtr="0" forceAA="0" compatLnSpc="1">
-              <a:prstTxWarp prst="textNoShape">
-                <a:avLst/>
-              </a:prstTxWarp>
-              <a:noAutofit/>
-            </a:bodyPr>
+            <a:bodyPr rtlCol="0" anchor="ctr"/>
             <a:lstStyle/>
             <a:p>
+              <a:pPr algn="ctr"/>
               <a:endParaRPr lang="es-ES"/>
             </a:p>
           </p:txBody>
         </p:sp>
-      </p:grpSp>
-      <p:grpSp>
-        <p:nvGrpSpPr>
-          <p:cNvPr id="69" name="Grupo 68">
-            <a:extLst>
-              <a:ext uri="{FF2B5EF4-FFF2-40B4-BE49-F238E27FC236}">
-                <a16:creationId xmlns:a16="http://schemas.microsoft.com/office/drawing/2014/main" id="{B7AB8E64-B5F4-48AB-B935-750020B037EC}"/>
-              </a:ext>
-            </a:extLst>
-          </p:cNvPr>
-          <p:cNvGrpSpPr/>
-          <p:nvPr/>
-        </p:nvGrpSpPr>
-        <p:grpSpPr>
-          <a:xfrm>
-            <a:off x="6960850" y="2393086"/>
-            <a:ext cx="929608" cy="2474069"/>
-            <a:chOff x="0" y="801725"/>
-            <a:chExt cx="242524" cy="645440"/>
-          </a:xfrm>
-        </p:grpSpPr>
         <p:sp>
           <p:nvSpPr>
-            <p:cNvPr id="70" name="Elipse 69">
+            <p:cNvPr id="82" name="Signo menos 81">
               <a:extLst>
                 <a:ext uri="{FF2B5EF4-FFF2-40B4-BE49-F238E27FC236}">
-                  <a16:creationId xmlns:a16="http://schemas.microsoft.com/office/drawing/2014/main" id="{03653660-8FE8-48B9-9D75-BC81BB3B3374}"/>
+                  <a16:creationId xmlns:a16="http://schemas.microsoft.com/office/drawing/2014/main" id="{4AC12F55-F2DC-4F59-8E29-CE8E98D6DB41}"/>
                 </a:ext>
               </a:extLst>
             </p:cNvPr>
@@ -5804,764 +6543,52 @@
             <p:nvPr/>
           </p:nvSpPr>
           <p:spPr>
-            <a:xfrm>
-              <a:off x="0" y="801725"/>
-              <a:ext cx="242524" cy="242411"/>
+            <a:xfrm rot="2861497">
+              <a:off x="10660323" y="3519848"/>
+              <a:ext cx="176230" cy="158715"/>
             </a:xfrm>
-            <a:prstGeom prst="ellipse">
+            <a:prstGeom prst="mathMinus">
               <a:avLst/>
             </a:prstGeom>
             <a:solidFill>
-              <a:schemeClr val="accent5">
-                <a:lumMod val="20000"/>
-                <a:lumOff val="80000"/>
-              </a:schemeClr>
+              <a:srgbClr val="92D050"/>
             </a:solidFill>
-            <a:ln w="19050">
+            <a:ln>
               <a:solidFill>
-                <a:schemeClr val="tx1"/>
+                <a:srgbClr val="7EB147"/>
               </a:solidFill>
             </a:ln>
           </p:spPr>
           <p:style>
             <a:lnRef idx="2">
-              <a:schemeClr val="accent6">
+              <a:schemeClr val="accent1">
                 <a:shade val="50000"/>
               </a:schemeClr>
             </a:lnRef>
             <a:fillRef idx="1">
-              <a:schemeClr val="accent6"/>
+              <a:schemeClr val="accent1"/>
             </a:fillRef>
             <a:effectRef idx="0">
-              <a:schemeClr val="accent6"/>
+              <a:schemeClr val="accent1"/>
             </a:effectRef>
             <a:fontRef idx="minor">
               <a:schemeClr val="lt1"/>
             </a:fontRef>
           </p:style>
           <p:txBody>
-            <a:bodyPr rot="0" spcFirstLastPara="0" vert="horz" wrap="square" lIns="91440" tIns="45720" rIns="91440" bIns="45720" numCol="1" spcCol="0" rtlCol="0" fromWordArt="0" anchor="ctr" anchorCtr="0" forceAA="0" compatLnSpc="1">
-              <a:prstTxWarp prst="textNoShape">
-                <a:avLst/>
-              </a:prstTxWarp>
-              <a:noAutofit/>
-            </a:bodyPr>
+            <a:bodyPr rtlCol="0" anchor="ctr"/>
             <a:lstStyle/>
             <a:p>
-              <a:endParaRPr lang="es-ES"/>
-            </a:p>
-          </p:txBody>
-        </p:sp>
-        <p:sp>
-          <p:nvSpPr>
-            <p:cNvPr id="71" name="Elipse 70">
-              <a:extLst>
-                <a:ext uri="{FF2B5EF4-FFF2-40B4-BE49-F238E27FC236}">
-                  <a16:creationId xmlns:a16="http://schemas.microsoft.com/office/drawing/2014/main" id="{3A409302-79DB-4276-9F06-E33D8571026E}"/>
-                </a:ext>
-              </a:extLst>
-            </p:cNvPr>
-            <p:cNvSpPr/>
-            <p:nvPr/>
-          </p:nvSpPr>
-          <p:spPr>
-            <a:xfrm>
-              <a:off x="0" y="1204754"/>
-              <a:ext cx="242524" cy="242411"/>
-            </a:xfrm>
-            <a:prstGeom prst="ellipse">
-              <a:avLst/>
-            </a:prstGeom>
-            <a:solidFill>
-              <a:schemeClr val="accent5">
-                <a:lumMod val="20000"/>
-                <a:lumOff val="80000"/>
-              </a:schemeClr>
-            </a:solidFill>
-            <a:ln w="19050">
-              <a:solidFill>
-                <a:schemeClr val="tx1"/>
-              </a:solidFill>
-            </a:ln>
-          </p:spPr>
-          <p:style>
-            <a:lnRef idx="2">
-              <a:schemeClr val="accent6">
-                <a:shade val="50000"/>
-              </a:schemeClr>
-            </a:lnRef>
-            <a:fillRef idx="1">
-              <a:schemeClr val="accent6"/>
-            </a:fillRef>
-            <a:effectRef idx="0">
-              <a:schemeClr val="accent6"/>
-            </a:effectRef>
-            <a:fontRef idx="minor">
-              <a:schemeClr val="lt1"/>
-            </a:fontRef>
-          </p:style>
-          <p:txBody>
-            <a:bodyPr rot="0" spcFirstLastPara="0" vert="horz" wrap="square" lIns="91440" tIns="45720" rIns="91440" bIns="45720" numCol="1" spcCol="0" rtlCol="0" fromWordArt="0" anchor="ctr" anchorCtr="0" forceAA="0" compatLnSpc="1">
-              <a:prstTxWarp prst="textNoShape">
-                <a:avLst/>
-              </a:prstTxWarp>
-              <a:noAutofit/>
-            </a:bodyPr>
-            <a:lstStyle/>
-            <a:p>
+              <a:pPr algn="ctr"/>
               <a:endParaRPr lang="es-ES"/>
             </a:p>
           </p:txBody>
         </p:sp>
       </p:grpSp>
-      <p:cxnSp>
-        <p:nvCxnSpPr>
-          <p:cNvPr id="84" name="Conector recto de flecha 83">
-            <a:extLst>
-              <a:ext uri="{FF2B5EF4-FFF2-40B4-BE49-F238E27FC236}">
-                <a16:creationId xmlns:a16="http://schemas.microsoft.com/office/drawing/2014/main" id="{D1AEB377-444C-4AAE-BC79-BA5A59361D04}"/>
-              </a:ext>
-            </a:extLst>
-          </p:cNvPr>
-          <p:cNvCxnSpPr>
-            <a:cxnSpLocks/>
-            <a:stCxn id="57" idx="6"/>
-            <a:endCxn id="70" idx="2"/>
-          </p:cNvCxnSpPr>
-          <p:nvPr/>
-        </p:nvCxnSpPr>
-        <p:spPr>
-          <a:xfrm flipV="1">
-            <a:off x="5570175" y="2857685"/>
-            <a:ext cx="1390675" cy="1511648"/>
-          </a:xfrm>
-          <a:prstGeom prst="straightConnector1">
-            <a:avLst/>
-          </a:prstGeom>
-          <a:ln w="19050">
-            <a:solidFill>
-              <a:schemeClr val="tx1"/>
-            </a:solidFill>
-            <a:tailEnd type="triangle" w="med" len="sm"/>
-          </a:ln>
-        </p:spPr>
-        <p:style>
-          <a:lnRef idx="1">
-            <a:schemeClr val="accent1"/>
-          </a:lnRef>
-          <a:fillRef idx="0">
-            <a:schemeClr val="accent1"/>
-          </a:fillRef>
-          <a:effectRef idx="0">
-            <a:schemeClr val="accent1"/>
-          </a:effectRef>
-          <a:fontRef idx="minor">
-            <a:schemeClr val="tx1"/>
-          </a:fontRef>
-        </p:style>
-      </p:cxnSp>
-      <p:cxnSp>
-        <p:nvCxnSpPr>
-          <p:cNvPr id="85" name="Conector recto de flecha 84">
-            <a:extLst>
-              <a:ext uri="{FF2B5EF4-FFF2-40B4-BE49-F238E27FC236}">
-                <a16:creationId xmlns:a16="http://schemas.microsoft.com/office/drawing/2014/main" id="{0E78D064-DE03-493F-B2BB-091A594974C8}"/>
-              </a:ext>
-            </a:extLst>
-          </p:cNvPr>
-          <p:cNvCxnSpPr>
-            <a:cxnSpLocks/>
-            <a:stCxn id="56" idx="6"/>
-            <a:endCxn id="71" idx="2"/>
-          </p:cNvCxnSpPr>
-          <p:nvPr/>
-        </p:nvCxnSpPr>
-        <p:spPr>
-          <a:xfrm>
-            <a:off x="5570175" y="2857685"/>
-            <a:ext cx="1390675" cy="1544871"/>
-          </a:xfrm>
-          <a:prstGeom prst="straightConnector1">
-            <a:avLst/>
-          </a:prstGeom>
-          <a:ln w="19050">
-            <a:solidFill>
-              <a:schemeClr val="tx1"/>
-            </a:solidFill>
-            <a:tailEnd type="triangle" w="med" len="sm"/>
-          </a:ln>
-        </p:spPr>
-        <p:style>
-          <a:lnRef idx="1">
-            <a:schemeClr val="accent1"/>
-          </a:lnRef>
-          <a:fillRef idx="0">
-            <a:schemeClr val="accent1"/>
-          </a:fillRef>
-          <a:effectRef idx="0">
-            <a:schemeClr val="accent1"/>
-          </a:effectRef>
-          <a:fontRef idx="minor">
-            <a:schemeClr val="tx1"/>
-          </a:fontRef>
-        </p:style>
-      </p:cxnSp>
-      <p:cxnSp>
-        <p:nvCxnSpPr>
-          <p:cNvPr id="86" name="Conector recto de flecha 85">
-            <a:extLst>
-              <a:ext uri="{FF2B5EF4-FFF2-40B4-BE49-F238E27FC236}">
-                <a16:creationId xmlns:a16="http://schemas.microsoft.com/office/drawing/2014/main" id="{00AB7FB7-5DE4-4C75-AD1C-D5CB18145700}"/>
-              </a:ext>
-            </a:extLst>
-          </p:cNvPr>
-          <p:cNvCxnSpPr>
-            <a:cxnSpLocks/>
-            <a:stCxn id="55" idx="6"/>
-            <a:endCxn id="71" idx="2"/>
-          </p:cNvCxnSpPr>
-          <p:nvPr/>
-        </p:nvCxnSpPr>
-        <p:spPr>
-          <a:xfrm>
-            <a:off x="5570175" y="1296201"/>
-            <a:ext cx="1390675" cy="3106355"/>
-          </a:xfrm>
-          <a:prstGeom prst="straightConnector1">
-            <a:avLst/>
-          </a:prstGeom>
-          <a:ln w="19050">
-            <a:solidFill>
-              <a:schemeClr val="tx1"/>
-            </a:solidFill>
-            <a:tailEnd type="triangle" w="med" len="sm"/>
-          </a:ln>
-        </p:spPr>
-        <p:style>
-          <a:lnRef idx="1">
-            <a:schemeClr val="accent1"/>
-          </a:lnRef>
-          <a:fillRef idx="0">
-            <a:schemeClr val="accent1"/>
-          </a:fillRef>
-          <a:effectRef idx="0">
-            <a:schemeClr val="accent1"/>
-          </a:effectRef>
-          <a:fontRef idx="minor">
-            <a:schemeClr val="tx1"/>
-          </a:fontRef>
-        </p:style>
-      </p:cxnSp>
-      <p:cxnSp>
-        <p:nvCxnSpPr>
-          <p:cNvPr id="87" name="Conector recto de flecha 86">
-            <a:extLst>
-              <a:ext uri="{FF2B5EF4-FFF2-40B4-BE49-F238E27FC236}">
-                <a16:creationId xmlns:a16="http://schemas.microsoft.com/office/drawing/2014/main" id="{C66F860D-2C14-445F-8654-C949D9F0FC83}"/>
-              </a:ext>
-            </a:extLst>
-          </p:cNvPr>
-          <p:cNvCxnSpPr>
-            <a:cxnSpLocks/>
-            <a:stCxn id="57" idx="6"/>
-            <a:endCxn id="71" idx="2"/>
-          </p:cNvCxnSpPr>
-          <p:nvPr/>
-        </p:nvCxnSpPr>
-        <p:spPr>
-          <a:xfrm>
-            <a:off x="5570175" y="4369333"/>
-            <a:ext cx="1390675" cy="33223"/>
-          </a:xfrm>
-          <a:prstGeom prst="straightConnector1">
-            <a:avLst/>
-          </a:prstGeom>
-          <a:ln w="19050">
-            <a:solidFill>
-              <a:schemeClr val="tx1"/>
-            </a:solidFill>
-            <a:tailEnd type="triangle" w="med" len="sm"/>
-          </a:ln>
-        </p:spPr>
-        <p:style>
-          <a:lnRef idx="1">
-            <a:schemeClr val="accent1"/>
-          </a:lnRef>
-          <a:fillRef idx="0">
-            <a:schemeClr val="accent1"/>
-          </a:fillRef>
-          <a:effectRef idx="0">
-            <a:schemeClr val="accent1"/>
-          </a:effectRef>
-          <a:fontRef idx="minor">
-            <a:schemeClr val="tx1"/>
-          </a:fontRef>
-        </p:style>
-      </p:cxnSp>
-      <p:cxnSp>
-        <p:nvCxnSpPr>
-          <p:cNvPr id="88" name="Conector recto de flecha 87">
-            <a:extLst>
-              <a:ext uri="{FF2B5EF4-FFF2-40B4-BE49-F238E27FC236}">
-                <a16:creationId xmlns:a16="http://schemas.microsoft.com/office/drawing/2014/main" id="{55893140-3D4E-4119-9682-AF70D8CD659B}"/>
-              </a:ext>
-            </a:extLst>
-          </p:cNvPr>
-          <p:cNvCxnSpPr>
-            <a:cxnSpLocks/>
-            <a:stCxn id="56" idx="6"/>
-            <a:endCxn id="70" idx="2"/>
-          </p:cNvCxnSpPr>
-          <p:nvPr/>
-        </p:nvCxnSpPr>
-        <p:spPr>
-          <a:xfrm>
-            <a:off x="5570175" y="2857685"/>
-            <a:ext cx="1390675" cy="0"/>
-          </a:xfrm>
-          <a:prstGeom prst="straightConnector1">
-            <a:avLst/>
-          </a:prstGeom>
-          <a:ln w="19050">
-            <a:solidFill>
-              <a:schemeClr val="tx1"/>
-            </a:solidFill>
-            <a:tailEnd type="triangle" w="med" len="sm"/>
-          </a:ln>
-        </p:spPr>
-        <p:style>
-          <a:lnRef idx="1">
-            <a:schemeClr val="accent1"/>
-          </a:lnRef>
-          <a:fillRef idx="0">
-            <a:schemeClr val="accent1"/>
-          </a:fillRef>
-          <a:effectRef idx="0">
-            <a:schemeClr val="accent1"/>
-          </a:effectRef>
-          <a:fontRef idx="minor">
-            <a:schemeClr val="tx1"/>
-          </a:fontRef>
-        </p:style>
-      </p:cxnSp>
-      <p:cxnSp>
-        <p:nvCxnSpPr>
-          <p:cNvPr id="89" name="Conector recto de flecha 88">
-            <a:extLst>
-              <a:ext uri="{FF2B5EF4-FFF2-40B4-BE49-F238E27FC236}">
-                <a16:creationId xmlns:a16="http://schemas.microsoft.com/office/drawing/2014/main" id="{D01D315B-B96D-42E7-B2BA-547B604068DD}"/>
-              </a:ext>
-            </a:extLst>
-          </p:cNvPr>
-          <p:cNvCxnSpPr>
-            <a:cxnSpLocks/>
-            <a:stCxn id="55" idx="6"/>
-            <a:endCxn id="70" idx="2"/>
-          </p:cNvCxnSpPr>
-          <p:nvPr/>
-        </p:nvCxnSpPr>
-        <p:spPr>
-          <a:xfrm>
-            <a:off x="5570175" y="1296201"/>
-            <a:ext cx="1390675" cy="1561484"/>
-          </a:xfrm>
-          <a:prstGeom prst="straightConnector1">
-            <a:avLst/>
-          </a:prstGeom>
-          <a:ln w="19050">
-            <a:solidFill>
-              <a:schemeClr val="tx1"/>
-            </a:solidFill>
-            <a:tailEnd type="triangle" w="med" len="sm"/>
-          </a:ln>
-        </p:spPr>
-        <p:style>
-          <a:lnRef idx="1">
-            <a:schemeClr val="accent1"/>
-          </a:lnRef>
-          <a:fillRef idx="0">
-            <a:schemeClr val="accent1"/>
-          </a:fillRef>
-          <a:effectRef idx="0">
-            <a:schemeClr val="accent1"/>
-          </a:effectRef>
-          <a:fontRef idx="minor">
-            <a:schemeClr val="tx1"/>
-          </a:fontRef>
-        </p:style>
-      </p:cxnSp>
-      <p:cxnSp>
-        <p:nvCxnSpPr>
-          <p:cNvPr id="103" name="Conector recto de flecha 102">
-            <a:extLst>
-              <a:ext uri="{FF2B5EF4-FFF2-40B4-BE49-F238E27FC236}">
-                <a16:creationId xmlns:a16="http://schemas.microsoft.com/office/drawing/2014/main" id="{12FD6760-9E60-4A26-91CB-6EECD4E13124}"/>
-              </a:ext>
-            </a:extLst>
-          </p:cNvPr>
-          <p:cNvCxnSpPr>
-            <a:cxnSpLocks/>
-            <a:stCxn id="58" idx="6"/>
-            <a:endCxn id="71" idx="2"/>
-          </p:cNvCxnSpPr>
-          <p:nvPr/>
-        </p:nvCxnSpPr>
-        <p:spPr>
-          <a:xfrm flipV="1">
-            <a:off x="5570175" y="4402556"/>
-            <a:ext cx="1390675" cy="1511648"/>
-          </a:xfrm>
-          <a:prstGeom prst="straightConnector1">
-            <a:avLst/>
-          </a:prstGeom>
-          <a:ln w="19050">
-            <a:solidFill>
-              <a:schemeClr val="tx1"/>
-            </a:solidFill>
-            <a:tailEnd type="triangle" w="med" len="sm"/>
-          </a:ln>
-        </p:spPr>
-        <p:style>
-          <a:lnRef idx="1">
-            <a:schemeClr val="accent1"/>
-          </a:lnRef>
-          <a:fillRef idx="0">
-            <a:schemeClr val="accent1"/>
-          </a:fillRef>
-          <a:effectRef idx="0">
-            <a:schemeClr val="accent1"/>
-          </a:effectRef>
-          <a:fontRef idx="minor">
-            <a:schemeClr val="tx1"/>
-          </a:fontRef>
-        </p:style>
-      </p:cxnSp>
-      <p:cxnSp>
-        <p:nvCxnSpPr>
-          <p:cNvPr id="104" name="Conector recto de flecha 103">
-            <a:extLst>
-              <a:ext uri="{FF2B5EF4-FFF2-40B4-BE49-F238E27FC236}">
-                <a16:creationId xmlns:a16="http://schemas.microsoft.com/office/drawing/2014/main" id="{B63222CF-260C-49C2-8009-348F17844CBF}"/>
-              </a:ext>
-            </a:extLst>
-          </p:cNvPr>
-          <p:cNvCxnSpPr>
-            <a:cxnSpLocks/>
-            <a:stCxn id="58" idx="6"/>
-            <a:endCxn id="70" idx="2"/>
-          </p:cNvCxnSpPr>
-          <p:nvPr/>
-        </p:nvCxnSpPr>
-        <p:spPr>
-          <a:xfrm flipV="1">
-            <a:off x="5570175" y="2857685"/>
-            <a:ext cx="1390675" cy="3056519"/>
-          </a:xfrm>
-          <a:prstGeom prst="straightConnector1">
-            <a:avLst/>
-          </a:prstGeom>
-          <a:ln w="19050">
-            <a:solidFill>
-              <a:schemeClr val="tx1"/>
-            </a:solidFill>
-            <a:tailEnd type="triangle" w="med" len="sm"/>
-          </a:ln>
-        </p:spPr>
-        <p:style>
-          <a:lnRef idx="1">
-            <a:schemeClr val="accent1"/>
-          </a:lnRef>
-          <a:fillRef idx="0">
-            <a:schemeClr val="accent1"/>
-          </a:fillRef>
-          <a:effectRef idx="0">
-            <a:schemeClr val="accent1"/>
-          </a:effectRef>
-          <a:fontRef idx="minor">
-            <a:schemeClr val="tx1"/>
-          </a:fontRef>
-        </p:style>
-      </p:cxnSp>
-      <p:cxnSp>
-        <p:nvCxnSpPr>
-          <p:cNvPr id="109" name="Conector recto de flecha 108">
-            <a:extLst>
-              <a:ext uri="{FF2B5EF4-FFF2-40B4-BE49-F238E27FC236}">
-                <a16:creationId xmlns:a16="http://schemas.microsoft.com/office/drawing/2014/main" id="{3D517709-3F0F-404E-8154-91587219A55A}"/>
-              </a:ext>
-            </a:extLst>
-          </p:cNvPr>
-          <p:cNvCxnSpPr>
-            <a:cxnSpLocks/>
-            <a:stCxn id="70" idx="6"/>
-            <a:endCxn id="68" idx="2"/>
-          </p:cNvCxnSpPr>
-          <p:nvPr/>
-        </p:nvCxnSpPr>
-        <p:spPr>
-          <a:xfrm>
-            <a:off x="7890458" y="2857685"/>
-            <a:ext cx="1390677" cy="2292387"/>
-          </a:xfrm>
-          <a:prstGeom prst="straightConnector1">
-            <a:avLst/>
-          </a:prstGeom>
-          <a:ln w="19050">
-            <a:solidFill>
-              <a:schemeClr val="tx1"/>
-            </a:solidFill>
-            <a:tailEnd type="triangle" w="med" len="sm"/>
-          </a:ln>
-        </p:spPr>
-        <p:style>
-          <a:lnRef idx="1">
-            <a:schemeClr val="accent1"/>
-          </a:lnRef>
-          <a:fillRef idx="0">
-            <a:schemeClr val="accent1"/>
-          </a:fillRef>
-          <a:effectRef idx="0">
-            <a:schemeClr val="accent1"/>
-          </a:effectRef>
-          <a:fontRef idx="minor">
-            <a:schemeClr val="tx1"/>
-          </a:fontRef>
-        </p:style>
-      </p:cxnSp>
-      <p:cxnSp>
-        <p:nvCxnSpPr>
-          <p:cNvPr id="110" name="Conector recto de flecha 109">
-            <a:extLst>
-              <a:ext uri="{FF2B5EF4-FFF2-40B4-BE49-F238E27FC236}">
-                <a16:creationId xmlns:a16="http://schemas.microsoft.com/office/drawing/2014/main" id="{4BC1AF3B-DF2E-479C-A48A-8400B8042674}"/>
-              </a:ext>
-            </a:extLst>
-          </p:cNvPr>
-          <p:cNvCxnSpPr>
-            <a:cxnSpLocks/>
-            <a:stCxn id="70" idx="6"/>
-            <a:endCxn id="67" idx="2"/>
-          </p:cNvCxnSpPr>
-          <p:nvPr/>
-        </p:nvCxnSpPr>
-        <p:spPr>
-          <a:xfrm>
-            <a:off x="7890458" y="2857685"/>
-            <a:ext cx="1390677" cy="747517"/>
-          </a:xfrm>
-          <a:prstGeom prst="straightConnector1">
-            <a:avLst/>
-          </a:prstGeom>
-          <a:ln w="19050">
-            <a:solidFill>
-              <a:schemeClr val="tx1"/>
-            </a:solidFill>
-            <a:tailEnd type="triangle" w="med" len="sm"/>
-          </a:ln>
-        </p:spPr>
-        <p:style>
-          <a:lnRef idx="1">
-            <a:schemeClr val="accent1"/>
-          </a:lnRef>
-          <a:fillRef idx="0">
-            <a:schemeClr val="accent1"/>
-          </a:fillRef>
-          <a:effectRef idx="0">
-            <a:schemeClr val="accent1"/>
-          </a:effectRef>
-          <a:fontRef idx="minor">
-            <a:schemeClr val="tx1"/>
-          </a:fontRef>
-        </p:style>
-      </p:cxnSp>
-      <p:cxnSp>
-        <p:nvCxnSpPr>
-          <p:cNvPr id="111" name="Conector recto de flecha 110">
-            <a:extLst>
-              <a:ext uri="{FF2B5EF4-FFF2-40B4-BE49-F238E27FC236}">
-                <a16:creationId xmlns:a16="http://schemas.microsoft.com/office/drawing/2014/main" id="{C4ABB771-69FA-4C02-BD20-5D47CB82B74A}"/>
-              </a:ext>
-            </a:extLst>
-          </p:cNvPr>
-          <p:cNvCxnSpPr>
-            <a:cxnSpLocks/>
-            <a:stCxn id="70" idx="6"/>
-            <a:endCxn id="66" idx="2"/>
-          </p:cNvCxnSpPr>
-          <p:nvPr/>
-        </p:nvCxnSpPr>
-        <p:spPr>
-          <a:xfrm flipV="1">
-            <a:off x="7890458" y="2060331"/>
-            <a:ext cx="1390677" cy="797354"/>
-          </a:xfrm>
-          <a:prstGeom prst="straightConnector1">
-            <a:avLst/>
-          </a:prstGeom>
-          <a:ln w="19050">
-            <a:solidFill>
-              <a:schemeClr val="tx1"/>
-            </a:solidFill>
-            <a:tailEnd type="triangle" w="med" len="sm"/>
-          </a:ln>
-        </p:spPr>
-        <p:style>
-          <a:lnRef idx="1">
-            <a:schemeClr val="accent1"/>
-          </a:lnRef>
-          <a:fillRef idx="0">
-            <a:schemeClr val="accent1"/>
-          </a:fillRef>
-          <a:effectRef idx="0">
-            <a:schemeClr val="accent1"/>
-          </a:effectRef>
-          <a:fontRef idx="minor">
-            <a:schemeClr val="tx1"/>
-          </a:fontRef>
-        </p:style>
-      </p:cxnSp>
-      <p:cxnSp>
-        <p:nvCxnSpPr>
-          <p:cNvPr id="112" name="Conector recto de flecha 111">
-            <a:extLst>
-              <a:ext uri="{FF2B5EF4-FFF2-40B4-BE49-F238E27FC236}">
-                <a16:creationId xmlns:a16="http://schemas.microsoft.com/office/drawing/2014/main" id="{9BD46234-9793-423B-A885-D67C0509ADDD}"/>
-              </a:ext>
-            </a:extLst>
-          </p:cNvPr>
-          <p:cNvCxnSpPr>
-            <a:cxnSpLocks/>
-            <a:stCxn id="71" idx="6"/>
-            <a:endCxn id="68" idx="2"/>
-          </p:cNvCxnSpPr>
-          <p:nvPr/>
-        </p:nvCxnSpPr>
-        <p:spPr>
-          <a:xfrm>
-            <a:off x="7890458" y="4402556"/>
-            <a:ext cx="1390677" cy="747516"/>
-          </a:xfrm>
-          <a:prstGeom prst="straightConnector1">
-            <a:avLst/>
-          </a:prstGeom>
-          <a:ln w="19050">
-            <a:solidFill>
-              <a:schemeClr val="tx1"/>
-            </a:solidFill>
-            <a:tailEnd type="triangle" w="med" len="sm"/>
-          </a:ln>
-        </p:spPr>
-        <p:style>
-          <a:lnRef idx="1">
-            <a:schemeClr val="accent1"/>
-          </a:lnRef>
-          <a:fillRef idx="0">
-            <a:schemeClr val="accent1"/>
-          </a:fillRef>
-          <a:effectRef idx="0">
-            <a:schemeClr val="accent1"/>
-          </a:effectRef>
-          <a:fontRef idx="minor">
-            <a:schemeClr val="tx1"/>
-          </a:fontRef>
-        </p:style>
-      </p:cxnSp>
-      <p:cxnSp>
-        <p:nvCxnSpPr>
-          <p:cNvPr id="113" name="Conector recto de flecha 112">
-            <a:extLst>
-              <a:ext uri="{FF2B5EF4-FFF2-40B4-BE49-F238E27FC236}">
-                <a16:creationId xmlns:a16="http://schemas.microsoft.com/office/drawing/2014/main" id="{7BDAB4DD-2BA1-46C4-A638-EBB1BBFB931E}"/>
-              </a:ext>
-            </a:extLst>
-          </p:cNvPr>
-          <p:cNvCxnSpPr>
-            <a:cxnSpLocks/>
-            <a:stCxn id="71" idx="6"/>
-            <a:endCxn id="67" idx="2"/>
-          </p:cNvCxnSpPr>
-          <p:nvPr/>
-        </p:nvCxnSpPr>
-        <p:spPr>
-          <a:xfrm flipV="1">
-            <a:off x="7890458" y="3605202"/>
-            <a:ext cx="1390677" cy="797354"/>
-          </a:xfrm>
-          <a:prstGeom prst="straightConnector1">
-            <a:avLst/>
-          </a:prstGeom>
-          <a:ln w="19050">
-            <a:solidFill>
-              <a:schemeClr val="tx1"/>
-            </a:solidFill>
-            <a:tailEnd type="triangle" w="med" len="sm"/>
-          </a:ln>
-        </p:spPr>
-        <p:style>
-          <a:lnRef idx="1">
-            <a:schemeClr val="accent1"/>
-          </a:lnRef>
-          <a:fillRef idx="0">
-            <a:schemeClr val="accent1"/>
-          </a:fillRef>
-          <a:effectRef idx="0">
-            <a:schemeClr val="accent1"/>
-          </a:effectRef>
-          <a:fontRef idx="minor">
-            <a:schemeClr val="tx1"/>
-          </a:fontRef>
-        </p:style>
-      </p:cxnSp>
-      <p:cxnSp>
-        <p:nvCxnSpPr>
-          <p:cNvPr id="114" name="Conector recto de flecha 113">
-            <a:extLst>
-              <a:ext uri="{FF2B5EF4-FFF2-40B4-BE49-F238E27FC236}">
-                <a16:creationId xmlns:a16="http://schemas.microsoft.com/office/drawing/2014/main" id="{1C06F3EE-4B7B-448D-8E32-D14F4822691A}"/>
-              </a:ext>
-            </a:extLst>
-          </p:cNvPr>
-          <p:cNvCxnSpPr>
-            <a:cxnSpLocks/>
-            <a:stCxn id="71" idx="6"/>
-            <a:endCxn id="66" idx="2"/>
-          </p:cNvCxnSpPr>
-          <p:nvPr/>
-        </p:nvCxnSpPr>
-        <p:spPr>
-          <a:xfrm flipV="1">
-            <a:off x="7890458" y="2060331"/>
-            <a:ext cx="1390677" cy="2342225"/>
-          </a:xfrm>
-          <a:prstGeom prst="straightConnector1">
-            <a:avLst/>
-          </a:prstGeom>
-          <a:ln w="19050">
-            <a:solidFill>
-              <a:schemeClr val="tx1"/>
-            </a:solidFill>
-            <a:tailEnd type="triangle" w="med" len="sm"/>
-          </a:ln>
-        </p:spPr>
-        <p:style>
-          <a:lnRef idx="1">
-            <a:schemeClr val="accent1"/>
-          </a:lnRef>
-          <a:fillRef idx="0">
-            <a:schemeClr val="accent1"/>
-          </a:fillRef>
-          <a:effectRef idx="0">
-            <a:schemeClr val="accent1"/>
-          </a:effectRef>
-          <a:fontRef idx="minor">
-            <a:schemeClr val="tx1"/>
-          </a:fontRef>
-        </p:style>
-      </p:cxnSp>
     </p:spTree>
     <p:extLst>
       <p:ext uri="{BB962C8B-B14F-4D97-AF65-F5344CB8AC3E}">
-        <p14:creationId xmlns:p14="http://schemas.microsoft.com/office/powerpoint/2010/main" val="4184257775"/>
+        <p14:creationId xmlns:p14="http://schemas.microsoft.com/office/powerpoint/2010/main" val="3630431633"/>
       </p:ext>
     </p:extLst>
   </p:cSld>
